--- a/slides/design_workflow.pptx
+++ b/slides/design_workflow.pptx
@@ -6,6 +6,8 @@
   </p:sldMasterIdLst>
   <p:sldIdLst>
     <p:sldId id="257" r:id="rId2"/>
+    <p:sldId id="258" r:id="rId3"/>
+    <p:sldId id="259" r:id="rId4"/>
   </p:sldIdLst>
   <p:sldSz cx="12192000" cy="6858000"/>
   <p:notesSz cx="6858000" cy="9144000"/>
@@ -4488,6 +4490,136 @@
 </p:sld>
 </file>
 
+<file path=ppt/slides/slide2.xml><?xml version="1.0" encoding="utf-8"?>
+<p:sld xmlns:a="http://schemas.openxmlformats.org/drawingml/2006/main" xmlns:r="http://schemas.openxmlformats.org/officeDocument/2006/relationships" xmlns:p="http://schemas.openxmlformats.org/presentationml/2006/main">
+  <p:cSld>
+    <p:spTree>
+      <p:nvGrpSpPr>
+        <p:cNvPr id="1" name=""/>
+        <p:cNvGrpSpPr/>
+        <p:nvPr/>
+      </p:nvGrpSpPr>
+      <p:grpSpPr>
+        <a:xfrm>
+          <a:off x="0" y="0"/>
+          <a:ext cx="0" cy="0"/>
+          <a:chOff x="0" y="0"/>
+          <a:chExt cx="0" cy="0"/>
+        </a:xfrm>
+      </p:grpSpPr>
+      <p:sp>
+        <p:nvSpPr>
+          <p:cNvPr id="4" name="TextBox 3">
+            <a:extLst>
+              <a:ext uri="{FF2B5EF4-FFF2-40B4-BE49-F238E27FC236}">
+                <a16:creationId xmlns:a16="http://schemas.microsoft.com/office/drawing/2014/main" id="{9078675A-2A1C-0348-B2F5-903B60CE2405}"/>
+              </a:ext>
+            </a:extLst>
+          </p:cNvPr>
+          <p:cNvSpPr txBox="1"/>
+          <p:nvPr/>
+        </p:nvSpPr>
+        <p:spPr>
+          <a:xfrm>
+            <a:off x="3581400" y="335280"/>
+            <a:ext cx="527709" cy="369332"/>
+          </a:xfrm>
+          <a:prstGeom prst="rect">
+            <a:avLst/>
+          </a:prstGeom>
+          <a:noFill/>
+        </p:spPr>
+        <p:txBody>
+          <a:bodyPr wrap="none" rtlCol="0">
+            <a:spAutoFit/>
+          </a:bodyPr>
+          <a:lstStyle/>
+          <a:p>
+            <a:r>
+              <a:rPr lang="en-US" dirty="0"/>
+              <a:t>idle</a:t>
+            </a:r>
+          </a:p>
+        </p:txBody>
+      </p:sp>
+    </p:spTree>
+    <p:extLst>
+      <p:ext uri="{BB962C8B-B14F-4D97-AF65-F5344CB8AC3E}">
+        <p14:creationId xmlns:p14="http://schemas.microsoft.com/office/powerpoint/2010/main" val="3447541882"/>
+      </p:ext>
+    </p:extLst>
+  </p:cSld>
+  <p:clrMapOvr>
+    <a:masterClrMapping/>
+  </p:clrMapOvr>
+</p:sld>
+</file>
+
+<file path=ppt/slides/slide3.xml><?xml version="1.0" encoding="utf-8"?>
+<p:sld xmlns:a="http://schemas.openxmlformats.org/drawingml/2006/main" xmlns:r="http://schemas.openxmlformats.org/officeDocument/2006/relationships" xmlns:p="http://schemas.openxmlformats.org/presentationml/2006/main">
+  <p:cSld>
+    <p:spTree>
+      <p:nvGrpSpPr>
+        <p:cNvPr id="1" name=""/>
+        <p:cNvGrpSpPr/>
+        <p:nvPr/>
+      </p:nvGrpSpPr>
+      <p:grpSpPr>
+        <a:xfrm>
+          <a:off x="0" y="0"/>
+          <a:ext cx="0" cy="0"/>
+          <a:chOff x="0" y="0"/>
+          <a:chExt cx="0" cy="0"/>
+        </a:xfrm>
+      </p:grpSpPr>
+      <p:sp>
+        <p:nvSpPr>
+          <p:cNvPr id="4" name="TextBox 3">
+            <a:extLst>
+              <a:ext uri="{FF2B5EF4-FFF2-40B4-BE49-F238E27FC236}">
+                <a16:creationId xmlns:a16="http://schemas.microsoft.com/office/drawing/2014/main" id="{770F11B1-AF79-6643-977C-B9AC75D855E8}"/>
+              </a:ext>
+            </a:extLst>
+          </p:cNvPr>
+          <p:cNvSpPr txBox="1"/>
+          <p:nvPr/>
+        </p:nvSpPr>
+        <p:spPr>
+          <a:xfrm>
+            <a:off x="5120640" y="198120"/>
+            <a:ext cx="554960" cy="369332"/>
+          </a:xfrm>
+          <a:prstGeom prst="rect">
+            <a:avLst/>
+          </a:prstGeom>
+          <a:noFill/>
+        </p:spPr>
+        <p:txBody>
+          <a:bodyPr wrap="none" rtlCol="0">
+            <a:spAutoFit/>
+          </a:bodyPr>
+          <a:lstStyle/>
+          <a:p>
+            <a:r>
+              <a:rPr lang="en-US" dirty="0"/>
+              <a:t>ride</a:t>
+            </a:r>
+          </a:p>
+        </p:txBody>
+      </p:sp>
+    </p:spTree>
+    <p:extLst>
+      <p:ext uri="{BB962C8B-B14F-4D97-AF65-F5344CB8AC3E}">
+        <p14:creationId xmlns:p14="http://schemas.microsoft.com/office/powerpoint/2010/main" val="435995602"/>
+      </p:ext>
+    </p:extLst>
+  </p:cSld>
+  <p:clrMapOvr>
+    <a:masterClrMapping/>
+  </p:clrMapOvr>
+</p:sld>
+</file>
+
 <file path=ppt/theme/theme1.xml><?xml version="1.0" encoding="utf-8"?>
 <a:theme xmlns:a="http://schemas.openxmlformats.org/drawingml/2006/main" name="Office Theme">
   <a:themeElements>

--- a/slides/design_workflow.pptx
+++ b/slides/design_workflow.pptx
@@ -4434,8 +4434,8 @@
         </p:blipFill>
         <p:spPr>
           <a:xfrm>
-            <a:off x="6556558" y="121799"/>
-            <a:ext cx="5516689" cy="2023710"/>
+            <a:off x="7425070" y="242811"/>
+            <a:ext cx="4448109" cy="1631718"/>
           </a:xfrm>
           <a:prstGeom prst="rect">
             <a:avLst/>
@@ -4521,8 +4521,8 @@
         </p:nvSpPr>
         <p:spPr>
           <a:xfrm>
-            <a:off x="3581400" y="335280"/>
-            <a:ext cx="527709" cy="369332"/>
+            <a:off x="332481" y="291518"/>
+            <a:ext cx="5129225" cy="707886"/>
           </a:xfrm>
           <a:prstGeom prst="rect">
             <a:avLst/>
@@ -4536,12 +4536,1442 @@
           <a:lstStyle/>
           <a:p>
             <a:r>
-              <a:rPr lang="en-US" dirty="0"/>
-              <a:t>idle</a:t>
-            </a:r>
-          </a:p>
-        </p:txBody>
-      </p:sp>
+              <a:rPr lang="en-US" sz="4000" dirty="0"/>
+              <a:t>Idle, task between rides</a:t>
+            </a:r>
+          </a:p>
+        </p:txBody>
+      </p:sp>
+      <p:sp>
+        <p:nvSpPr>
+          <p:cNvPr id="5" name="TextBox 4">
+            <a:extLst>
+              <a:ext uri="{FF2B5EF4-FFF2-40B4-BE49-F238E27FC236}">
+                <a16:creationId xmlns:a16="http://schemas.microsoft.com/office/drawing/2014/main" id="{7D564502-232E-7F4E-86D4-3CFBCC822329}"/>
+              </a:ext>
+            </a:extLst>
+          </p:cNvPr>
+          <p:cNvSpPr txBox="1"/>
+          <p:nvPr/>
+        </p:nvSpPr>
+        <p:spPr>
+          <a:xfrm>
+            <a:off x="1296122" y="999404"/>
+            <a:ext cx="1816523" cy="630942"/>
+          </a:xfrm>
+          <a:prstGeom prst="rect">
+            <a:avLst/>
+          </a:prstGeom>
+          <a:noFill/>
+          <a:ln>
+            <a:solidFill>
+              <a:schemeClr val="tx1"/>
+            </a:solidFill>
+          </a:ln>
+        </p:spPr>
+        <p:txBody>
+          <a:bodyPr wrap="none" rtlCol="0">
+            <a:spAutoFit/>
+          </a:bodyPr>
+          <a:lstStyle/>
+          <a:p>
+            <a:r>
+              <a:rPr lang="en-US" sz="3500" dirty="0" err="1"/>
+              <a:t>do_idle</a:t>
+            </a:r>
+            <a:r>
+              <a:rPr lang="en-US" sz="3500" dirty="0"/>
+              <a:t>()</a:t>
+            </a:r>
+          </a:p>
+        </p:txBody>
+      </p:sp>
+      <p:sp>
+        <p:nvSpPr>
+          <p:cNvPr id="6" name="TextBox 5">
+            <a:extLst>
+              <a:ext uri="{FF2B5EF4-FFF2-40B4-BE49-F238E27FC236}">
+                <a16:creationId xmlns:a16="http://schemas.microsoft.com/office/drawing/2014/main" id="{19B61244-9AA7-9941-89E8-73DB85E704E6}"/>
+              </a:ext>
+            </a:extLst>
+          </p:cNvPr>
+          <p:cNvSpPr txBox="1"/>
+          <p:nvPr/>
+        </p:nvSpPr>
+        <p:spPr>
+          <a:xfrm>
+            <a:off x="1074202" y="4341946"/>
+            <a:ext cx="2260362" cy="630942"/>
+          </a:xfrm>
+          <a:prstGeom prst="rect">
+            <a:avLst/>
+          </a:prstGeom>
+          <a:noFill/>
+          <a:ln>
+            <a:solidFill>
+              <a:schemeClr val="tx1"/>
+            </a:solidFill>
+          </a:ln>
+        </p:spPr>
+        <p:txBody>
+          <a:bodyPr wrap="none" rtlCol="0">
+            <a:spAutoFit/>
+          </a:bodyPr>
+          <a:lstStyle/>
+          <a:p>
+            <a:r>
+              <a:rPr lang="en-US" sz="3500" dirty="0"/>
+              <a:t>Task option</a:t>
+            </a:r>
+          </a:p>
+        </p:txBody>
+      </p:sp>
+      <p:cxnSp>
+        <p:nvCxnSpPr>
+          <p:cNvPr id="8" name="Straight Arrow Connector 7">
+            <a:extLst>
+              <a:ext uri="{FF2B5EF4-FFF2-40B4-BE49-F238E27FC236}">
+                <a16:creationId xmlns:a16="http://schemas.microsoft.com/office/drawing/2014/main" id="{72C3D3C2-76E8-D043-AB95-F93F0939D79E}"/>
+              </a:ext>
+            </a:extLst>
+          </p:cNvPr>
+          <p:cNvCxnSpPr>
+            <a:cxnSpLocks/>
+            <a:stCxn id="5" idx="2"/>
+            <a:endCxn id="17" idx="0"/>
+          </p:cNvCxnSpPr>
+          <p:nvPr/>
+        </p:nvCxnSpPr>
+        <p:spPr>
+          <a:xfrm>
+            <a:off x="2204384" y="1630346"/>
+            <a:ext cx="11929" cy="706294"/>
+          </a:xfrm>
+          <a:prstGeom prst="straightConnector1">
+            <a:avLst/>
+          </a:prstGeom>
+          <a:ln w="25400">
+            <a:solidFill>
+              <a:schemeClr val="tx1"/>
+            </a:solidFill>
+            <a:tailEnd type="triangle"/>
+          </a:ln>
+        </p:spPr>
+        <p:style>
+          <a:lnRef idx="1">
+            <a:schemeClr val="accent1"/>
+          </a:lnRef>
+          <a:fillRef idx="0">
+            <a:schemeClr val="accent1"/>
+          </a:fillRef>
+          <a:effectRef idx="0">
+            <a:schemeClr val="accent1"/>
+          </a:effectRef>
+          <a:fontRef idx="minor">
+            <a:schemeClr val="tx1"/>
+          </a:fontRef>
+        </p:style>
+      </p:cxnSp>
+      <p:sp>
+        <p:nvSpPr>
+          <p:cNvPr id="10" name="TextBox 9">
+            <a:extLst>
+              <a:ext uri="{FF2B5EF4-FFF2-40B4-BE49-F238E27FC236}">
+                <a16:creationId xmlns:a16="http://schemas.microsoft.com/office/drawing/2014/main" id="{9534FD45-A0AF-F640-9A37-D4CDBDF2EA7C}"/>
+              </a:ext>
+            </a:extLst>
+          </p:cNvPr>
+          <p:cNvSpPr txBox="1"/>
+          <p:nvPr/>
+        </p:nvSpPr>
+        <p:spPr>
+          <a:xfrm>
+            <a:off x="6231817" y="6039367"/>
+            <a:ext cx="3844386" cy="630942"/>
+          </a:xfrm>
+          <a:prstGeom prst="rect">
+            <a:avLst/>
+          </a:prstGeom>
+          <a:noFill/>
+          <a:ln>
+            <a:solidFill>
+              <a:schemeClr val="tx1"/>
+            </a:solidFill>
+          </a:ln>
+        </p:spPr>
+        <p:txBody>
+          <a:bodyPr wrap="none" rtlCol="0">
+            <a:spAutoFit/>
+          </a:bodyPr>
+          <a:lstStyle/>
+          <a:p>
+            <a:r>
+              <a:rPr lang="en-US" sz="3500" dirty="0" err="1"/>
+              <a:t>get_task_outcome</a:t>
+            </a:r>
+            <a:r>
+              <a:rPr lang="en-US" sz="3500" dirty="0"/>
+              <a:t>()</a:t>
+            </a:r>
+          </a:p>
+        </p:txBody>
+      </p:sp>
+      <p:cxnSp>
+        <p:nvCxnSpPr>
+          <p:cNvPr id="11" name="Straight Arrow Connector 10">
+            <a:extLst>
+              <a:ext uri="{FF2B5EF4-FFF2-40B4-BE49-F238E27FC236}">
+                <a16:creationId xmlns:a16="http://schemas.microsoft.com/office/drawing/2014/main" id="{2886CDD7-5A05-854D-87A4-64F7F9964496}"/>
+              </a:ext>
+            </a:extLst>
+          </p:cNvPr>
+          <p:cNvCxnSpPr>
+            <a:cxnSpLocks/>
+            <a:stCxn id="69" idx="2"/>
+            <a:endCxn id="10" idx="0"/>
+          </p:cNvCxnSpPr>
+          <p:nvPr/>
+        </p:nvCxnSpPr>
+        <p:spPr>
+          <a:xfrm flipH="1">
+            <a:off x="8154010" y="5827702"/>
+            <a:ext cx="225964" cy="211665"/>
+          </a:xfrm>
+          <a:prstGeom prst="straightConnector1">
+            <a:avLst/>
+          </a:prstGeom>
+          <a:ln w="25400">
+            <a:solidFill>
+              <a:schemeClr val="tx1"/>
+            </a:solidFill>
+            <a:tailEnd type="triangle"/>
+          </a:ln>
+        </p:spPr>
+        <p:style>
+          <a:lnRef idx="1">
+            <a:schemeClr val="accent1"/>
+          </a:lnRef>
+          <a:fillRef idx="0">
+            <a:schemeClr val="accent1"/>
+          </a:fillRef>
+          <a:effectRef idx="0">
+            <a:schemeClr val="accent1"/>
+          </a:effectRef>
+          <a:fontRef idx="minor">
+            <a:schemeClr val="tx1"/>
+          </a:fontRef>
+        </p:style>
+      </p:cxnSp>
+      <p:sp>
+        <p:nvSpPr>
+          <p:cNvPr id="17" name="TextBox 16">
+            <a:extLst>
+              <a:ext uri="{FF2B5EF4-FFF2-40B4-BE49-F238E27FC236}">
+                <a16:creationId xmlns:a16="http://schemas.microsoft.com/office/drawing/2014/main" id="{34A07010-5FE8-BB41-B28D-7244B3D1E62D}"/>
+              </a:ext>
+            </a:extLst>
+          </p:cNvPr>
+          <p:cNvSpPr txBox="1"/>
+          <p:nvPr/>
+        </p:nvSpPr>
+        <p:spPr>
+          <a:xfrm>
+            <a:off x="879537" y="2336640"/>
+            <a:ext cx="2673552" cy="1708160"/>
+          </a:xfrm>
+          <a:prstGeom prst="rect">
+            <a:avLst/>
+          </a:prstGeom>
+          <a:noFill/>
+          <a:ln>
+            <a:solidFill>
+              <a:schemeClr val="tx1"/>
+            </a:solidFill>
+          </a:ln>
+        </p:spPr>
+        <p:txBody>
+          <a:bodyPr wrap="none" rtlCol="0">
+            <a:spAutoFit/>
+          </a:bodyPr>
+          <a:lstStyle/>
+          <a:p>
+            <a:r>
+              <a:rPr lang="en-US" sz="3500" dirty="0"/>
+              <a:t>Print graphics</a:t>
+            </a:r>
+          </a:p>
+          <a:p>
+            <a:pPr marL="342900" indent="-342900">
+              <a:buAutoNum type="arabicPeriod"/>
+            </a:pPr>
+            <a:r>
+              <a:rPr lang="en-US" sz="3500" dirty="0"/>
+              <a:t>Bike </a:t>
+            </a:r>
+            <a:r>
+              <a:rPr lang="en-US" sz="3500" dirty="0" err="1"/>
+              <a:t>str</a:t>
+            </a:r>
+            <a:endParaRPr lang="en-US" sz="3500" dirty="0"/>
+          </a:p>
+          <a:p>
+            <a:pPr marL="342900" indent="-342900">
+              <a:buAutoNum type="arabicPeriod"/>
+            </a:pPr>
+            <a:r>
+              <a:rPr lang="en-US" sz="3500" dirty="0"/>
+              <a:t>logo</a:t>
+            </a:r>
+          </a:p>
+        </p:txBody>
+      </p:sp>
+      <p:cxnSp>
+        <p:nvCxnSpPr>
+          <p:cNvPr id="20" name="Straight Arrow Connector 19">
+            <a:extLst>
+              <a:ext uri="{FF2B5EF4-FFF2-40B4-BE49-F238E27FC236}">
+                <a16:creationId xmlns:a16="http://schemas.microsoft.com/office/drawing/2014/main" id="{3CB97BF4-A63B-3E40-8FFD-E99F9A0BBA0D}"/>
+              </a:ext>
+            </a:extLst>
+          </p:cNvPr>
+          <p:cNvCxnSpPr>
+            <a:cxnSpLocks/>
+            <a:stCxn id="17" idx="2"/>
+            <a:endCxn id="6" idx="0"/>
+          </p:cNvCxnSpPr>
+          <p:nvPr/>
+        </p:nvCxnSpPr>
+        <p:spPr>
+          <a:xfrm flipH="1">
+            <a:off x="2204383" y="4044800"/>
+            <a:ext cx="11930" cy="297146"/>
+          </a:xfrm>
+          <a:prstGeom prst="straightConnector1">
+            <a:avLst/>
+          </a:prstGeom>
+          <a:ln w="25400">
+            <a:solidFill>
+              <a:schemeClr val="tx1"/>
+            </a:solidFill>
+            <a:tailEnd type="triangle"/>
+          </a:ln>
+        </p:spPr>
+        <p:style>
+          <a:lnRef idx="1">
+            <a:schemeClr val="accent1"/>
+          </a:lnRef>
+          <a:fillRef idx="0">
+            <a:schemeClr val="accent1"/>
+          </a:fillRef>
+          <a:effectRef idx="0">
+            <a:schemeClr val="accent1"/>
+          </a:effectRef>
+          <a:fontRef idx="minor">
+            <a:schemeClr val="tx1"/>
+          </a:fontRef>
+        </p:style>
+      </p:cxnSp>
+      <p:grpSp>
+        <p:nvGrpSpPr>
+          <p:cNvPr id="68" name="Group 67">
+            <a:extLst>
+              <a:ext uri="{FF2B5EF4-FFF2-40B4-BE49-F238E27FC236}">
+                <a16:creationId xmlns:a16="http://schemas.microsoft.com/office/drawing/2014/main" id="{4816A8EC-C1E8-E740-ADD8-F66770F62D5D}"/>
+              </a:ext>
+            </a:extLst>
+          </p:cNvPr>
+          <p:cNvGrpSpPr/>
+          <p:nvPr/>
+        </p:nvGrpSpPr>
+        <p:grpSpPr>
+          <a:xfrm>
+            <a:off x="5548049" y="690769"/>
+            <a:ext cx="6365400" cy="5136933"/>
+            <a:chOff x="4480290" y="2244092"/>
+            <a:chExt cx="6365400" cy="5136933"/>
+          </a:xfrm>
+        </p:grpSpPr>
+        <p:sp>
+          <p:nvSpPr>
+            <p:cNvPr id="25" name="TextBox 24">
+              <a:extLst>
+                <a:ext uri="{FF2B5EF4-FFF2-40B4-BE49-F238E27FC236}">
+                  <a16:creationId xmlns:a16="http://schemas.microsoft.com/office/drawing/2014/main" id="{62F32B6B-AE12-5B4A-8109-9F6317BFE9A7}"/>
+                </a:ext>
+              </a:extLst>
+            </p:cNvPr>
+            <p:cNvSpPr txBox="1"/>
+            <p:nvPr/>
+          </p:nvSpPr>
+          <p:spPr>
+            <a:xfrm>
+              <a:off x="5962978" y="2244092"/>
+              <a:ext cx="2023311" cy="630942"/>
+            </a:xfrm>
+            <a:prstGeom prst="rect">
+              <a:avLst/>
+            </a:prstGeom>
+            <a:noFill/>
+            <a:ln>
+              <a:solidFill>
+                <a:schemeClr val="tx1"/>
+              </a:solidFill>
+            </a:ln>
+          </p:spPr>
+          <p:txBody>
+            <a:bodyPr wrap="none" rtlCol="0">
+              <a:spAutoFit/>
+            </a:bodyPr>
+            <a:lstStyle/>
+            <a:p>
+              <a:r>
+                <a:rPr lang="en-US" sz="3500" dirty="0"/>
+                <a:t>Maintain?</a:t>
+              </a:r>
+            </a:p>
+          </p:txBody>
+        </p:sp>
+        <p:sp>
+          <p:nvSpPr>
+            <p:cNvPr id="26" name="TextBox 25">
+              <a:extLst>
+                <a:ext uri="{FF2B5EF4-FFF2-40B4-BE49-F238E27FC236}">
+                  <a16:creationId xmlns:a16="http://schemas.microsoft.com/office/drawing/2014/main" id="{4B3AE472-0F46-4F47-B33B-1EA8865B7883}"/>
+                </a:ext>
+              </a:extLst>
+            </p:cNvPr>
+            <p:cNvSpPr txBox="1"/>
+            <p:nvPr/>
+          </p:nvSpPr>
+          <p:spPr>
+            <a:xfrm>
+              <a:off x="5417631" y="3188983"/>
+              <a:ext cx="781945" cy="630942"/>
+            </a:xfrm>
+            <a:prstGeom prst="rect">
+              <a:avLst/>
+            </a:prstGeom>
+            <a:noFill/>
+            <a:ln>
+              <a:solidFill>
+                <a:schemeClr val="tx1"/>
+              </a:solidFill>
+            </a:ln>
+          </p:spPr>
+          <p:txBody>
+            <a:bodyPr wrap="none" rtlCol="0">
+              <a:spAutoFit/>
+            </a:bodyPr>
+            <a:lstStyle/>
+            <a:p>
+              <a:r>
+                <a:rPr lang="en-US" sz="3500" dirty="0"/>
+                <a:t>yes</a:t>
+              </a:r>
+            </a:p>
+          </p:txBody>
+        </p:sp>
+        <p:sp>
+          <p:nvSpPr>
+            <p:cNvPr id="27" name="TextBox 26">
+              <a:extLst>
+                <a:ext uri="{FF2B5EF4-FFF2-40B4-BE49-F238E27FC236}">
+                  <a16:creationId xmlns:a16="http://schemas.microsoft.com/office/drawing/2014/main" id="{B09A35AF-CDCE-7C49-855D-D8DCC7F90042}"/>
+                </a:ext>
+              </a:extLst>
+            </p:cNvPr>
+            <p:cNvSpPr txBox="1"/>
+            <p:nvPr/>
+          </p:nvSpPr>
+          <p:spPr>
+            <a:xfrm>
+              <a:off x="7521090" y="3053575"/>
+              <a:ext cx="657552" cy="630942"/>
+            </a:xfrm>
+            <a:prstGeom prst="rect">
+              <a:avLst/>
+            </a:prstGeom>
+            <a:noFill/>
+            <a:ln>
+              <a:solidFill>
+                <a:schemeClr val="tx1"/>
+              </a:solidFill>
+            </a:ln>
+          </p:spPr>
+          <p:txBody>
+            <a:bodyPr wrap="none" rtlCol="0">
+              <a:spAutoFit/>
+            </a:bodyPr>
+            <a:lstStyle/>
+            <a:p>
+              <a:r>
+                <a:rPr lang="en-US" sz="3500" dirty="0"/>
+                <a:t>no</a:t>
+              </a:r>
+            </a:p>
+          </p:txBody>
+        </p:sp>
+        <p:sp>
+          <p:nvSpPr>
+            <p:cNvPr id="28" name="TextBox 27">
+              <a:extLst>
+                <a:ext uri="{FF2B5EF4-FFF2-40B4-BE49-F238E27FC236}">
+                  <a16:creationId xmlns:a16="http://schemas.microsoft.com/office/drawing/2014/main" id="{94648084-3E40-8844-A508-52365D24DB62}"/>
+                </a:ext>
+              </a:extLst>
+            </p:cNvPr>
+            <p:cNvSpPr txBox="1"/>
+            <p:nvPr/>
+          </p:nvSpPr>
+          <p:spPr>
+            <a:xfrm>
+              <a:off x="8534506" y="3130406"/>
+              <a:ext cx="1622911" cy="630942"/>
+            </a:xfrm>
+            <a:prstGeom prst="rect">
+              <a:avLst/>
+            </a:prstGeom>
+            <a:noFill/>
+            <a:ln>
+              <a:solidFill>
+                <a:schemeClr val="tx1"/>
+              </a:solidFill>
+            </a:ln>
+          </p:spPr>
+          <p:txBody>
+            <a:bodyPr wrap="square" rtlCol="0">
+              <a:spAutoFit/>
+            </a:bodyPr>
+            <a:lstStyle/>
+            <a:p>
+              <a:r>
+                <a:rPr lang="en-US" sz="3500" dirty="0"/>
+                <a:t>Repair?</a:t>
+              </a:r>
+            </a:p>
+          </p:txBody>
+        </p:sp>
+        <p:sp>
+          <p:nvSpPr>
+            <p:cNvPr id="29" name="TextBox 28">
+              <a:extLst>
+                <a:ext uri="{FF2B5EF4-FFF2-40B4-BE49-F238E27FC236}">
+                  <a16:creationId xmlns:a16="http://schemas.microsoft.com/office/drawing/2014/main" id="{940975D4-3C84-0C43-B387-07B26518CE9C}"/>
+                </a:ext>
+              </a:extLst>
+            </p:cNvPr>
+            <p:cNvSpPr txBox="1"/>
+            <p:nvPr/>
+          </p:nvSpPr>
+          <p:spPr>
+            <a:xfrm>
+              <a:off x="4776253" y="4278330"/>
+              <a:ext cx="2107447" cy="630942"/>
+            </a:xfrm>
+            <a:prstGeom prst="rect">
+              <a:avLst/>
+            </a:prstGeom>
+            <a:noFill/>
+            <a:ln>
+              <a:solidFill>
+                <a:schemeClr val="tx1"/>
+              </a:solidFill>
+            </a:ln>
+          </p:spPr>
+          <p:txBody>
+            <a:bodyPr wrap="square" rtlCol="0">
+              <a:spAutoFit/>
+            </a:bodyPr>
+            <a:lstStyle/>
+            <a:p>
+              <a:r>
+                <a:rPr lang="en-US" sz="3500" dirty="0"/>
+                <a:t>Fix/break</a:t>
+              </a:r>
+            </a:p>
+          </p:txBody>
+        </p:sp>
+        <p:sp>
+          <p:nvSpPr>
+            <p:cNvPr id="30" name="TextBox 29">
+              <a:extLst>
+                <a:ext uri="{FF2B5EF4-FFF2-40B4-BE49-F238E27FC236}">
+                  <a16:creationId xmlns:a16="http://schemas.microsoft.com/office/drawing/2014/main" id="{33F8264E-5322-7345-BCEE-729058353378}"/>
+                </a:ext>
+              </a:extLst>
+            </p:cNvPr>
+            <p:cNvSpPr txBox="1"/>
+            <p:nvPr/>
+          </p:nvSpPr>
+          <p:spPr>
+            <a:xfrm>
+              <a:off x="9404901" y="4009861"/>
+              <a:ext cx="781945" cy="630942"/>
+            </a:xfrm>
+            <a:prstGeom prst="rect">
+              <a:avLst/>
+            </a:prstGeom>
+            <a:noFill/>
+            <a:ln>
+              <a:solidFill>
+                <a:schemeClr val="tx1"/>
+              </a:solidFill>
+            </a:ln>
+          </p:spPr>
+          <p:txBody>
+            <a:bodyPr wrap="none" rtlCol="0">
+              <a:spAutoFit/>
+            </a:bodyPr>
+            <a:lstStyle/>
+            <a:p>
+              <a:r>
+                <a:rPr lang="en-US" sz="3500" dirty="0"/>
+                <a:t>yes</a:t>
+              </a:r>
+            </a:p>
+          </p:txBody>
+        </p:sp>
+        <p:sp>
+          <p:nvSpPr>
+            <p:cNvPr id="31" name="TextBox 30">
+              <a:extLst>
+                <a:ext uri="{FF2B5EF4-FFF2-40B4-BE49-F238E27FC236}">
+                  <a16:creationId xmlns:a16="http://schemas.microsoft.com/office/drawing/2014/main" id="{A54191B1-B23C-0542-A42D-397C1BACCF51}"/>
+                </a:ext>
+              </a:extLst>
+            </p:cNvPr>
+            <p:cNvSpPr txBox="1"/>
+            <p:nvPr/>
+          </p:nvSpPr>
+          <p:spPr>
+            <a:xfrm>
+              <a:off x="7657513" y="4178657"/>
+              <a:ext cx="657552" cy="630942"/>
+            </a:xfrm>
+            <a:prstGeom prst="rect">
+              <a:avLst/>
+            </a:prstGeom>
+            <a:noFill/>
+            <a:ln>
+              <a:solidFill>
+                <a:schemeClr val="tx1"/>
+              </a:solidFill>
+            </a:ln>
+          </p:spPr>
+          <p:txBody>
+            <a:bodyPr wrap="none" rtlCol="0">
+              <a:spAutoFit/>
+            </a:bodyPr>
+            <a:lstStyle/>
+            <a:p>
+              <a:r>
+                <a:rPr lang="en-US" sz="3500" dirty="0"/>
+                <a:t>no</a:t>
+              </a:r>
+            </a:p>
+          </p:txBody>
+        </p:sp>
+        <p:cxnSp>
+          <p:nvCxnSpPr>
+            <p:cNvPr id="32" name="Straight Arrow Connector 31">
+              <a:extLst>
+                <a:ext uri="{FF2B5EF4-FFF2-40B4-BE49-F238E27FC236}">
+                  <a16:creationId xmlns:a16="http://schemas.microsoft.com/office/drawing/2014/main" id="{420F33D7-CD90-644F-A0AF-9ACDD928E59D}"/>
+                </a:ext>
+              </a:extLst>
+            </p:cNvPr>
+            <p:cNvCxnSpPr>
+              <a:cxnSpLocks/>
+              <a:stCxn id="25" idx="2"/>
+              <a:endCxn id="26" idx="0"/>
+            </p:cNvCxnSpPr>
+            <p:nvPr/>
+          </p:nvCxnSpPr>
+          <p:spPr>
+            <a:xfrm flipH="1">
+              <a:off x="5808604" y="2875034"/>
+              <a:ext cx="1166030" cy="313949"/>
+            </a:xfrm>
+            <a:prstGeom prst="straightConnector1">
+              <a:avLst/>
+            </a:prstGeom>
+            <a:ln w="25400">
+              <a:solidFill>
+                <a:schemeClr val="tx1"/>
+              </a:solidFill>
+              <a:tailEnd type="triangle"/>
+            </a:ln>
+          </p:spPr>
+          <p:style>
+            <a:lnRef idx="1">
+              <a:schemeClr val="accent1"/>
+            </a:lnRef>
+            <a:fillRef idx="0">
+              <a:schemeClr val="accent1"/>
+            </a:fillRef>
+            <a:effectRef idx="0">
+              <a:schemeClr val="accent1"/>
+            </a:effectRef>
+            <a:fontRef idx="minor">
+              <a:schemeClr val="tx1"/>
+            </a:fontRef>
+          </p:style>
+        </p:cxnSp>
+        <p:cxnSp>
+          <p:nvCxnSpPr>
+            <p:cNvPr id="35" name="Straight Arrow Connector 34">
+              <a:extLst>
+                <a:ext uri="{FF2B5EF4-FFF2-40B4-BE49-F238E27FC236}">
+                  <a16:creationId xmlns:a16="http://schemas.microsoft.com/office/drawing/2014/main" id="{C32D637D-8662-0847-B59B-CDDA597100B7}"/>
+                </a:ext>
+              </a:extLst>
+            </p:cNvPr>
+            <p:cNvCxnSpPr>
+              <a:cxnSpLocks/>
+              <a:stCxn id="25" idx="2"/>
+              <a:endCxn id="27" idx="0"/>
+            </p:cNvCxnSpPr>
+            <p:nvPr/>
+          </p:nvCxnSpPr>
+          <p:spPr>
+            <a:xfrm>
+              <a:off x="6974634" y="2875034"/>
+              <a:ext cx="875232" cy="178541"/>
+            </a:xfrm>
+            <a:prstGeom prst="straightConnector1">
+              <a:avLst/>
+            </a:prstGeom>
+            <a:ln w="25400">
+              <a:solidFill>
+                <a:schemeClr val="tx1"/>
+              </a:solidFill>
+              <a:tailEnd type="triangle"/>
+            </a:ln>
+          </p:spPr>
+          <p:style>
+            <a:lnRef idx="1">
+              <a:schemeClr val="accent1"/>
+            </a:lnRef>
+            <a:fillRef idx="0">
+              <a:schemeClr val="accent1"/>
+            </a:fillRef>
+            <a:effectRef idx="0">
+              <a:schemeClr val="accent1"/>
+            </a:effectRef>
+            <a:fontRef idx="minor">
+              <a:schemeClr val="tx1"/>
+            </a:fontRef>
+          </p:style>
+        </p:cxnSp>
+        <p:cxnSp>
+          <p:nvCxnSpPr>
+            <p:cNvPr id="38" name="Straight Arrow Connector 37">
+              <a:extLst>
+                <a:ext uri="{FF2B5EF4-FFF2-40B4-BE49-F238E27FC236}">
+                  <a16:creationId xmlns:a16="http://schemas.microsoft.com/office/drawing/2014/main" id="{51043B32-AA2D-9F49-8E1A-91915D01C37E}"/>
+                </a:ext>
+              </a:extLst>
+            </p:cNvPr>
+            <p:cNvCxnSpPr>
+              <a:cxnSpLocks/>
+              <a:stCxn id="27" idx="3"/>
+              <a:endCxn id="28" idx="1"/>
+            </p:cNvCxnSpPr>
+            <p:nvPr/>
+          </p:nvCxnSpPr>
+          <p:spPr>
+            <a:xfrm>
+              <a:off x="8178642" y="3369046"/>
+              <a:ext cx="355864" cy="76831"/>
+            </a:xfrm>
+            <a:prstGeom prst="straightConnector1">
+              <a:avLst/>
+            </a:prstGeom>
+            <a:ln w="25400">
+              <a:solidFill>
+                <a:schemeClr val="tx1"/>
+              </a:solidFill>
+              <a:tailEnd type="triangle"/>
+            </a:ln>
+          </p:spPr>
+          <p:style>
+            <a:lnRef idx="1">
+              <a:schemeClr val="accent1"/>
+            </a:lnRef>
+            <a:fillRef idx="0">
+              <a:schemeClr val="accent1"/>
+            </a:fillRef>
+            <a:effectRef idx="0">
+              <a:schemeClr val="accent1"/>
+            </a:effectRef>
+            <a:fontRef idx="minor">
+              <a:schemeClr val="tx1"/>
+            </a:fontRef>
+          </p:style>
+        </p:cxnSp>
+        <p:cxnSp>
+          <p:nvCxnSpPr>
+            <p:cNvPr id="41" name="Straight Arrow Connector 40">
+              <a:extLst>
+                <a:ext uri="{FF2B5EF4-FFF2-40B4-BE49-F238E27FC236}">
+                  <a16:creationId xmlns:a16="http://schemas.microsoft.com/office/drawing/2014/main" id="{15A1CBF2-E79F-9341-9CE7-DF1668577B03}"/>
+                </a:ext>
+              </a:extLst>
+            </p:cNvPr>
+            <p:cNvCxnSpPr>
+              <a:cxnSpLocks/>
+              <a:stCxn id="28" idx="2"/>
+              <a:endCxn id="31" idx="0"/>
+            </p:cNvCxnSpPr>
+            <p:nvPr/>
+          </p:nvCxnSpPr>
+          <p:spPr>
+            <a:xfrm flipH="1">
+              <a:off x="7986289" y="3761348"/>
+              <a:ext cx="1359673" cy="417309"/>
+            </a:xfrm>
+            <a:prstGeom prst="straightConnector1">
+              <a:avLst/>
+            </a:prstGeom>
+            <a:ln w="25400">
+              <a:solidFill>
+                <a:schemeClr val="tx1"/>
+              </a:solidFill>
+              <a:tailEnd type="triangle"/>
+            </a:ln>
+          </p:spPr>
+          <p:style>
+            <a:lnRef idx="1">
+              <a:schemeClr val="accent1"/>
+            </a:lnRef>
+            <a:fillRef idx="0">
+              <a:schemeClr val="accent1"/>
+            </a:fillRef>
+            <a:effectRef idx="0">
+              <a:schemeClr val="accent1"/>
+            </a:effectRef>
+            <a:fontRef idx="minor">
+              <a:schemeClr val="tx1"/>
+            </a:fontRef>
+          </p:style>
+        </p:cxnSp>
+        <p:cxnSp>
+          <p:nvCxnSpPr>
+            <p:cNvPr id="44" name="Straight Arrow Connector 43">
+              <a:extLst>
+                <a:ext uri="{FF2B5EF4-FFF2-40B4-BE49-F238E27FC236}">
+                  <a16:creationId xmlns:a16="http://schemas.microsoft.com/office/drawing/2014/main" id="{009447D2-0F9D-D54F-B71C-9ABB23CC0620}"/>
+                </a:ext>
+              </a:extLst>
+            </p:cNvPr>
+            <p:cNvCxnSpPr>
+              <a:cxnSpLocks/>
+              <a:stCxn id="28" idx="2"/>
+              <a:endCxn id="30" idx="0"/>
+            </p:cNvCxnSpPr>
+            <p:nvPr/>
+          </p:nvCxnSpPr>
+          <p:spPr>
+            <a:xfrm>
+              <a:off x="9345962" y="3761348"/>
+              <a:ext cx="449912" cy="248513"/>
+            </a:xfrm>
+            <a:prstGeom prst="straightConnector1">
+              <a:avLst/>
+            </a:prstGeom>
+            <a:ln w="25400">
+              <a:solidFill>
+                <a:schemeClr val="tx1"/>
+              </a:solidFill>
+              <a:tailEnd type="triangle"/>
+            </a:ln>
+          </p:spPr>
+          <p:style>
+            <a:lnRef idx="1">
+              <a:schemeClr val="accent1"/>
+            </a:lnRef>
+            <a:fillRef idx="0">
+              <a:schemeClr val="accent1"/>
+            </a:fillRef>
+            <a:effectRef idx="0">
+              <a:schemeClr val="accent1"/>
+            </a:effectRef>
+            <a:fontRef idx="minor">
+              <a:schemeClr val="tx1"/>
+            </a:fontRef>
+          </p:style>
+        </p:cxnSp>
+        <p:cxnSp>
+          <p:nvCxnSpPr>
+            <p:cNvPr id="49" name="Straight Arrow Connector 48">
+              <a:extLst>
+                <a:ext uri="{FF2B5EF4-FFF2-40B4-BE49-F238E27FC236}">
+                  <a16:creationId xmlns:a16="http://schemas.microsoft.com/office/drawing/2014/main" id="{01D20F82-0381-9045-808B-1C69991B543F}"/>
+                </a:ext>
+              </a:extLst>
+            </p:cNvPr>
+            <p:cNvCxnSpPr>
+              <a:cxnSpLocks/>
+              <a:stCxn id="26" idx="2"/>
+              <a:endCxn id="29" idx="0"/>
+            </p:cNvCxnSpPr>
+            <p:nvPr/>
+          </p:nvCxnSpPr>
+          <p:spPr>
+            <a:xfrm>
+              <a:off x="5808604" y="3819925"/>
+              <a:ext cx="21373" cy="458405"/>
+            </a:xfrm>
+            <a:prstGeom prst="straightConnector1">
+              <a:avLst/>
+            </a:prstGeom>
+            <a:ln w="25400">
+              <a:solidFill>
+                <a:schemeClr val="tx1"/>
+              </a:solidFill>
+              <a:tailEnd type="triangle"/>
+            </a:ln>
+          </p:spPr>
+          <p:style>
+            <a:lnRef idx="1">
+              <a:schemeClr val="accent1"/>
+            </a:lnRef>
+            <a:fillRef idx="0">
+              <a:schemeClr val="accent1"/>
+            </a:fillRef>
+            <a:effectRef idx="0">
+              <a:schemeClr val="accent1"/>
+            </a:effectRef>
+            <a:fontRef idx="minor">
+              <a:schemeClr val="tx1"/>
+            </a:fontRef>
+          </p:style>
+        </p:cxnSp>
+        <p:sp>
+          <p:nvSpPr>
+            <p:cNvPr id="52" name="TextBox 51">
+              <a:extLst>
+                <a:ext uri="{FF2B5EF4-FFF2-40B4-BE49-F238E27FC236}">
+                  <a16:creationId xmlns:a16="http://schemas.microsoft.com/office/drawing/2014/main" id="{88825186-087D-7547-A40A-3D2FFC798F5C}"/>
+                </a:ext>
+              </a:extLst>
+            </p:cNvPr>
+            <p:cNvSpPr txBox="1"/>
+            <p:nvPr/>
+          </p:nvSpPr>
+          <p:spPr>
+            <a:xfrm>
+              <a:off x="8746055" y="4852468"/>
+              <a:ext cx="2099635" cy="630942"/>
+            </a:xfrm>
+            <a:prstGeom prst="rect">
+              <a:avLst/>
+            </a:prstGeom>
+            <a:noFill/>
+            <a:ln>
+              <a:solidFill>
+                <a:schemeClr val="tx1"/>
+              </a:solidFill>
+            </a:ln>
+          </p:spPr>
+          <p:txBody>
+            <a:bodyPr wrap="square" rtlCol="0">
+              <a:spAutoFit/>
+            </a:bodyPr>
+            <a:lstStyle/>
+            <a:p>
+              <a:r>
+                <a:rPr lang="en-US" sz="3500" dirty="0"/>
+                <a:t>Fix/break</a:t>
+              </a:r>
+            </a:p>
+          </p:txBody>
+        </p:sp>
+        <p:cxnSp>
+          <p:nvCxnSpPr>
+            <p:cNvPr id="53" name="Straight Arrow Connector 52">
+              <a:extLst>
+                <a:ext uri="{FF2B5EF4-FFF2-40B4-BE49-F238E27FC236}">
+                  <a16:creationId xmlns:a16="http://schemas.microsoft.com/office/drawing/2014/main" id="{0647FD83-4A23-AF49-82CD-B20CB5E4BB5A}"/>
+                </a:ext>
+              </a:extLst>
+            </p:cNvPr>
+            <p:cNvCxnSpPr>
+              <a:cxnSpLocks/>
+              <a:stCxn id="29" idx="2"/>
+              <a:endCxn id="55" idx="0"/>
+            </p:cNvCxnSpPr>
+            <p:nvPr/>
+          </p:nvCxnSpPr>
+          <p:spPr>
+            <a:xfrm>
+              <a:off x="5829977" y="4909272"/>
+              <a:ext cx="37333" cy="348469"/>
+            </a:xfrm>
+            <a:prstGeom prst="straightConnector1">
+              <a:avLst/>
+            </a:prstGeom>
+            <a:ln w="25400">
+              <a:solidFill>
+                <a:schemeClr val="tx1"/>
+              </a:solidFill>
+              <a:tailEnd type="triangle"/>
+            </a:ln>
+          </p:spPr>
+          <p:style>
+            <a:lnRef idx="1">
+              <a:schemeClr val="accent1"/>
+            </a:lnRef>
+            <a:fillRef idx="0">
+              <a:schemeClr val="accent1"/>
+            </a:fillRef>
+            <a:effectRef idx="0">
+              <a:schemeClr val="accent1"/>
+            </a:effectRef>
+            <a:fontRef idx="minor">
+              <a:schemeClr val="tx1"/>
+            </a:fontRef>
+          </p:style>
+        </p:cxnSp>
+        <p:sp>
+          <p:nvSpPr>
+            <p:cNvPr id="55" name="TextBox 54">
+              <a:extLst>
+                <a:ext uri="{FF2B5EF4-FFF2-40B4-BE49-F238E27FC236}">
+                  <a16:creationId xmlns:a16="http://schemas.microsoft.com/office/drawing/2014/main" id="{AD5723CB-B32F-B045-83D2-AA9008A7B395}"/>
+                </a:ext>
+              </a:extLst>
+            </p:cNvPr>
+            <p:cNvSpPr txBox="1"/>
+            <p:nvPr/>
+          </p:nvSpPr>
+          <p:spPr>
+            <a:xfrm>
+              <a:off x="4480290" y="5257741"/>
+              <a:ext cx="2774039" cy="630942"/>
+            </a:xfrm>
+            <a:prstGeom prst="rect">
+              <a:avLst/>
+            </a:prstGeom>
+            <a:noFill/>
+            <a:ln>
+              <a:solidFill>
+                <a:schemeClr val="tx1"/>
+              </a:solidFill>
+            </a:ln>
+          </p:spPr>
+          <p:txBody>
+            <a:bodyPr wrap="square" rtlCol="0">
+              <a:spAutoFit/>
+            </a:bodyPr>
+            <a:lstStyle/>
+            <a:p>
+              <a:r>
+                <a:rPr lang="en-US" sz="3500" dirty="0"/>
+                <a:t>Update </a:t>
+              </a:r>
+              <a:r>
+                <a:rPr lang="en-US" sz="3500" dirty="0" err="1"/>
+                <a:t>bcond</a:t>
+              </a:r>
+              <a:endParaRPr lang="en-US" sz="3500" dirty="0"/>
+            </a:p>
+          </p:txBody>
+        </p:sp>
+        <p:sp>
+          <p:nvSpPr>
+            <p:cNvPr id="58" name="TextBox 57">
+              <a:extLst>
+                <a:ext uri="{FF2B5EF4-FFF2-40B4-BE49-F238E27FC236}">
+                  <a16:creationId xmlns:a16="http://schemas.microsoft.com/office/drawing/2014/main" id="{CA2EB678-BFBA-9143-98FB-AA458A915C77}"/>
+                </a:ext>
+              </a:extLst>
+            </p:cNvPr>
+            <p:cNvSpPr txBox="1"/>
+            <p:nvPr/>
+          </p:nvSpPr>
+          <p:spPr>
+            <a:xfrm>
+              <a:off x="8027006" y="5730037"/>
+              <a:ext cx="2755789" cy="630942"/>
+            </a:xfrm>
+            <a:prstGeom prst="rect">
+              <a:avLst/>
+            </a:prstGeom>
+            <a:noFill/>
+            <a:ln>
+              <a:solidFill>
+                <a:schemeClr val="tx1"/>
+              </a:solidFill>
+            </a:ln>
+          </p:spPr>
+          <p:txBody>
+            <a:bodyPr wrap="square" rtlCol="0">
+              <a:spAutoFit/>
+            </a:bodyPr>
+            <a:lstStyle/>
+            <a:p>
+              <a:r>
+                <a:rPr lang="en-US" sz="3500" dirty="0"/>
+                <a:t>Update </a:t>
+              </a:r>
+              <a:r>
+                <a:rPr lang="en-US" sz="3500" dirty="0" err="1"/>
+                <a:t>bcond</a:t>
+              </a:r>
+              <a:endParaRPr lang="en-US" sz="3500" dirty="0"/>
+            </a:p>
+          </p:txBody>
+        </p:sp>
+        <p:cxnSp>
+          <p:nvCxnSpPr>
+            <p:cNvPr id="59" name="Straight Arrow Connector 58">
+              <a:extLst>
+                <a:ext uri="{FF2B5EF4-FFF2-40B4-BE49-F238E27FC236}">
+                  <a16:creationId xmlns:a16="http://schemas.microsoft.com/office/drawing/2014/main" id="{7ACE28C8-3DF2-1D4A-B160-BA3E89ECB86B}"/>
+                </a:ext>
+              </a:extLst>
+            </p:cNvPr>
+            <p:cNvCxnSpPr>
+              <a:cxnSpLocks/>
+              <a:stCxn id="52" idx="2"/>
+              <a:endCxn id="58" idx="0"/>
+            </p:cNvCxnSpPr>
+            <p:nvPr/>
+          </p:nvCxnSpPr>
+          <p:spPr>
+            <a:xfrm flipH="1">
+              <a:off x="9404901" y="5483410"/>
+              <a:ext cx="390972" cy="246627"/>
+            </a:xfrm>
+            <a:prstGeom prst="straightConnector1">
+              <a:avLst/>
+            </a:prstGeom>
+            <a:ln w="25400">
+              <a:solidFill>
+                <a:schemeClr val="tx1"/>
+              </a:solidFill>
+              <a:tailEnd type="triangle"/>
+            </a:ln>
+          </p:spPr>
+          <p:style>
+            <a:lnRef idx="1">
+              <a:schemeClr val="accent1"/>
+            </a:lnRef>
+            <a:fillRef idx="0">
+              <a:schemeClr val="accent1"/>
+            </a:fillRef>
+            <a:effectRef idx="0">
+              <a:schemeClr val="accent1"/>
+            </a:effectRef>
+            <a:fontRef idx="minor">
+              <a:schemeClr val="tx1"/>
+            </a:fontRef>
+          </p:style>
+        </p:cxnSp>
+        <p:cxnSp>
+          <p:nvCxnSpPr>
+            <p:cNvPr id="62" name="Straight Arrow Connector 61">
+              <a:extLst>
+                <a:ext uri="{FF2B5EF4-FFF2-40B4-BE49-F238E27FC236}">
+                  <a16:creationId xmlns:a16="http://schemas.microsoft.com/office/drawing/2014/main" id="{451A3769-9452-9643-9B86-9A4289131354}"/>
+                </a:ext>
+              </a:extLst>
+            </p:cNvPr>
+            <p:cNvCxnSpPr>
+              <a:cxnSpLocks/>
+              <a:stCxn id="30" idx="2"/>
+              <a:endCxn id="52" idx="0"/>
+            </p:cNvCxnSpPr>
+            <p:nvPr/>
+          </p:nvCxnSpPr>
+          <p:spPr>
+            <a:xfrm flipH="1">
+              <a:off x="9795873" y="4640803"/>
+              <a:ext cx="1" cy="211665"/>
+            </a:xfrm>
+            <a:prstGeom prst="straightConnector1">
+              <a:avLst/>
+            </a:prstGeom>
+            <a:ln w="25400">
+              <a:solidFill>
+                <a:schemeClr val="tx1"/>
+              </a:solidFill>
+              <a:tailEnd type="triangle"/>
+            </a:ln>
+          </p:spPr>
+          <p:style>
+            <a:lnRef idx="1">
+              <a:schemeClr val="accent1"/>
+            </a:lnRef>
+            <a:fillRef idx="0">
+              <a:schemeClr val="accent1"/>
+            </a:fillRef>
+            <a:effectRef idx="0">
+              <a:schemeClr val="accent1"/>
+            </a:effectRef>
+            <a:fontRef idx="minor">
+              <a:schemeClr val="tx1"/>
+            </a:fontRef>
+          </p:style>
+        </p:cxnSp>
+        <p:cxnSp>
+          <p:nvCxnSpPr>
+            <p:cNvPr id="65" name="Straight Arrow Connector 64">
+              <a:extLst>
+                <a:ext uri="{FF2B5EF4-FFF2-40B4-BE49-F238E27FC236}">
+                  <a16:creationId xmlns:a16="http://schemas.microsoft.com/office/drawing/2014/main" id="{5139634E-0D2F-0E4C-8369-C41B04AF10FA}"/>
+                </a:ext>
+              </a:extLst>
+            </p:cNvPr>
+            <p:cNvCxnSpPr>
+              <a:cxnSpLocks/>
+              <a:stCxn id="31" idx="2"/>
+              <a:endCxn id="69" idx="0"/>
+            </p:cNvCxnSpPr>
+            <p:nvPr/>
+          </p:nvCxnSpPr>
+          <p:spPr>
+            <a:xfrm flipH="1">
+              <a:off x="7312215" y="4809599"/>
+              <a:ext cx="674074" cy="1940484"/>
+            </a:xfrm>
+            <a:prstGeom prst="straightConnector1">
+              <a:avLst/>
+            </a:prstGeom>
+            <a:ln w="25400">
+              <a:solidFill>
+                <a:schemeClr val="tx1"/>
+              </a:solidFill>
+              <a:tailEnd type="triangle"/>
+            </a:ln>
+          </p:spPr>
+          <p:style>
+            <a:lnRef idx="1">
+              <a:schemeClr val="accent1"/>
+            </a:lnRef>
+            <a:fillRef idx="0">
+              <a:schemeClr val="accent1"/>
+            </a:fillRef>
+            <a:effectRef idx="0">
+              <a:schemeClr val="accent1"/>
+            </a:effectRef>
+            <a:fontRef idx="minor">
+              <a:schemeClr val="tx1"/>
+            </a:fontRef>
+          </p:style>
+        </p:cxnSp>
+        <p:sp>
+          <p:nvSpPr>
+            <p:cNvPr id="69" name="TextBox 68">
+              <a:extLst>
+                <a:ext uri="{FF2B5EF4-FFF2-40B4-BE49-F238E27FC236}">
+                  <a16:creationId xmlns:a16="http://schemas.microsoft.com/office/drawing/2014/main" id="{A6856ED8-FF67-904F-BEDE-D8995DA589AE}"/>
+                </a:ext>
+              </a:extLst>
+            </p:cNvPr>
+            <p:cNvSpPr txBox="1"/>
+            <p:nvPr/>
+          </p:nvSpPr>
+          <p:spPr>
+            <a:xfrm>
+              <a:off x="6267855" y="6750083"/>
+              <a:ext cx="2088719" cy="630942"/>
+            </a:xfrm>
+            <a:prstGeom prst="rect">
+              <a:avLst/>
+            </a:prstGeom>
+            <a:noFill/>
+            <a:ln>
+              <a:solidFill>
+                <a:schemeClr val="tx1"/>
+              </a:solidFill>
+            </a:ln>
+          </p:spPr>
+          <p:txBody>
+            <a:bodyPr wrap="square" rtlCol="0">
+              <a:spAutoFit/>
+            </a:bodyPr>
+            <a:lstStyle/>
+            <a:p>
+              <a:r>
+                <a:rPr lang="en-US" sz="3500" dirty="0"/>
+                <a:t>Continue</a:t>
+              </a:r>
+            </a:p>
+          </p:txBody>
+        </p:sp>
+        <p:cxnSp>
+          <p:nvCxnSpPr>
+            <p:cNvPr id="70" name="Straight Arrow Connector 69">
+              <a:extLst>
+                <a:ext uri="{FF2B5EF4-FFF2-40B4-BE49-F238E27FC236}">
+                  <a16:creationId xmlns:a16="http://schemas.microsoft.com/office/drawing/2014/main" id="{F0D79985-6BE4-8645-ACE9-78D0471AB4FF}"/>
+                </a:ext>
+              </a:extLst>
+            </p:cNvPr>
+            <p:cNvCxnSpPr>
+              <a:cxnSpLocks/>
+              <a:stCxn id="55" idx="2"/>
+              <a:endCxn id="69" idx="0"/>
+            </p:cNvCxnSpPr>
+            <p:nvPr/>
+          </p:nvCxnSpPr>
+          <p:spPr>
+            <a:xfrm>
+              <a:off x="5867310" y="5888683"/>
+              <a:ext cx="1444905" cy="861400"/>
+            </a:xfrm>
+            <a:prstGeom prst="straightConnector1">
+              <a:avLst/>
+            </a:prstGeom>
+            <a:ln w="25400">
+              <a:solidFill>
+                <a:schemeClr val="tx1"/>
+              </a:solidFill>
+              <a:tailEnd type="triangle"/>
+            </a:ln>
+          </p:spPr>
+          <p:style>
+            <a:lnRef idx="1">
+              <a:schemeClr val="accent1"/>
+            </a:lnRef>
+            <a:fillRef idx="0">
+              <a:schemeClr val="accent1"/>
+            </a:fillRef>
+            <a:effectRef idx="0">
+              <a:schemeClr val="accent1"/>
+            </a:effectRef>
+            <a:fontRef idx="minor">
+              <a:schemeClr val="tx1"/>
+            </a:fontRef>
+          </p:style>
+        </p:cxnSp>
+        <p:cxnSp>
+          <p:nvCxnSpPr>
+            <p:cNvPr id="74" name="Straight Arrow Connector 73">
+              <a:extLst>
+                <a:ext uri="{FF2B5EF4-FFF2-40B4-BE49-F238E27FC236}">
+                  <a16:creationId xmlns:a16="http://schemas.microsoft.com/office/drawing/2014/main" id="{2EAFB43A-792B-2748-B949-0AE4EE4C26DE}"/>
+                </a:ext>
+              </a:extLst>
+            </p:cNvPr>
+            <p:cNvCxnSpPr>
+              <a:cxnSpLocks/>
+              <a:stCxn id="58" idx="2"/>
+              <a:endCxn id="69" idx="0"/>
+            </p:cNvCxnSpPr>
+            <p:nvPr/>
+          </p:nvCxnSpPr>
+          <p:spPr>
+            <a:xfrm flipH="1">
+              <a:off x="7312215" y="6360979"/>
+              <a:ext cx="2092686" cy="389104"/>
+            </a:xfrm>
+            <a:prstGeom prst="straightConnector1">
+              <a:avLst/>
+            </a:prstGeom>
+            <a:ln w="25400">
+              <a:solidFill>
+                <a:schemeClr val="tx1"/>
+              </a:solidFill>
+              <a:tailEnd type="triangle"/>
+            </a:ln>
+          </p:spPr>
+          <p:style>
+            <a:lnRef idx="1">
+              <a:schemeClr val="accent1"/>
+            </a:lnRef>
+            <a:fillRef idx="0">
+              <a:schemeClr val="accent1"/>
+            </a:fillRef>
+            <a:effectRef idx="0">
+              <a:schemeClr val="accent1"/>
+            </a:effectRef>
+            <a:fontRef idx="minor">
+              <a:schemeClr val="tx1"/>
+            </a:fontRef>
+          </p:style>
+        </p:cxnSp>
+      </p:grpSp>
+      <p:cxnSp>
+        <p:nvCxnSpPr>
+          <p:cNvPr id="123" name="Curved Connector 122">
+            <a:extLst>
+              <a:ext uri="{FF2B5EF4-FFF2-40B4-BE49-F238E27FC236}">
+                <a16:creationId xmlns:a16="http://schemas.microsoft.com/office/drawing/2014/main" id="{26D7BFE1-60D3-9A42-B13C-3394534D6C70}"/>
+              </a:ext>
+            </a:extLst>
+          </p:cNvPr>
+          <p:cNvCxnSpPr>
+            <a:cxnSpLocks/>
+            <a:stCxn id="6" idx="3"/>
+            <a:endCxn id="25" idx="1"/>
+          </p:cNvCxnSpPr>
+          <p:nvPr/>
+        </p:nvCxnSpPr>
+        <p:spPr>
+          <a:xfrm flipV="1">
+            <a:off x="3334564" y="1006240"/>
+            <a:ext cx="3696173" cy="3651177"/>
+          </a:xfrm>
+          <a:prstGeom prst="curvedConnector3">
+            <a:avLst>
+              <a:gd name="adj1" fmla="val 50000"/>
+            </a:avLst>
+          </a:prstGeom>
+          <a:ln w="50800">
+            <a:solidFill>
+              <a:schemeClr val="tx1"/>
+            </a:solidFill>
+            <a:tailEnd type="triangle"/>
+          </a:ln>
+        </p:spPr>
+        <p:style>
+          <a:lnRef idx="1">
+            <a:schemeClr val="accent1"/>
+          </a:lnRef>
+          <a:fillRef idx="0">
+            <a:schemeClr val="accent1"/>
+          </a:fillRef>
+          <a:effectRef idx="0">
+            <a:schemeClr val="accent1"/>
+          </a:effectRef>
+          <a:fontRef idx="minor">
+            <a:schemeClr val="tx1"/>
+          </a:fontRef>
+        </p:style>
+      </p:cxnSp>
+      <p:pic>
+        <p:nvPicPr>
+          <p:cNvPr id="221" name="Picture 220">
+            <a:extLst>
+              <a:ext uri="{FF2B5EF4-FFF2-40B4-BE49-F238E27FC236}">
+                <a16:creationId xmlns:a16="http://schemas.microsoft.com/office/drawing/2014/main" id="{2724668F-64BA-F745-A103-9232CCDF7193}"/>
+              </a:ext>
+            </a:extLst>
+          </p:cNvPr>
+          <p:cNvPicPr>
+            <a:picLocks noChangeAspect="1"/>
+          </p:cNvPicPr>
+          <p:nvPr/>
+        </p:nvPicPr>
+        <p:blipFill>
+          <a:blip r:embed="rId2"/>
+          <a:stretch>
+            <a:fillRect/>
+          </a:stretch>
+        </p:blipFill>
+        <p:spPr>
+          <a:xfrm>
+            <a:off x="386724" y="5386069"/>
+            <a:ext cx="3623930" cy="1329381"/>
+          </a:xfrm>
+          <a:prstGeom prst="rect">
+            <a:avLst/>
+          </a:prstGeom>
+        </p:spPr>
+      </p:pic>
     </p:spTree>
     <p:extLst>
       <p:ext uri="{BB962C8B-B14F-4D97-AF65-F5344CB8AC3E}">

--- a/slides/design_workflow.pptx
+++ b/slides/design_workflow.pptx
@@ -7,7 +7,8 @@
   <p:sldIdLst>
     <p:sldId id="257" r:id="rId2"/>
     <p:sldId id="258" r:id="rId3"/>
-    <p:sldId id="259" r:id="rId4"/>
+    <p:sldId id="260" r:id="rId4"/>
+    <p:sldId id="259" r:id="rId5"/>
   </p:sldIdLst>
   <p:sldSz cx="12192000" cy="6858000"/>
   <p:notesSz cx="6858000" cy="9144000"/>
@@ -106,6 +107,11 @@
       </a:defRPr>
     </a:lvl9pPr>
   </p:defaultTextStyle>
+  <p:extLst>
+    <p:ext uri="{EFAFB233-063F-42B5-8137-9DF3F51BA10A}">
+      <p15:sldGuideLst xmlns:p15="http://schemas.microsoft.com/office/powerpoint/2012/main"/>
+    </p:ext>
+  </p:extLst>
 </p:presentation>
 </file>
 
@@ -256,7 +262,7 @@
           <a:p>
             <a:fld id="{7B66E438-DABD-6846-BB57-F954AC744E4B}" type="datetimeFigureOut">
               <a:rPr lang="en-US" smtClean="0"/>
-              <a:t>4/2/20</a:t>
+              <a:t>4/4/20</a:t>
             </a:fld>
             <a:endParaRPr lang="en-US"/>
           </a:p>
@@ -454,7 +460,7 @@
           <a:p>
             <a:fld id="{7B66E438-DABD-6846-BB57-F954AC744E4B}" type="datetimeFigureOut">
               <a:rPr lang="en-US" smtClean="0"/>
-              <a:t>4/2/20</a:t>
+              <a:t>4/4/20</a:t>
             </a:fld>
             <a:endParaRPr lang="en-US"/>
           </a:p>
@@ -662,7 +668,7 @@
           <a:p>
             <a:fld id="{7B66E438-DABD-6846-BB57-F954AC744E4B}" type="datetimeFigureOut">
               <a:rPr lang="en-US" smtClean="0"/>
-              <a:t>4/2/20</a:t>
+              <a:t>4/4/20</a:t>
             </a:fld>
             <a:endParaRPr lang="en-US"/>
           </a:p>
@@ -860,7 +866,7 @@
           <a:p>
             <a:fld id="{7B66E438-DABD-6846-BB57-F954AC744E4B}" type="datetimeFigureOut">
               <a:rPr lang="en-US" smtClean="0"/>
-              <a:t>4/2/20</a:t>
+              <a:t>4/4/20</a:t>
             </a:fld>
             <a:endParaRPr lang="en-US"/>
           </a:p>
@@ -1135,7 +1141,7 @@
           <a:p>
             <a:fld id="{7B66E438-DABD-6846-BB57-F954AC744E4B}" type="datetimeFigureOut">
               <a:rPr lang="en-US" smtClean="0"/>
-              <a:t>4/2/20</a:t>
+              <a:t>4/4/20</a:t>
             </a:fld>
             <a:endParaRPr lang="en-US"/>
           </a:p>
@@ -1400,7 +1406,7 @@
           <a:p>
             <a:fld id="{7B66E438-DABD-6846-BB57-F954AC744E4B}" type="datetimeFigureOut">
               <a:rPr lang="en-US" smtClean="0"/>
-              <a:t>4/2/20</a:t>
+              <a:t>4/4/20</a:t>
             </a:fld>
             <a:endParaRPr lang="en-US"/>
           </a:p>
@@ -1812,7 +1818,7 @@
           <a:p>
             <a:fld id="{7B66E438-DABD-6846-BB57-F954AC744E4B}" type="datetimeFigureOut">
               <a:rPr lang="en-US" smtClean="0"/>
-              <a:t>4/2/20</a:t>
+              <a:t>4/4/20</a:t>
             </a:fld>
             <a:endParaRPr lang="en-US"/>
           </a:p>
@@ -1953,7 +1959,7 @@
           <a:p>
             <a:fld id="{7B66E438-DABD-6846-BB57-F954AC744E4B}" type="datetimeFigureOut">
               <a:rPr lang="en-US" smtClean="0"/>
-              <a:t>4/2/20</a:t>
+              <a:t>4/4/20</a:t>
             </a:fld>
             <a:endParaRPr lang="en-US"/>
           </a:p>
@@ -2066,7 +2072,7 @@
           <a:p>
             <a:fld id="{7B66E438-DABD-6846-BB57-F954AC744E4B}" type="datetimeFigureOut">
               <a:rPr lang="en-US" smtClean="0"/>
-              <a:t>4/2/20</a:t>
+              <a:t>4/4/20</a:t>
             </a:fld>
             <a:endParaRPr lang="en-US"/>
           </a:p>
@@ -2377,7 +2383,7 @@
           <a:p>
             <a:fld id="{7B66E438-DABD-6846-BB57-F954AC744E4B}" type="datetimeFigureOut">
               <a:rPr lang="en-US" smtClean="0"/>
-              <a:t>4/2/20</a:t>
+              <a:t>4/4/20</a:t>
             </a:fld>
             <a:endParaRPr lang="en-US"/>
           </a:p>
@@ -2665,7 +2671,7 @@
           <a:p>
             <a:fld id="{7B66E438-DABD-6846-BB57-F954AC744E4B}" type="datetimeFigureOut">
               <a:rPr lang="en-US" smtClean="0"/>
-              <a:t>4/2/20</a:t>
+              <a:t>4/4/20</a:t>
             </a:fld>
             <a:endParaRPr lang="en-US"/>
           </a:p>
@@ -2906,7 +2912,7 @@
           <a:p>
             <a:fld id="{7B66E438-DABD-6846-BB57-F954AC744E4B}" type="datetimeFigureOut">
               <a:rPr lang="en-US" smtClean="0"/>
-              <a:t>4/2/20</a:t>
+              <a:t>4/4/20</a:t>
             </a:fld>
             <a:endParaRPr lang="en-US"/>
           </a:p>
@@ -6007,6 +6013,1421 @@
           <p:cNvPr id="4" name="TextBox 3">
             <a:extLst>
               <a:ext uri="{FF2B5EF4-FFF2-40B4-BE49-F238E27FC236}">
+                <a16:creationId xmlns:a16="http://schemas.microsoft.com/office/drawing/2014/main" id="{9078675A-2A1C-0348-B2F5-903B60CE2405}"/>
+              </a:ext>
+            </a:extLst>
+          </p:cNvPr>
+          <p:cNvSpPr txBox="1"/>
+          <p:nvPr/>
+        </p:nvSpPr>
+        <p:spPr>
+          <a:xfrm>
+            <a:off x="332481" y="291518"/>
+            <a:ext cx="3031343" cy="553998"/>
+          </a:xfrm>
+          <a:prstGeom prst="rect">
+            <a:avLst/>
+          </a:prstGeom>
+          <a:noFill/>
+        </p:spPr>
+        <p:txBody>
+          <a:bodyPr wrap="none" rtlCol="0">
+            <a:spAutoFit/>
+          </a:bodyPr>
+          <a:lstStyle/>
+          <a:p>
+            <a:r>
+              <a:rPr lang="en-US" sz="3000" dirty="0"/>
+              <a:t>Ride, tasks on ride</a:t>
+            </a:r>
+          </a:p>
+        </p:txBody>
+      </p:sp>
+      <p:sp>
+        <p:nvSpPr>
+          <p:cNvPr id="5" name="TextBox 4">
+            <a:extLst>
+              <a:ext uri="{FF2B5EF4-FFF2-40B4-BE49-F238E27FC236}">
+                <a16:creationId xmlns:a16="http://schemas.microsoft.com/office/drawing/2014/main" id="{7D564502-232E-7F4E-86D4-3CFBCC822329}"/>
+              </a:ext>
+            </a:extLst>
+          </p:cNvPr>
+          <p:cNvSpPr txBox="1"/>
+          <p:nvPr/>
+        </p:nvSpPr>
+        <p:spPr>
+          <a:xfrm>
+            <a:off x="910599" y="959674"/>
+            <a:ext cx="3767378" cy="553998"/>
+          </a:xfrm>
+          <a:prstGeom prst="rect">
+            <a:avLst/>
+          </a:prstGeom>
+          <a:noFill/>
+          <a:ln>
+            <a:solidFill>
+              <a:schemeClr val="tx1"/>
+            </a:solidFill>
+          </a:ln>
+        </p:spPr>
+        <p:txBody>
+          <a:bodyPr wrap="none" rtlCol="0">
+            <a:spAutoFit/>
+          </a:bodyPr>
+          <a:lstStyle/>
+          <a:p>
+            <a:r>
+              <a:rPr lang="en-US" sz="3000" dirty="0"/>
+              <a:t>ride(</a:t>
+            </a:r>
+            <a:r>
+              <a:rPr lang="en-US" sz="3000" dirty="0" err="1"/>
+              <a:t>ride.seq</a:t>
+            </a:r>
+            <a:r>
+              <a:rPr lang="en-US" sz="3000" dirty="0"/>
+              <a:t>, </a:t>
+            </a:r>
+            <a:r>
+              <a:rPr lang="en-US" sz="3000" dirty="0" err="1"/>
+              <a:t>o.seq</a:t>
+            </a:r>
+            <a:r>
+              <a:rPr lang="en-US" sz="3000" dirty="0"/>
+              <a:t>, …)</a:t>
+            </a:r>
+          </a:p>
+        </p:txBody>
+      </p:sp>
+      <p:sp>
+        <p:nvSpPr>
+          <p:cNvPr id="6" name="TextBox 5">
+            <a:extLst>
+              <a:ext uri="{FF2B5EF4-FFF2-40B4-BE49-F238E27FC236}">
+                <a16:creationId xmlns:a16="http://schemas.microsoft.com/office/drawing/2014/main" id="{19B61244-9AA7-9941-89E8-73DB85E704E6}"/>
+              </a:ext>
+            </a:extLst>
+          </p:cNvPr>
+          <p:cNvSpPr txBox="1"/>
+          <p:nvPr/>
+        </p:nvSpPr>
+        <p:spPr>
+          <a:xfrm>
+            <a:off x="3020589" y="5078550"/>
+            <a:ext cx="1821332" cy="553998"/>
+          </a:xfrm>
+          <a:prstGeom prst="rect">
+            <a:avLst/>
+          </a:prstGeom>
+          <a:noFill/>
+          <a:ln>
+            <a:solidFill>
+              <a:schemeClr val="tx1"/>
+            </a:solidFill>
+          </a:ln>
+        </p:spPr>
+        <p:txBody>
+          <a:bodyPr wrap="none" rtlCol="0">
+            <a:spAutoFit/>
+          </a:bodyPr>
+          <a:lstStyle/>
+          <a:p>
+            <a:r>
+              <a:rPr lang="en-US" sz="3000" dirty="0"/>
+              <a:t>s in </a:t>
+            </a:r>
+            <a:r>
+              <a:rPr lang="en-US" sz="3000" dirty="0" err="1"/>
+              <a:t>o.seq</a:t>
+            </a:r>
+            <a:r>
+              <a:rPr lang="en-US" sz="3000" dirty="0"/>
+              <a:t>?</a:t>
+            </a:r>
+          </a:p>
+        </p:txBody>
+      </p:sp>
+      <p:cxnSp>
+        <p:nvCxnSpPr>
+          <p:cNvPr id="8" name="Straight Arrow Connector 7">
+            <a:extLst>
+              <a:ext uri="{FF2B5EF4-FFF2-40B4-BE49-F238E27FC236}">
+                <a16:creationId xmlns:a16="http://schemas.microsoft.com/office/drawing/2014/main" id="{72C3D3C2-76E8-D043-AB95-F93F0939D79E}"/>
+              </a:ext>
+            </a:extLst>
+          </p:cNvPr>
+          <p:cNvCxnSpPr>
+            <a:cxnSpLocks/>
+            <a:stCxn id="5" idx="2"/>
+            <a:endCxn id="73" idx="0"/>
+          </p:cNvCxnSpPr>
+          <p:nvPr/>
+        </p:nvCxnSpPr>
+        <p:spPr>
+          <a:xfrm>
+            <a:off x="2794288" y="1513672"/>
+            <a:ext cx="0" cy="822968"/>
+          </a:xfrm>
+          <a:prstGeom prst="straightConnector1">
+            <a:avLst/>
+          </a:prstGeom>
+          <a:ln w="63500">
+            <a:solidFill>
+              <a:schemeClr val="tx1"/>
+            </a:solidFill>
+            <a:tailEnd type="triangle"/>
+          </a:ln>
+        </p:spPr>
+        <p:style>
+          <a:lnRef idx="1">
+            <a:schemeClr val="accent1"/>
+          </a:lnRef>
+          <a:fillRef idx="0">
+            <a:schemeClr val="accent1"/>
+          </a:fillRef>
+          <a:effectRef idx="0">
+            <a:schemeClr val="accent1"/>
+          </a:effectRef>
+          <a:fontRef idx="minor">
+            <a:schemeClr val="tx1"/>
+          </a:fontRef>
+        </p:style>
+      </p:cxnSp>
+      <p:cxnSp>
+        <p:nvCxnSpPr>
+          <p:cNvPr id="20" name="Straight Arrow Connector 19">
+            <a:extLst>
+              <a:ext uri="{FF2B5EF4-FFF2-40B4-BE49-F238E27FC236}">
+                <a16:creationId xmlns:a16="http://schemas.microsoft.com/office/drawing/2014/main" id="{3CB97BF4-A63B-3E40-8FFD-E99F9A0BBA0D}"/>
+              </a:ext>
+            </a:extLst>
+          </p:cNvPr>
+          <p:cNvCxnSpPr>
+            <a:cxnSpLocks/>
+            <a:stCxn id="73" idx="2"/>
+            <a:endCxn id="75" idx="0"/>
+          </p:cNvCxnSpPr>
+          <p:nvPr/>
+        </p:nvCxnSpPr>
+        <p:spPr>
+          <a:xfrm flipH="1">
+            <a:off x="1725260" y="3352303"/>
+            <a:ext cx="1069028" cy="469359"/>
+          </a:xfrm>
+          <a:prstGeom prst="straightConnector1">
+            <a:avLst/>
+          </a:prstGeom>
+          <a:ln w="63500">
+            <a:solidFill>
+              <a:schemeClr val="tx1"/>
+            </a:solidFill>
+            <a:tailEnd type="triangle"/>
+          </a:ln>
+        </p:spPr>
+        <p:style>
+          <a:lnRef idx="1">
+            <a:schemeClr val="accent1"/>
+          </a:lnRef>
+          <a:fillRef idx="0">
+            <a:schemeClr val="accent1"/>
+          </a:fillRef>
+          <a:effectRef idx="0">
+            <a:schemeClr val="accent1"/>
+          </a:effectRef>
+          <a:fontRef idx="minor">
+            <a:schemeClr val="tx1"/>
+          </a:fontRef>
+        </p:style>
+      </p:cxnSp>
+      <p:sp>
+        <p:nvSpPr>
+          <p:cNvPr id="25" name="TextBox 24">
+            <a:extLst>
+              <a:ext uri="{FF2B5EF4-FFF2-40B4-BE49-F238E27FC236}">
+                <a16:creationId xmlns:a16="http://schemas.microsoft.com/office/drawing/2014/main" id="{62F32B6B-AE12-5B4A-8109-9F6317BFE9A7}"/>
+              </a:ext>
+            </a:extLst>
+          </p:cNvPr>
+          <p:cNvSpPr txBox="1"/>
+          <p:nvPr/>
+        </p:nvSpPr>
+        <p:spPr>
+          <a:xfrm>
+            <a:off x="7066983" y="533814"/>
+            <a:ext cx="3094212" cy="1015663"/>
+          </a:xfrm>
+          <a:prstGeom prst="rect">
+            <a:avLst/>
+          </a:prstGeom>
+          <a:noFill/>
+          <a:ln>
+            <a:solidFill>
+              <a:schemeClr val="tx1"/>
+            </a:solidFill>
+          </a:ln>
+        </p:spPr>
+        <p:txBody>
+          <a:bodyPr wrap="square" rtlCol="0">
+            <a:spAutoFit/>
+          </a:bodyPr>
+          <a:lstStyle/>
+          <a:p>
+            <a:pPr algn="ctr"/>
+            <a:r>
+              <a:rPr lang="en-US" sz="3000" dirty="0"/>
+              <a:t>Obstacle dialog: continue?</a:t>
+            </a:r>
+          </a:p>
+        </p:txBody>
+      </p:sp>
+      <p:sp>
+        <p:nvSpPr>
+          <p:cNvPr id="26" name="TextBox 25">
+            <a:extLst>
+              <a:ext uri="{FF2B5EF4-FFF2-40B4-BE49-F238E27FC236}">
+                <a16:creationId xmlns:a16="http://schemas.microsoft.com/office/drawing/2014/main" id="{4B3AE472-0F46-4F47-B33B-1EA8865B7883}"/>
+              </a:ext>
+            </a:extLst>
+          </p:cNvPr>
+          <p:cNvSpPr txBox="1"/>
+          <p:nvPr/>
+        </p:nvSpPr>
+        <p:spPr>
+          <a:xfrm>
+            <a:off x="8054960" y="2099894"/>
+            <a:ext cx="696153" cy="553998"/>
+          </a:xfrm>
+          <a:prstGeom prst="rect">
+            <a:avLst/>
+          </a:prstGeom>
+          <a:noFill/>
+          <a:ln>
+            <a:solidFill>
+              <a:schemeClr val="tx1"/>
+            </a:solidFill>
+          </a:ln>
+        </p:spPr>
+        <p:txBody>
+          <a:bodyPr wrap="none" rtlCol="0">
+            <a:spAutoFit/>
+          </a:bodyPr>
+          <a:lstStyle/>
+          <a:p>
+            <a:r>
+              <a:rPr lang="en-US" sz="3000" dirty="0"/>
+              <a:t>yes</a:t>
+            </a:r>
+          </a:p>
+        </p:txBody>
+      </p:sp>
+      <p:sp>
+        <p:nvSpPr>
+          <p:cNvPr id="27" name="TextBox 26">
+            <a:extLst>
+              <a:ext uri="{FF2B5EF4-FFF2-40B4-BE49-F238E27FC236}">
+                <a16:creationId xmlns:a16="http://schemas.microsoft.com/office/drawing/2014/main" id="{B09A35AF-CDCE-7C49-855D-D8DCC7F90042}"/>
+              </a:ext>
+            </a:extLst>
+          </p:cNvPr>
+          <p:cNvSpPr txBox="1"/>
+          <p:nvPr/>
+        </p:nvSpPr>
+        <p:spPr>
+          <a:xfrm>
+            <a:off x="10309088" y="2707803"/>
+            <a:ext cx="590226" cy="553998"/>
+          </a:xfrm>
+          <a:prstGeom prst="rect">
+            <a:avLst/>
+          </a:prstGeom>
+          <a:noFill/>
+          <a:ln>
+            <a:solidFill>
+              <a:schemeClr val="tx1"/>
+            </a:solidFill>
+          </a:ln>
+        </p:spPr>
+        <p:txBody>
+          <a:bodyPr wrap="none" rtlCol="0">
+            <a:spAutoFit/>
+          </a:bodyPr>
+          <a:lstStyle/>
+          <a:p>
+            <a:r>
+              <a:rPr lang="en-US" sz="3000" dirty="0"/>
+              <a:t>no</a:t>
+            </a:r>
+          </a:p>
+        </p:txBody>
+      </p:sp>
+      <p:sp>
+        <p:nvSpPr>
+          <p:cNvPr id="29" name="TextBox 28">
+            <a:extLst>
+              <a:ext uri="{FF2B5EF4-FFF2-40B4-BE49-F238E27FC236}">
+                <a16:creationId xmlns:a16="http://schemas.microsoft.com/office/drawing/2014/main" id="{940975D4-3C84-0C43-B387-07B26518CE9C}"/>
+              </a:ext>
+            </a:extLst>
+          </p:cNvPr>
+          <p:cNvSpPr txBox="1"/>
+          <p:nvPr/>
+        </p:nvSpPr>
+        <p:spPr>
+          <a:xfrm>
+            <a:off x="7066983" y="3100659"/>
+            <a:ext cx="2739522" cy="1015663"/>
+          </a:xfrm>
+          <a:prstGeom prst="rect">
+            <a:avLst/>
+          </a:prstGeom>
+          <a:noFill/>
+          <a:ln>
+            <a:solidFill>
+              <a:schemeClr val="tx1"/>
+            </a:solidFill>
+          </a:ln>
+        </p:spPr>
+        <p:txBody>
+          <a:bodyPr wrap="square" rtlCol="0">
+            <a:spAutoFit/>
+          </a:bodyPr>
+          <a:lstStyle/>
+          <a:p>
+            <a:pPr algn="ctr"/>
+            <a:r>
+              <a:rPr lang="en-US" sz="3000" dirty="0"/>
+              <a:t>Assess </a:t>
+            </a:r>
+            <a:r>
+              <a:rPr lang="en-US" sz="3000" dirty="0" err="1"/>
+              <a:t>bcond</a:t>
+            </a:r>
+            <a:r>
+              <a:rPr lang="en-US" sz="3000" dirty="0"/>
+              <a:t>, print result</a:t>
+            </a:r>
+          </a:p>
+        </p:txBody>
+      </p:sp>
+      <p:cxnSp>
+        <p:nvCxnSpPr>
+          <p:cNvPr id="32" name="Straight Arrow Connector 31">
+            <a:extLst>
+              <a:ext uri="{FF2B5EF4-FFF2-40B4-BE49-F238E27FC236}">
+                <a16:creationId xmlns:a16="http://schemas.microsoft.com/office/drawing/2014/main" id="{420F33D7-CD90-644F-A0AF-9ACDD928E59D}"/>
+              </a:ext>
+            </a:extLst>
+          </p:cNvPr>
+          <p:cNvCxnSpPr>
+            <a:cxnSpLocks/>
+            <a:stCxn id="25" idx="2"/>
+            <a:endCxn id="26" idx="0"/>
+          </p:cNvCxnSpPr>
+          <p:nvPr/>
+        </p:nvCxnSpPr>
+        <p:spPr>
+          <a:xfrm flipH="1">
+            <a:off x="8403037" y="1549477"/>
+            <a:ext cx="211052" cy="550417"/>
+          </a:xfrm>
+          <a:prstGeom prst="straightConnector1">
+            <a:avLst/>
+          </a:prstGeom>
+          <a:ln w="63500">
+            <a:solidFill>
+              <a:schemeClr val="tx1"/>
+            </a:solidFill>
+            <a:tailEnd type="triangle"/>
+          </a:ln>
+        </p:spPr>
+        <p:style>
+          <a:lnRef idx="1">
+            <a:schemeClr val="accent1"/>
+          </a:lnRef>
+          <a:fillRef idx="0">
+            <a:schemeClr val="accent1"/>
+          </a:fillRef>
+          <a:effectRef idx="0">
+            <a:schemeClr val="accent1"/>
+          </a:effectRef>
+          <a:fontRef idx="minor">
+            <a:schemeClr val="tx1"/>
+          </a:fontRef>
+        </p:style>
+      </p:cxnSp>
+      <p:cxnSp>
+        <p:nvCxnSpPr>
+          <p:cNvPr id="35" name="Straight Arrow Connector 34">
+            <a:extLst>
+              <a:ext uri="{FF2B5EF4-FFF2-40B4-BE49-F238E27FC236}">
+                <a16:creationId xmlns:a16="http://schemas.microsoft.com/office/drawing/2014/main" id="{C32D637D-8662-0847-B59B-CDDA597100B7}"/>
+              </a:ext>
+            </a:extLst>
+          </p:cNvPr>
+          <p:cNvCxnSpPr>
+            <a:cxnSpLocks/>
+            <a:stCxn id="25" idx="2"/>
+            <a:endCxn id="27" idx="0"/>
+          </p:cNvCxnSpPr>
+          <p:nvPr/>
+        </p:nvCxnSpPr>
+        <p:spPr>
+          <a:xfrm>
+            <a:off x="8614089" y="1549477"/>
+            <a:ext cx="1990112" cy="1158326"/>
+          </a:xfrm>
+          <a:prstGeom prst="straightConnector1">
+            <a:avLst/>
+          </a:prstGeom>
+          <a:ln w="63500">
+            <a:solidFill>
+              <a:schemeClr val="tx1"/>
+            </a:solidFill>
+            <a:tailEnd type="triangle"/>
+          </a:ln>
+        </p:spPr>
+        <p:style>
+          <a:lnRef idx="1">
+            <a:schemeClr val="accent1"/>
+          </a:lnRef>
+          <a:fillRef idx="0">
+            <a:schemeClr val="accent1"/>
+          </a:fillRef>
+          <a:effectRef idx="0">
+            <a:schemeClr val="accent1"/>
+          </a:effectRef>
+          <a:fontRef idx="minor">
+            <a:schemeClr val="tx1"/>
+          </a:fontRef>
+        </p:style>
+      </p:cxnSp>
+      <p:cxnSp>
+        <p:nvCxnSpPr>
+          <p:cNvPr id="38" name="Straight Arrow Connector 37">
+            <a:extLst>
+              <a:ext uri="{FF2B5EF4-FFF2-40B4-BE49-F238E27FC236}">
+                <a16:creationId xmlns:a16="http://schemas.microsoft.com/office/drawing/2014/main" id="{51043B32-AA2D-9F49-8E1A-91915D01C37E}"/>
+              </a:ext>
+            </a:extLst>
+          </p:cNvPr>
+          <p:cNvCxnSpPr>
+            <a:cxnSpLocks/>
+            <a:stCxn id="27" idx="2"/>
+            <a:endCxn id="50" idx="0"/>
+          </p:cNvCxnSpPr>
+          <p:nvPr/>
+        </p:nvCxnSpPr>
+        <p:spPr>
+          <a:xfrm>
+            <a:off x="10604201" y="3261801"/>
+            <a:ext cx="73991" cy="1355084"/>
+          </a:xfrm>
+          <a:prstGeom prst="straightConnector1">
+            <a:avLst/>
+          </a:prstGeom>
+          <a:ln w="63500">
+            <a:solidFill>
+              <a:schemeClr val="tx1"/>
+            </a:solidFill>
+            <a:tailEnd type="triangle"/>
+          </a:ln>
+        </p:spPr>
+        <p:style>
+          <a:lnRef idx="1">
+            <a:schemeClr val="accent1"/>
+          </a:lnRef>
+          <a:fillRef idx="0">
+            <a:schemeClr val="accent1"/>
+          </a:fillRef>
+          <a:effectRef idx="0">
+            <a:schemeClr val="accent1"/>
+          </a:effectRef>
+          <a:fontRef idx="minor">
+            <a:schemeClr val="tx1"/>
+          </a:fontRef>
+        </p:style>
+      </p:cxnSp>
+      <p:cxnSp>
+        <p:nvCxnSpPr>
+          <p:cNvPr id="49" name="Straight Arrow Connector 48">
+            <a:extLst>
+              <a:ext uri="{FF2B5EF4-FFF2-40B4-BE49-F238E27FC236}">
+                <a16:creationId xmlns:a16="http://schemas.microsoft.com/office/drawing/2014/main" id="{01D20F82-0381-9045-808B-1C69991B543F}"/>
+              </a:ext>
+            </a:extLst>
+          </p:cNvPr>
+          <p:cNvCxnSpPr>
+            <a:cxnSpLocks/>
+            <a:stCxn id="26" idx="2"/>
+            <a:endCxn id="29" idx="0"/>
+          </p:cNvCxnSpPr>
+          <p:nvPr/>
+        </p:nvCxnSpPr>
+        <p:spPr>
+          <a:xfrm>
+            <a:off x="8403037" y="2653892"/>
+            <a:ext cx="33707" cy="446767"/>
+          </a:xfrm>
+          <a:prstGeom prst="straightConnector1">
+            <a:avLst/>
+          </a:prstGeom>
+          <a:ln w="63500">
+            <a:solidFill>
+              <a:schemeClr val="tx1"/>
+            </a:solidFill>
+            <a:tailEnd type="triangle"/>
+          </a:ln>
+        </p:spPr>
+        <p:style>
+          <a:lnRef idx="1">
+            <a:schemeClr val="accent1"/>
+          </a:lnRef>
+          <a:fillRef idx="0">
+            <a:schemeClr val="accent1"/>
+          </a:fillRef>
+          <a:effectRef idx="0">
+            <a:schemeClr val="accent1"/>
+          </a:effectRef>
+          <a:fontRef idx="minor">
+            <a:schemeClr val="tx1"/>
+          </a:fontRef>
+        </p:style>
+      </p:cxnSp>
+      <p:cxnSp>
+        <p:nvCxnSpPr>
+          <p:cNvPr id="53" name="Straight Arrow Connector 52">
+            <a:extLst>
+              <a:ext uri="{FF2B5EF4-FFF2-40B4-BE49-F238E27FC236}">
+                <a16:creationId xmlns:a16="http://schemas.microsoft.com/office/drawing/2014/main" id="{0647FD83-4A23-AF49-82CD-B20CB5E4BB5A}"/>
+              </a:ext>
+            </a:extLst>
+          </p:cNvPr>
+          <p:cNvCxnSpPr>
+            <a:cxnSpLocks/>
+            <a:stCxn id="29" idx="2"/>
+            <a:endCxn id="145" idx="0"/>
+          </p:cNvCxnSpPr>
+          <p:nvPr/>
+        </p:nvCxnSpPr>
+        <p:spPr>
+          <a:xfrm flipH="1">
+            <a:off x="8255330" y="4116322"/>
+            <a:ext cx="181414" cy="1701123"/>
+          </a:xfrm>
+          <a:prstGeom prst="straightConnector1">
+            <a:avLst/>
+          </a:prstGeom>
+          <a:ln w="63500">
+            <a:solidFill>
+              <a:schemeClr val="tx1"/>
+            </a:solidFill>
+            <a:tailEnd type="triangle"/>
+          </a:ln>
+        </p:spPr>
+        <p:style>
+          <a:lnRef idx="1">
+            <a:schemeClr val="accent1"/>
+          </a:lnRef>
+          <a:fillRef idx="0">
+            <a:schemeClr val="accent1"/>
+          </a:fillRef>
+          <a:effectRef idx="0">
+            <a:schemeClr val="accent1"/>
+          </a:effectRef>
+          <a:fontRef idx="minor">
+            <a:schemeClr val="tx1"/>
+          </a:fontRef>
+        </p:style>
+      </p:cxnSp>
+      <p:sp>
+        <p:nvSpPr>
+          <p:cNvPr id="50" name="TextBox 49">
+            <a:extLst>
+              <a:ext uri="{FF2B5EF4-FFF2-40B4-BE49-F238E27FC236}">
+                <a16:creationId xmlns:a16="http://schemas.microsoft.com/office/drawing/2014/main" id="{9D1EF4EE-7C50-5943-AB5B-1B27780935AE}"/>
+              </a:ext>
+            </a:extLst>
+          </p:cNvPr>
+          <p:cNvSpPr txBox="1"/>
+          <p:nvPr/>
+        </p:nvSpPr>
+        <p:spPr>
+          <a:xfrm>
+            <a:off x="9441957" y="4616885"/>
+            <a:ext cx="2472470" cy="1015663"/>
+          </a:xfrm>
+          <a:prstGeom prst="rect">
+            <a:avLst/>
+          </a:prstGeom>
+          <a:noFill/>
+          <a:ln>
+            <a:solidFill>
+              <a:schemeClr val="tx1"/>
+            </a:solidFill>
+          </a:ln>
+        </p:spPr>
+        <p:txBody>
+          <a:bodyPr wrap="square" rtlCol="0">
+            <a:spAutoFit/>
+          </a:bodyPr>
+          <a:lstStyle/>
+          <a:p>
+            <a:pPr algn="ctr"/>
+            <a:r>
+              <a:rPr lang="en-US" sz="3000" dirty="0"/>
+              <a:t>End-of-ride message</a:t>
+            </a:r>
+          </a:p>
+        </p:txBody>
+      </p:sp>
+      <p:sp>
+        <p:nvSpPr>
+          <p:cNvPr id="90" name="TextBox 89">
+            <a:extLst>
+              <a:ext uri="{FF2B5EF4-FFF2-40B4-BE49-F238E27FC236}">
+                <a16:creationId xmlns:a16="http://schemas.microsoft.com/office/drawing/2014/main" id="{9499C0AE-B5B4-644C-A0DD-9F21B8C455D1}"/>
+              </a:ext>
+            </a:extLst>
+          </p:cNvPr>
+          <p:cNvSpPr txBox="1"/>
+          <p:nvPr/>
+        </p:nvSpPr>
+        <p:spPr>
+          <a:xfrm>
+            <a:off x="-5425" y="6114895"/>
+            <a:ext cx="3716768" cy="553998"/>
+          </a:xfrm>
+          <a:prstGeom prst="rect">
+            <a:avLst/>
+          </a:prstGeom>
+          <a:noFill/>
+          <a:ln>
+            <a:solidFill>
+              <a:schemeClr val="tx1"/>
+            </a:solidFill>
+          </a:ln>
+        </p:spPr>
+        <p:txBody>
+          <a:bodyPr wrap="square" rtlCol="0">
+            <a:spAutoFit/>
+          </a:bodyPr>
+          <a:lstStyle/>
+          <a:p>
+            <a:pPr algn="ctr"/>
+            <a:r>
+              <a:rPr lang="en-US" sz="3000" dirty="0"/>
+              <a:t>End-of-ride message</a:t>
+            </a:r>
+          </a:p>
+        </p:txBody>
+      </p:sp>
+      <p:cxnSp>
+        <p:nvCxnSpPr>
+          <p:cNvPr id="123" name="Curved Connector 122">
+            <a:extLst>
+              <a:ext uri="{FF2B5EF4-FFF2-40B4-BE49-F238E27FC236}">
+                <a16:creationId xmlns:a16="http://schemas.microsoft.com/office/drawing/2014/main" id="{26D7BFE1-60D3-9A42-B13C-3394534D6C70}"/>
+              </a:ext>
+            </a:extLst>
+          </p:cNvPr>
+          <p:cNvCxnSpPr>
+            <a:cxnSpLocks/>
+            <a:stCxn id="102" idx="3"/>
+            <a:endCxn id="25" idx="1"/>
+          </p:cNvCxnSpPr>
+          <p:nvPr/>
+        </p:nvCxnSpPr>
+        <p:spPr>
+          <a:xfrm flipV="1">
+            <a:off x="6296207" y="1041646"/>
+            <a:ext cx="770776" cy="3009069"/>
+          </a:xfrm>
+          <a:prstGeom prst="curvedConnector3">
+            <a:avLst>
+              <a:gd name="adj1" fmla="val 50000"/>
+            </a:avLst>
+          </a:prstGeom>
+          <a:ln w="63500">
+            <a:solidFill>
+              <a:schemeClr val="tx1"/>
+            </a:solidFill>
+            <a:tailEnd type="triangle"/>
+          </a:ln>
+        </p:spPr>
+        <p:style>
+          <a:lnRef idx="1">
+            <a:schemeClr val="accent1"/>
+          </a:lnRef>
+          <a:fillRef idx="0">
+            <a:schemeClr val="accent1"/>
+          </a:fillRef>
+          <a:effectRef idx="0">
+            <a:schemeClr val="accent1"/>
+          </a:effectRef>
+          <a:fontRef idx="minor">
+            <a:schemeClr val="tx1"/>
+          </a:fontRef>
+        </p:style>
+      </p:cxnSp>
+      <p:sp>
+        <p:nvSpPr>
+          <p:cNvPr id="73" name="TextBox 72">
+            <a:extLst>
+              <a:ext uri="{FF2B5EF4-FFF2-40B4-BE49-F238E27FC236}">
+                <a16:creationId xmlns:a16="http://schemas.microsoft.com/office/drawing/2014/main" id="{3B352891-499B-194E-A716-739468AC3093}"/>
+              </a:ext>
+            </a:extLst>
+          </p:cNvPr>
+          <p:cNvSpPr txBox="1"/>
+          <p:nvPr/>
+        </p:nvSpPr>
+        <p:spPr>
+          <a:xfrm>
+            <a:off x="771971" y="2336640"/>
+            <a:ext cx="4044633" cy="1015663"/>
+          </a:xfrm>
+          <a:prstGeom prst="rect">
+            <a:avLst/>
+          </a:prstGeom>
+          <a:noFill/>
+          <a:ln>
+            <a:solidFill>
+              <a:schemeClr val="tx1"/>
+            </a:solidFill>
+          </a:ln>
+        </p:spPr>
+        <p:txBody>
+          <a:bodyPr wrap="none" rtlCol="0">
+            <a:spAutoFit/>
+          </a:bodyPr>
+          <a:lstStyle/>
+          <a:p>
+            <a:r>
+              <a:rPr lang="en-US" sz="3000" dirty="0"/>
+              <a:t>For s in </a:t>
+            </a:r>
+            <a:r>
+              <a:rPr lang="en-US" sz="3000" dirty="0" err="1"/>
+              <a:t>ride.seq</a:t>
+            </a:r>
+            <a:r>
+              <a:rPr lang="en-US" sz="3000" dirty="0"/>
+              <a:t> </a:t>
+            </a:r>
+          </a:p>
+          <a:p>
+            <a:r>
+              <a:rPr lang="en-US" sz="3000" dirty="0"/>
+              <a:t>(updates ride animation)</a:t>
+            </a:r>
+          </a:p>
+        </p:txBody>
+      </p:sp>
+      <p:sp>
+        <p:nvSpPr>
+          <p:cNvPr id="75" name="TextBox 74">
+            <a:extLst>
+              <a:ext uri="{FF2B5EF4-FFF2-40B4-BE49-F238E27FC236}">
+                <a16:creationId xmlns:a16="http://schemas.microsoft.com/office/drawing/2014/main" id="{6B18511B-089E-7143-9308-07A497C662C3}"/>
+              </a:ext>
+            </a:extLst>
+          </p:cNvPr>
+          <p:cNvSpPr txBox="1"/>
+          <p:nvPr/>
+        </p:nvSpPr>
+        <p:spPr>
+          <a:xfrm>
+            <a:off x="116678" y="3821662"/>
+            <a:ext cx="3217163" cy="553998"/>
+          </a:xfrm>
+          <a:prstGeom prst="rect">
+            <a:avLst/>
+          </a:prstGeom>
+          <a:noFill/>
+          <a:ln>
+            <a:solidFill>
+              <a:schemeClr val="tx1"/>
+            </a:solidFill>
+          </a:ln>
+        </p:spPr>
+        <p:txBody>
+          <a:bodyPr wrap="none" rtlCol="0">
+            <a:spAutoFit/>
+          </a:bodyPr>
+          <a:lstStyle/>
+          <a:p>
+            <a:r>
+              <a:rPr lang="en-US" sz="3000" dirty="0"/>
+              <a:t>s == max(</a:t>
+            </a:r>
+            <a:r>
+              <a:rPr lang="en-US" sz="3000" dirty="0" err="1"/>
+              <a:t>ride.seq</a:t>
+            </a:r>
+            <a:r>
+              <a:rPr lang="en-US" sz="3000" dirty="0"/>
+              <a:t>)?</a:t>
+            </a:r>
+          </a:p>
+        </p:txBody>
+      </p:sp>
+      <p:cxnSp>
+        <p:nvCxnSpPr>
+          <p:cNvPr id="79" name="Straight Arrow Connector 78">
+            <a:extLst>
+              <a:ext uri="{FF2B5EF4-FFF2-40B4-BE49-F238E27FC236}">
+                <a16:creationId xmlns:a16="http://schemas.microsoft.com/office/drawing/2014/main" id="{2179A566-E292-0449-ABAD-6F88DCB42B9B}"/>
+              </a:ext>
+            </a:extLst>
+          </p:cNvPr>
+          <p:cNvCxnSpPr>
+            <a:cxnSpLocks/>
+            <a:stCxn id="75" idx="2"/>
+            <a:endCxn id="82" idx="0"/>
+          </p:cNvCxnSpPr>
+          <p:nvPr/>
+        </p:nvCxnSpPr>
+        <p:spPr>
+          <a:xfrm flipH="1">
+            <a:off x="771971" y="4375660"/>
+            <a:ext cx="953289" cy="813999"/>
+          </a:xfrm>
+          <a:prstGeom prst="straightConnector1">
+            <a:avLst/>
+          </a:prstGeom>
+          <a:ln w="63500">
+            <a:solidFill>
+              <a:schemeClr val="tx1"/>
+            </a:solidFill>
+            <a:tailEnd type="triangle"/>
+          </a:ln>
+        </p:spPr>
+        <p:style>
+          <a:lnRef idx="1">
+            <a:schemeClr val="accent1"/>
+          </a:lnRef>
+          <a:fillRef idx="0">
+            <a:schemeClr val="accent1"/>
+          </a:fillRef>
+          <a:effectRef idx="0">
+            <a:schemeClr val="accent1"/>
+          </a:effectRef>
+          <a:fontRef idx="minor">
+            <a:schemeClr val="tx1"/>
+          </a:fontRef>
+        </p:style>
+      </p:cxnSp>
+      <p:sp>
+        <p:nvSpPr>
+          <p:cNvPr id="82" name="TextBox 81">
+            <a:extLst>
+              <a:ext uri="{FF2B5EF4-FFF2-40B4-BE49-F238E27FC236}">
+                <a16:creationId xmlns:a16="http://schemas.microsoft.com/office/drawing/2014/main" id="{A1747CEB-DE75-E649-9A93-6DAE59381EAA}"/>
+              </a:ext>
+            </a:extLst>
+          </p:cNvPr>
+          <p:cNvSpPr txBox="1"/>
+          <p:nvPr/>
+        </p:nvSpPr>
+        <p:spPr>
+          <a:xfrm>
+            <a:off x="423894" y="5189659"/>
+            <a:ext cx="696153" cy="553998"/>
+          </a:xfrm>
+          <a:prstGeom prst="rect">
+            <a:avLst/>
+          </a:prstGeom>
+          <a:noFill/>
+          <a:ln>
+            <a:solidFill>
+              <a:schemeClr val="tx1"/>
+            </a:solidFill>
+          </a:ln>
+        </p:spPr>
+        <p:txBody>
+          <a:bodyPr wrap="none" rtlCol="0">
+            <a:spAutoFit/>
+          </a:bodyPr>
+          <a:lstStyle/>
+          <a:p>
+            <a:r>
+              <a:rPr lang="en-US" sz="3000" dirty="0"/>
+              <a:t>yes</a:t>
+            </a:r>
+          </a:p>
+        </p:txBody>
+      </p:sp>
+      <p:sp>
+        <p:nvSpPr>
+          <p:cNvPr id="84" name="TextBox 83">
+            <a:extLst>
+              <a:ext uri="{FF2B5EF4-FFF2-40B4-BE49-F238E27FC236}">
+                <a16:creationId xmlns:a16="http://schemas.microsoft.com/office/drawing/2014/main" id="{E2E30A42-01C9-274E-8771-442B2E7FA76B}"/>
+              </a:ext>
+            </a:extLst>
+          </p:cNvPr>
+          <p:cNvSpPr txBox="1"/>
+          <p:nvPr/>
+        </p:nvSpPr>
+        <p:spPr>
+          <a:xfrm>
+            <a:off x="1848597" y="4766817"/>
+            <a:ext cx="590226" cy="553998"/>
+          </a:xfrm>
+          <a:prstGeom prst="rect">
+            <a:avLst/>
+          </a:prstGeom>
+          <a:noFill/>
+          <a:ln>
+            <a:solidFill>
+              <a:schemeClr val="tx1"/>
+            </a:solidFill>
+          </a:ln>
+        </p:spPr>
+        <p:txBody>
+          <a:bodyPr wrap="none" rtlCol="0">
+            <a:spAutoFit/>
+          </a:bodyPr>
+          <a:lstStyle/>
+          <a:p>
+            <a:r>
+              <a:rPr lang="en-US" sz="3000" dirty="0"/>
+              <a:t>no</a:t>
+            </a:r>
+          </a:p>
+        </p:txBody>
+      </p:sp>
+      <p:cxnSp>
+        <p:nvCxnSpPr>
+          <p:cNvPr id="85" name="Straight Arrow Connector 84">
+            <a:extLst>
+              <a:ext uri="{FF2B5EF4-FFF2-40B4-BE49-F238E27FC236}">
+                <a16:creationId xmlns:a16="http://schemas.microsoft.com/office/drawing/2014/main" id="{08E4E06C-665F-3D42-89F1-CB7437A0B01D}"/>
+              </a:ext>
+            </a:extLst>
+          </p:cNvPr>
+          <p:cNvCxnSpPr>
+            <a:cxnSpLocks/>
+            <a:stCxn id="75" idx="2"/>
+            <a:endCxn id="84" idx="0"/>
+          </p:cNvCxnSpPr>
+          <p:nvPr/>
+        </p:nvCxnSpPr>
+        <p:spPr>
+          <a:xfrm>
+            <a:off x="1725260" y="4375660"/>
+            <a:ext cx="418450" cy="391157"/>
+          </a:xfrm>
+          <a:prstGeom prst="straightConnector1">
+            <a:avLst/>
+          </a:prstGeom>
+          <a:ln w="63500">
+            <a:solidFill>
+              <a:schemeClr val="tx1"/>
+            </a:solidFill>
+            <a:tailEnd type="triangle"/>
+          </a:ln>
+        </p:spPr>
+        <p:style>
+          <a:lnRef idx="1">
+            <a:schemeClr val="accent1"/>
+          </a:lnRef>
+          <a:fillRef idx="0">
+            <a:schemeClr val="accent1"/>
+          </a:fillRef>
+          <a:effectRef idx="0">
+            <a:schemeClr val="accent1"/>
+          </a:effectRef>
+          <a:fontRef idx="minor">
+            <a:schemeClr val="tx1"/>
+          </a:fontRef>
+        </p:style>
+      </p:cxnSp>
+      <p:cxnSp>
+        <p:nvCxnSpPr>
+          <p:cNvPr id="88" name="Straight Arrow Connector 87">
+            <a:extLst>
+              <a:ext uri="{FF2B5EF4-FFF2-40B4-BE49-F238E27FC236}">
+                <a16:creationId xmlns:a16="http://schemas.microsoft.com/office/drawing/2014/main" id="{115022ED-FDAA-004B-81BD-19B0A36CAAEC}"/>
+              </a:ext>
+            </a:extLst>
+          </p:cNvPr>
+          <p:cNvCxnSpPr>
+            <a:cxnSpLocks/>
+            <a:stCxn id="84" idx="3"/>
+            <a:endCxn id="6" idx="1"/>
+          </p:cNvCxnSpPr>
+          <p:nvPr/>
+        </p:nvCxnSpPr>
+        <p:spPr>
+          <a:xfrm>
+            <a:off x="2438823" y="5043816"/>
+            <a:ext cx="581766" cy="311733"/>
+          </a:xfrm>
+          <a:prstGeom prst="straightConnector1">
+            <a:avLst/>
+          </a:prstGeom>
+          <a:ln w="63500">
+            <a:solidFill>
+              <a:schemeClr val="tx1"/>
+            </a:solidFill>
+            <a:tailEnd type="triangle"/>
+          </a:ln>
+        </p:spPr>
+        <p:style>
+          <a:lnRef idx="1">
+            <a:schemeClr val="accent1"/>
+          </a:lnRef>
+          <a:fillRef idx="0">
+            <a:schemeClr val="accent1"/>
+          </a:fillRef>
+          <a:effectRef idx="0">
+            <a:schemeClr val="accent1"/>
+          </a:effectRef>
+          <a:fontRef idx="minor">
+            <a:schemeClr val="tx1"/>
+          </a:fontRef>
+        </p:style>
+      </p:cxnSp>
+      <p:cxnSp>
+        <p:nvCxnSpPr>
+          <p:cNvPr id="91" name="Straight Arrow Connector 90">
+            <a:extLst>
+              <a:ext uri="{FF2B5EF4-FFF2-40B4-BE49-F238E27FC236}">
+                <a16:creationId xmlns:a16="http://schemas.microsoft.com/office/drawing/2014/main" id="{FEE1DF1F-32FC-4540-9C24-8C78A0A17459}"/>
+              </a:ext>
+            </a:extLst>
+          </p:cNvPr>
+          <p:cNvCxnSpPr>
+            <a:cxnSpLocks/>
+            <a:stCxn id="82" idx="2"/>
+            <a:endCxn id="90" idx="0"/>
+          </p:cNvCxnSpPr>
+          <p:nvPr/>
+        </p:nvCxnSpPr>
+        <p:spPr>
+          <a:xfrm>
+            <a:off x="771971" y="5743657"/>
+            <a:ext cx="1080988" cy="371238"/>
+          </a:xfrm>
+          <a:prstGeom prst="straightConnector1">
+            <a:avLst/>
+          </a:prstGeom>
+          <a:ln w="63500">
+            <a:solidFill>
+              <a:schemeClr val="tx1"/>
+            </a:solidFill>
+            <a:tailEnd type="triangle"/>
+          </a:ln>
+        </p:spPr>
+        <p:style>
+          <a:lnRef idx="1">
+            <a:schemeClr val="accent1"/>
+          </a:lnRef>
+          <a:fillRef idx="0">
+            <a:schemeClr val="accent1"/>
+          </a:fillRef>
+          <a:effectRef idx="0">
+            <a:schemeClr val="accent1"/>
+          </a:effectRef>
+          <a:fontRef idx="minor">
+            <a:schemeClr val="tx1"/>
+          </a:fontRef>
+        </p:style>
+      </p:cxnSp>
+      <p:cxnSp>
+        <p:nvCxnSpPr>
+          <p:cNvPr id="99" name="Straight Arrow Connector 98">
+            <a:extLst>
+              <a:ext uri="{FF2B5EF4-FFF2-40B4-BE49-F238E27FC236}">
+                <a16:creationId xmlns:a16="http://schemas.microsoft.com/office/drawing/2014/main" id="{5AE1EA1C-24E9-AA49-BA33-33B9F67A2429}"/>
+              </a:ext>
+            </a:extLst>
+          </p:cNvPr>
+          <p:cNvCxnSpPr>
+            <a:cxnSpLocks/>
+            <a:stCxn id="6" idx="3"/>
+            <a:endCxn id="102" idx="1"/>
+          </p:cNvCxnSpPr>
+          <p:nvPr/>
+        </p:nvCxnSpPr>
+        <p:spPr>
+          <a:xfrm flipV="1">
+            <a:off x="4841921" y="4050715"/>
+            <a:ext cx="758133" cy="1304834"/>
+          </a:xfrm>
+          <a:prstGeom prst="straightConnector1">
+            <a:avLst/>
+          </a:prstGeom>
+          <a:ln w="63500">
+            <a:solidFill>
+              <a:schemeClr val="tx1"/>
+            </a:solidFill>
+            <a:tailEnd type="triangle"/>
+          </a:ln>
+        </p:spPr>
+        <p:style>
+          <a:lnRef idx="1">
+            <a:schemeClr val="accent1"/>
+          </a:lnRef>
+          <a:fillRef idx="0">
+            <a:schemeClr val="accent1"/>
+          </a:fillRef>
+          <a:effectRef idx="0">
+            <a:schemeClr val="accent1"/>
+          </a:effectRef>
+          <a:fontRef idx="minor">
+            <a:schemeClr val="tx1"/>
+          </a:fontRef>
+        </p:style>
+      </p:cxnSp>
+      <p:sp>
+        <p:nvSpPr>
+          <p:cNvPr id="102" name="TextBox 101">
+            <a:extLst>
+              <a:ext uri="{FF2B5EF4-FFF2-40B4-BE49-F238E27FC236}">
+                <a16:creationId xmlns:a16="http://schemas.microsoft.com/office/drawing/2014/main" id="{7B20C62D-BBF1-FA47-8FD9-F7B111A6998A}"/>
+              </a:ext>
+            </a:extLst>
+          </p:cNvPr>
+          <p:cNvSpPr txBox="1"/>
+          <p:nvPr/>
+        </p:nvSpPr>
+        <p:spPr>
+          <a:xfrm>
+            <a:off x="5600054" y="3773716"/>
+            <a:ext cx="696153" cy="553998"/>
+          </a:xfrm>
+          <a:prstGeom prst="rect">
+            <a:avLst/>
+          </a:prstGeom>
+          <a:noFill/>
+          <a:ln>
+            <a:solidFill>
+              <a:schemeClr val="tx1"/>
+            </a:solidFill>
+          </a:ln>
+        </p:spPr>
+        <p:txBody>
+          <a:bodyPr wrap="none" rtlCol="0">
+            <a:spAutoFit/>
+          </a:bodyPr>
+          <a:lstStyle/>
+          <a:p>
+            <a:r>
+              <a:rPr lang="en-US" sz="3000" dirty="0"/>
+              <a:t>yes</a:t>
+            </a:r>
+          </a:p>
+        </p:txBody>
+      </p:sp>
+      <p:sp>
+        <p:nvSpPr>
+          <p:cNvPr id="115" name="TextBox 114">
+            <a:extLst>
+              <a:ext uri="{FF2B5EF4-FFF2-40B4-BE49-F238E27FC236}">
+                <a16:creationId xmlns:a16="http://schemas.microsoft.com/office/drawing/2014/main" id="{7538D099-BC01-A34B-B12C-B7F7A0BBC491}"/>
+              </a:ext>
+            </a:extLst>
+          </p:cNvPr>
+          <p:cNvSpPr txBox="1"/>
+          <p:nvPr/>
+        </p:nvSpPr>
+        <p:spPr>
+          <a:xfrm>
+            <a:off x="5304941" y="5699983"/>
+            <a:ext cx="590226" cy="553998"/>
+          </a:xfrm>
+          <a:prstGeom prst="rect">
+            <a:avLst/>
+          </a:prstGeom>
+          <a:noFill/>
+          <a:ln>
+            <a:solidFill>
+              <a:schemeClr val="tx1"/>
+            </a:solidFill>
+          </a:ln>
+        </p:spPr>
+        <p:txBody>
+          <a:bodyPr wrap="none" rtlCol="0">
+            <a:spAutoFit/>
+          </a:bodyPr>
+          <a:lstStyle/>
+          <a:p>
+            <a:r>
+              <a:rPr lang="en-US" sz="3000" dirty="0"/>
+              <a:t>no</a:t>
+            </a:r>
+          </a:p>
+        </p:txBody>
+      </p:sp>
+      <p:cxnSp>
+        <p:nvCxnSpPr>
+          <p:cNvPr id="116" name="Straight Arrow Connector 115">
+            <a:extLst>
+              <a:ext uri="{FF2B5EF4-FFF2-40B4-BE49-F238E27FC236}">
+                <a16:creationId xmlns:a16="http://schemas.microsoft.com/office/drawing/2014/main" id="{87BF23D6-BD01-BE4F-BC69-AA13DC1D6385}"/>
+              </a:ext>
+            </a:extLst>
+          </p:cNvPr>
+          <p:cNvCxnSpPr>
+            <a:cxnSpLocks/>
+            <a:stCxn id="6" idx="3"/>
+            <a:endCxn id="115" idx="1"/>
+          </p:cNvCxnSpPr>
+          <p:nvPr/>
+        </p:nvCxnSpPr>
+        <p:spPr>
+          <a:xfrm>
+            <a:off x="4841921" y="5355549"/>
+            <a:ext cx="463020" cy="621433"/>
+          </a:xfrm>
+          <a:prstGeom prst="straightConnector1">
+            <a:avLst/>
+          </a:prstGeom>
+          <a:ln w="63500">
+            <a:solidFill>
+              <a:schemeClr val="tx1"/>
+            </a:solidFill>
+            <a:tailEnd type="triangle"/>
+          </a:ln>
+        </p:spPr>
+        <p:style>
+          <a:lnRef idx="1">
+            <a:schemeClr val="accent1"/>
+          </a:lnRef>
+          <a:fillRef idx="0">
+            <a:schemeClr val="accent1"/>
+          </a:fillRef>
+          <a:effectRef idx="0">
+            <a:schemeClr val="accent1"/>
+          </a:effectRef>
+          <a:fontRef idx="minor">
+            <a:schemeClr val="tx1"/>
+          </a:fontRef>
+        </p:style>
+      </p:cxnSp>
+      <p:cxnSp>
+        <p:nvCxnSpPr>
+          <p:cNvPr id="119" name="Straight Arrow Connector 118">
+            <a:extLst>
+              <a:ext uri="{FF2B5EF4-FFF2-40B4-BE49-F238E27FC236}">
+                <a16:creationId xmlns:a16="http://schemas.microsoft.com/office/drawing/2014/main" id="{81B30639-9510-7B49-8668-B3D491D9E7ED}"/>
+              </a:ext>
+            </a:extLst>
+          </p:cNvPr>
+          <p:cNvCxnSpPr>
+            <a:cxnSpLocks/>
+            <a:stCxn id="115" idx="3"/>
+            <a:endCxn id="145" idx="1"/>
+          </p:cNvCxnSpPr>
+          <p:nvPr/>
+        </p:nvCxnSpPr>
+        <p:spPr>
+          <a:xfrm>
+            <a:off x="5895167" y="5976982"/>
+            <a:ext cx="1581937" cy="117462"/>
+          </a:xfrm>
+          <a:prstGeom prst="straightConnector1">
+            <a:avLst/>
+          </a:prstGeom>
+          <a:ln w="63500">
+            <a:solidFill>
+              <a:schemeClr val="tx1"/>
+            </a:solidFill>
+            <a:tailEnd type="triangle"/>
+          </a:ln>
+        </p:spPr>
+        <p:style>
+          <a:lnRef idx="1">
+            <a:schemeClr val="accent1"/>
+          </a:lnRef>
+          <a:fillRef idx="0">
+            <a:schemeClr val="accent1"/>
+          </a:fillRef>
+          <a:effectRef idx="0">
+            <a:schemeClr val="accent1"/>
+          </a:effectRef>
+          <a:fontRef idx="minor">
+            <a:schemeClr val="tx1"/>
+          </a:fontRef>
+        </p:style>
+      </p:cxnSp>
+      <p:sp>
+        <p:nvSpPr>
+          <p:cNvPr id="145" name="TextBox 144">
+            <a:extLst>
+              <a:ext uri="{FF2B5EF4-FFF2-40B4-BE49-F238E27FC236}">
+                <a16:creationId xmlns:a16="http://schemas.microsoft.com/office/drawing/2014/main" id="{2782CFC5-03C7-1845-A88A-B034A90531D2}"/>
+              </a:ext>
+            </a:extLst>
+          </p:cNvPr>
+          <p:cNvSpPr txBox="1"/>
+          <p:nvPr/>
+        </p:nvSpPr>
+        <p:spPr>
+          <a:xfrm>
+            <a:off x="7477104" y="5817445"/>
+            <a:ext cx="1556452" cy="553998"/>
+          </a:xfrm>
+          <a:prstGeom prst="rect">
+            <a:avLst/>
+          </a:prstGeom>
+          <a:noFill/>
+          <a:ln>
+            <a:solidFill>
+              <a:schemeClr val="tx1"/>
+            </a:solidFill>
+          </a:ln>
+        </p:spPr>
+        <p:txBody>
+          <a:bodyPr wrap="none" rtlCol="0">
+            <a:spAutoFit/>
+          </a:bodyPr>
+          <a:lstStyle/>
+          <a:p>
+            <a:r>
+              <a:rPr lang="en-US" sz="3000" dirty="0"/>
+              <a:t>continue</a:t>
+            </a:r>
+          </a:p>
+        </p:txBody>
+      </p:sp>
+    </p:spTree>
+    <p:extLst>
+      <p:ext uri="{BB962C8B-B14F-4D97-AF65-F5344CB8AC3E}">
+        <p14:creationId xmlns:p14="http://schemas.microsoft.com/office/powerpoint/2010/main" val="3292690597"/>
+      </p:ext>
+    </p:extLst>
+  </p:cSld>
+  <p:clrMapOvr>
+    <a:masterClrMapping/>
+  </p:clrMapOvr>
+</p:sld>
+</file>
+
+<file path=ppt/slides/slide4.xml><?xml version="1.0" encoding="utf-8"?>
+<p:sld xmlns:a="http://schemas.openxmlformats.org/drawingml/2006/main" xmlns:r="http://schemas.openxmlformats.org/officeDocument/2006/relationships" xmlns:p="http://schemas.openxmlformats.org/presentationml/2006/main">
+  <p:cSld>
+    <p:spTree>
+      <p:nvGrpSpPr>
+        <p:cNvPr id="1" name=""/>
+        <p:cNvGrpSpPr/>
+        <p:nvPr/>
+      </p:nvGrpSpPr>
+      <p:grpSpPr>
+        <a:xfrm>
+          <a:off x="0" y="0"/>
+          <a:ext cx="0" cy="0"/>
+          <a:chOff x="0" y="0"/>
+          <a:chExt cx="0" cy="0"/>
+        </a:xfrm>
+      </p:grpSpPr>
+      <p:sp>
+        <p:nvSpPr>
+          <p:cNvPr id="4" name="TextBox 3">
+            <a:extLst>
+              <a:ext uri="{FF2B5EF4-FFF2-40B4-BE49-F238E27FC236}">
                 <a16:creationId xmlns:a16="http://schemas.microsoft.com/office/drawing/2014/main" id="{770F11B1-AF79-6643-977C-B9AC75D855E8}"/>
               </a:ext>
             </a:extLst>

--- a/slides/design_workflow.pptx
+++ b/slides/design_workflow.pptx
@@ -3329,448 +3329,357 @@
           <a:chExt cx="0" cy="0"/>
         </a:xfrm>
       </p:grpSpPr>
-      <p:grpSp>
-        <p:nvGrpSpPr>
-          <p:cNvPr id="13" name="Group 12">
-            <a:extLst>
-              <a:ext uri="{FF2B5EF4-FFF2-40B4-BE49-F238E27FC236}">
-                <a16:creationId xmlns:a16="http://schemas.microsoft.com/office/drawing/2014/main" id="{00E7C508-CDFB-8245-82EB-766ABD1A7B4B}"/>
-              </a:ext>
-            </a:extLst>
-          </p:cNvPr>
-          <p:cNvGrpSpPr/>
-          <p:nvPr/>
-        </p:nvGrpSpPr>
-        <p:grpSpPr>
-          <a:xfrm>
-            <a:off x="6569916" y="2316091"/>
-            <a:ext cx="5647691" cy="4425511"/>
-            <a:chOff x="4064871" y="-468947"/>
-            <a:chExt cx="5647691" cy="4425511"/>
-          </a:xfrm>
-        </p:grpSpPr>
-        <p:grpSp>
-          <p:nvGrpSpPr>
-            <p:cNvPr id="12" name="Group 11">
-              <a:extLst>
-                <a:ext uri="{FF2B5EF4-FFF2-40B4-BE49-F238E27FC236}">
-                  <a16:creationId xmlns:a16="http://schemas.microsoft.com/office/drawing/2014/main" id="{33E2452C-33BD-B241-A361-EF19471F5C91}"/>
-                </a:ext>
-              </a:extLst>
-            </p:cNvPr>
-            <p:cNvGrpSpPr/>
-            <p:nvPr/>
-          </p:nvGrpSpPr>
-          <p:grpSpPr>
-            <a:xfrm>
-              <a:off x="4156104" y="-468947"/>
-              <a:ext cx="5556458" cy="4321598"/>
-              <a:chOff x="4289454" y="407353"/>
-              <a:chExt cx="5556458" cy="4321598"/>
-            </a:xfrm>
-          </p:grpSpPr>
-          <p:sp>
-            <p:nvSpPr>
-              <p:cNvPr id="4" name="Rectangle 3">
-                <a:extLst>
-                  <a:ext uri="{FF2B5EF4-FFF2-40B4-BE49-F238E27FC236}">
-                    <a16:creationId xmlns:a16="http://schemas.microsoft.com/office/drawing/2014/main" id="{10ADAF50-91C7-B34A-9F06-97B172867839}"/>
-                  </a:ext>
-                </a:extLst>
-              </p:cNvPr>
-              <p:cNvSpPr/>
-              <p:nvPr/>
-            </p:nvSpPr>
-            <p:spPr>
-              <a:xfrm>
-                <a:off x="5307662" y="961351"/>
-                <a:ext cx="2155604" cy="1123515"/>
-              </a:xfrm>
-              <a:prstGeom prst="rect">
-                <a:avLst/>
-              </a:prstGeom>
-              <a:noFill/>
-              <a:ln w="25400">
+      <p:sp>
+        <p:nvSpPr>
+          <p:cNvPr id="5" name="Rectangle 4">
+            <a:extLst>
+              <a:ext uri="{FF2B5EF4-FFF2-40B4-BE49-F238E27FC236}">
+                <a16:creationId xmlns:a16="http://schemas.microsoft.com/office/drawing/2014/main" id="{633DC7FF-8420-6C4B-8AC6-ECF703CC9BF5}"/>
+              </a:ext>
+            </a:extLst>
+          </p:cNvPr>
+          <p:cNvSpPr/>
+          <p:nvPr/>
+        </p:nvSpPr>
+        <p:spPr>
+          <a:xfrm>
+            <a:off x="7184890" y="1046346"/>
+            <a:ext cx="4648177" cy="2244980"/>
+          </a:xfrm>
+          <a:prstGeom prst="rect">
+            <a:avLst/>
+          </a:prstGeom>
+          <a:solidFill>
+            <a:schemeClr val="accent1">
+              <a:lumMod val="20000"/>
+              <a:lumOff val="80000"/>
+            </a:schemeClr>
+          </a:solidFill>
+          <a:ln w="25400">
+            <a:solidFill>
+              <a:schemeClr val="tx1"/>
+            </a:solidFill>
+          </a:ln>
+        </p:spPr>
+        <p:style>
+          <a:lnRef idx="2">
+            <a:schemeClr val="accent1">
+              <a:shade val="50000"/>
+            </a:schemeClr>
+          </a:lnRef>
+          <a:fillRef idx="1">
+            <a:schemeClr val="accent1"/>
+          </a:fillRef>
+          <a:effectRef idx="0">
+            <a:schemeClr val="accent1"/>
+          </a:effectRef>
+          <a:fontRef idx="minor">
+            <a:schemeClr val="lt1"/>
+          </a:fontRef>
+        </p:style>
+        <p:txBody>
+          <a:bodyPr rtlCol="0" anchor="ctr"/>
+          <a:lstStyle/>
+          <a:p>
+            <a:pPr algn="ctr"/>
+            <a:endParaRPr lang="en-US" sz="3000" dirty="0">
+              <a:solidFill>
+                <a:schemeClr val="tx1"/>
+              </a:solidFill>
+            </a:endParaRPr>
+          </a:p>
+        </p:txBody>
+      </p:sp>
+      <p:sp>
+        <p:nvSpPr>
+          <p:cNvPr id="6" name="Rectangle 5">
+            <a:extLst>
+              <a:ext uri="{FF2B5EF4-FFF2-40B4-BE49-F238E27FC236}">
+                <a16:creationId xmlns:a16="http://schemas.microsoft.com/office/drawing/2014/main" id="{1C96F375-1DBB-8342-A4C2-8466EAEAAD34}"/>
+              </a:ext>
+            </a:extLst>
+          </p:cNvPr>
+          <p:cNvSpPr/>
+          <p:nvPr/>
+        </p:nvSpPr>
+        <p:spPr>
+          <a:xfrm>
+            <a:off x="9865175" y="2201718"/>
+            <a:ext cx="1888024" cy="610646"/>
+          </a:xfrm>
+          <a:prstGeom prst="rect">
+            <a:avLst/>
+          </a:prstGeom>
+          <a:noFill/>
+          <a:ln w="25400">
+            <a:solidFill>
+              <a:schemeClr val="tx1"/>
+            </a:solidFill>
+          </a:ln>
+        </p:spPr>
+        <p:style>
+          <a:lnRef idx="2">
+            <a:schemeClr val="accent1">
+              <a:shade val="50000"/>
+            </a:schemeClr>
+          </a:lnRef>
+          <a:fillRef idx="1">
+            <a:schemeClr val="accent1"/>
+          </a:fillRef>
+          <a:effectRef idx="0">
+            <a:schemeClr val="accent1"/>
+          </a:effectRef>
+          <a:fontRef idx="minor">
+            <a:schemeClr val="lt1"/>
+          </a:fontRef>
+        </p:style>
+        <p:txBody>
+          <a:bodyPr rtlCol="0" anchor="ctr"/>
+          <a:lstStyle/>
+          <a:p>
+            <a:pPr algn="ctr"/>
+            <a:r>
+              <a:rPr lang="en-US" sz="3000" dirty="0" err="1">
                 <a:solidFill>
                   <a:schemeClr val="tx1"/>
                 </a:solidFill>
-              </a:ln>
-            </p:spPr>
-            <p:style>
-              <a:lnRef idx="2">
-                <a:schemeClr val="accent1">
-                  <a:shade val="50000"/>
-                </a:schemeClr>
-              </a:lnRef>
-              <a:fillRef idx="1">
-                <a:schemeClr val="accent1"/>
-              </a:fillRef>
-              <a:effectRef idx="0">
-                <a:schemeClr val="accent1"/>
-              </a:effectRef>
-              <a:fontRef idx="minor">
-                <a:schemeClr val="lt1"/>
-              </a:fontRef>
-            </p:style>
-            <p:txBody>
-              <a:bodyPr rtlCol="0" anchor="ctr"/>
-              <a:lstStyle/>
-              <a:p>
-                <a:pPr algn="ctr"/>
-                <a:r>
-                  <a:rPr lang="en-US" sz="3000" dirty="0">
-                    <a:solidFill>
-                      <a:schemeClr val="tx1"/>
-                    </a:solidFill>
-                  </a:rPr>
-                  <a:t>Text graphics</a:t>
-                </a:r>
-              </a:p>
-            </p:txBody>
-          </p:sp>
-          <p:sp>
-            <p:nvSpPr>
-              <p:cNvPr id="5" name="Rectangle 4">
-                <a:extLst>
-                  <a:ext uri="{FF2B5EF4-FFF2-40B4-BE49-F238E27FC236}">
-                    <a16:creationId xmlns:a16="http://schemas.microsoft.com/office/drawing/2014/main" id="{633DC7FF-8420-6C4B-8AC6-ECF703CC9BF5}"/>
-                  </a:ext>
-                </a:extLst>
-              </p:cNvPr>
-              <p:cNvSpPr/>
-              <p:nvPr/>
-            </p:nvSpPr>
-            <p:spPr>
-              <a:xfrm>
-                <a:off x="5053375" y="442006"/>
-                <a:ext cx="4648177" cy="1896473"/>
-              </a:xfrm>
-              <a:prstGeom prst="rect">
-                <a:avLst/>
-              </a:prstGeom>
-              <a:noFill/>
-              <a:ln w="25400">
+              </a:rPr>
+              <a:t>do_idle</a:t>
+            </a:r>
+            <a:r>
+              <a:rPr lang="en-US" sz="3000" dirty="0">
                 <a:solidFill>
                   <a:schemeClr val="tx1"/>
                 </a:solidFill>
-              </a:ln>
-            </p:spPr>
-            <p:style>
-              <a:lnRef idx="2">
-                <a:schemeClr val="accent1">
-                  <a:shade val="50000"/>
-                </a:schemeClr>
-              </a:lnRef>
-              <a:fillRef idx="1">
-                <a:schemeClr val="accent1"/>
-              </a:fillRef>
-              <a:effectRef idx="0">
-                <a:schemeClr val="accent1"/>
-              </a:effectRef>
-              <a:fontRef idx="minor">
-                <a:schemeClr val="lt1"/>
-              </a:fontRef>
-            </p:style>
-            <p:txBody>
-              <a:bodyPr rtlCol="0" anchor="ctr"/>
-              <a:lstStyle/>
-              <a:p>
-                <a:pPr algn="ctr"/>
-                <a:endParaRPr lang="en-US" sz="3000" dirty="0">
-                  <a:solidFill>
-                    <a:schemeClr val="tx1"/>
-                  </a:solidFill>
-                </a:endParaRPr>
-              </a:p>
-            </p:txBody>
-          </p:sp>
-          <p:sp>
-            <p:nvSpPr>
-              <p:cNvPr id="6" name="Rectangle 5">
-                <a:extLst>
-                  <a:ext uri="{FF2B5EF4-FFF2-40B4-BE49-F238E27FC236}">
-                    <a16:creationId xmlns:a16="http://schemas.microsoft.com/office/drawing/2014/main" id="{1C96F375-1DBB-8342-A4C2-8466EAEAAD34}"/>
-                  </a:ext>
-                </a:extLst>
-              </p:cNvPr>
-              <p:cNvSpPr/>
-              <p:nvPr/>
-            </p:nvSpPr>
-            <p:spPr>
-              <a:xfrm>
-                <a:off x="7686875" y="1318394"/>
-                <a:ext cx="1888024" cy="610646"/>
-              </a:xfrm>
-              <a:prstGeom prst="rect">
-                <a:avLst/>
-              </a:prstGeom>
-              <a:noFill/>
-              <a:ln w="25400">
+              </a:rPr>
+              <a:t>()</a:t>
+            </a:r>
+          </a:p>
+        </p:txBody>
+      </p:sp>
+      <p:sp>
+        <p:nvSpPr>
+          <p:cNvPr id="7" name="Rectangle 6">
+            <a:extLst>
+              <a:ext uri="{FF2B5EF4-FFF2-40B4-BE49-F238E27FC236}">
+                <a16:creationId xmlns:a16="http://schemas.microsoft.com/office/drawing/2014/main" id="{73E079B5-C346-4749-97C8-81C67C75B24F}"/>
+              </a:ext>
+            </a:extLst>
+          </p:cNvPr>
+          <p:cNvSpPr/>
+          <p:nvPr/>
+        </p:nvSpPr>
+        <p:spPr>
+          <a:xfrm>
+            <a:off x="10135084" y="1300118"/>
+            <a:ext cx="1352550" cy="530742"/>
+          </a:xfrm>
+          <a:prstGeom prst="rect">
+            <a:avLst/>
+          </a:prstGeom>
+          <a:noFill/>
+          <a:ln w="25400">
+            <a:solidFill>
+              <a:schemeClr val="tx1"/>
+            </a:solidFill>
+          </a:ln>
+        </p:spPr>
+        <p:style>
+          <a:lnRef idx="2">
+            <a:schemeClr val="accent1">
+              <a:shade val="50000"/>
+            </a:schemeClr>
+          </a:lnRef>
+          <a:fillRef idx="1">
+            <a:schemeClr val="accent1"/>
+          </a:fillRef>
+          <a:effectRef idx="0">
+            <a:schemeClr val="accent1"/>
+          </a:effectRef>
+          <a:fontRef idx="minor">
+            <a:schemeClr val="lt1"/>
+          </a:fontRef>
+        </p:style>
+        <p:txBody>
+          <a:bodyPr rtlCol="0" anchor="ctr"/>
+          <a:lstStyle/>
+          <a:p>
+            <a:pPr algn="ctr"/>
+            <a:r>
+              <a:rPr lang="en-US" sz="3000" dirty="0">
                 <a:solidFill>
                   <a:schemeClr val="tx1"/>
                 </a:solidFill>
-              </a:ln>
-            </p:spPr>
-            <p:style>
-              <a:lnRef idx="2">
-                <a:schemeClr val="accent1">
-                  <a:shade val="50000"/>
-                </a:schemeClr>
-              </a:lnRef>
-              <a:fillRef idx="1">
-                <a:schemeClr val="accent1"/>
-              </a:fillRef>
-              <a:effectRef idx="0">
-                <a:schemeClr val="accent1"/>
-              </a:effectRef>
-              <a:fontRef idx="minor">
-                <a:schemeClr val="lt1"/>
-              </a:fontRef>
-            </p:style>
-            <p:txBody>
-              <a:bodyPr rtlCol="0" anchor="ctr"/>
-              <a:lstStyle/>
-              <a:p>
-                <a:pPr algn="ctr"/>
-                <a:r>
-                  <a:rPr lang="en-US" sz="3000" dirty="0" err="1">
-                    <a:solidFill>
-                      <a:schemeClr val="tx1"/>
-                    </a:solidFill>
-                  </a:rPr>
-                  <a:t>do_idle</a:t>
-                </a:r>
-                <a:r>
-                  <a:rPr lang="en-US" sz="3000" dirty="0">
-                    <a:solidFill>
-                      <a:schemeClr val="tx1"/>
-                    </a:solidFill>
-                  </a:rPr>
-                  <a:t>()</a:t>
-                </a:r>
-              </a:p>
-            </p:txBody>
-          </p:sp>
-          <p:sp>
-            <p:nvSpPr>
-              <p:cNvPr id="7" name="Rectangle 6">
-                <a:extLst>
-                  <a:ext uri="{FF2B5EF4-FFF2-40B4-BE49-F238E27FC236}">
-                    <a16:creationId xmlns:a16="http://schemas.microsoft.com/office/drawing/2014/main" id="{73E079B5-C346-4749-97C8-81C67C75B24F}"/>
-                  </a:ext>
-                </a:extLst>
-              </p:cNvPr>
-              <p:cNvSpPr/>
-              <p:nvPr/>
-            </p:nvSpPr>
-            <p:spPr>
-              <a:xfrm>
-                <a:off x="7954612" y="583910"/>
-                <a:ext cx="1352550" cy="530742"/>
-              </a:xfrm>
-              <a:prstGeom prst="rect">
-                <a:avLst/>
-              </a:prstGeom>
-              <a:noFill/>
-              <a:ln w="25400">
-                <a:solidFill>
-                  <a:schemeClr val="tx1"/>
-                </a:solidFill>
-              </a:ln>
-            </p:spPr>
-            <p:style>
-              <a:lnRef idx="2">
-                <a:schemeClr val="accent1">
-                  <a:shade val="50000"/>
-                </a:schemeClr>
-              </a:lnRef>
-              <a:fillRef idx="1">
-                <a:schemeClr val="accent1"/>
-              </a:fillRef>
-              <a:effectRef idx="0">
-                <a:schemeClr val="accent1"/>
-              </a:effectRef>
-              <a:fontRef idx="minor">
-                <a:schemeClr val="lt1"/>
-              </a:fontRef>
-            </p:style>
-            <p:txBody>
-              <a:bodyPr rtlCol="0" anchor="ctr"/>
-              <a:lstStyle/>
-              <a:p>
-                <a:pPr algn="ctr"/>
-                <a:r>
-                  <a:rPr lang="en-US" sz="3000" dirty="0">
-                    <a:solidFill>
-                      <a:schemeClr val="tx1"/>
-                    </a:solidFill>
-                  </a:rPr>
-                  <a:t>ride()</a:t>
-                </a:r>
-              </a:p>
-            </p:txBody>
-          </p:sp>
-          <p:sp>
-            <p:nvSpPr>
-              <p:cNvPr id="8" name="TextBox 7">
-                <a:extLst>
-                  <a:ext uri="{FF2B5EF4-FFF2-40B4-BE49-F238E27FC236}">
-                    <a16:creationId xmlns:a16="http://schemas.microsoft.com/office/drawing/2014/main" id="{CFBA7A9D-1A84-B74A-85EB-FD60AAEE4E56}"/>
-                  </a:ext>
-                </a:extLst>
-              </p:cNvPr>
-              <p:cNvSpPr txBox="1"/>
-              <p:nvPr/>
-            </p:nvSpPr>
-            <p:spPr>
-              <a:xfrm>
-                <a:off x="5253443" y="407353"/>
-                <a:ext cx="1946367" cy="553998"/>
-              </a:xfrm>
-              <a:prstGeom prst="rect">
-                <a:avLst/>
-              </a:prstGeom>
-              <a:noFill/>
-            </p:spPr>
-            <p:txBody>
-              <a:bodyPr wrap="none" rtlCol="0">
-                <a:spAutoFit/>
-              </a:bodyPr>
-              <a:lstStyle/>
-              <a:p>
-                <a:r>
-                  <a:rPr lang="en-US" sz="3000" dirty="0" err="1"/>
-                  <a:t>functions.R</a:t>
-                </a:r>
-                <a:endParaRPr lang="en-US" sz="3000" dirty="0"/>
-              </a:p>
-            </p:txBody>
-          </p:sp>
-          <p:sp>
-            <p:nvSpPr>
-              <p:cNvPr id="11" name="TextBox 10">
-                <a:extLst>
-                  <a:ext uri="{FF2B5EF4-FFF2-40B4-BE49-F238E27FC236}">
-                    <a16:creationId xmlns:a16="http://schemas.microsoft.com/office/drawing/2014/main" id="{34E88199-8B55-8E46-9BC7-C41120ED994D}"/>
-                  </a:ext>
-                </a:extLst>
-              </p:cNvPr>
-              <p:cNvSpPr txBox="1"/>
-              <p:nvPr/>
-            </p:nvSpPr>
-            <p:spPr>
-              <a:xfrm>
-                <a:off x="4289454" y="2789959"/>
-                <a:ext cx="5556458" cy="1938992"/>
-              </a:xfrm>
-              <a:prstGeom prst="rect">
-                <a:avLst/>
-              </a:prstGeom>
-              <a:noFill/>
-            </p:spPr>
-            <p:txBody>
-              <a:bodyPr wrap="none" rtlCol="0">
-                <a:spAutoFit/>
-              </a:bodyPr>
-              <a:lstStyle/>
-              <a:p>
-                <a:pPr algn="ctr"/>
-                <a:r>
-                  <a:rPr lang="en-US" sz="3000" dirty="0" err="1"/>
-                  <a:t>params.R</a:t>
-                </a:r>
-                <a:endParaRPr lang="en-US" sz="3000" dirty="0"/>
-              </a:p>
-              <a:p>
-                <a:r>
-                  <a:rPr lang="en-US" sz="3000" dirty="0" err="1"/>
-                  <a:t>Bcond</a:t>
-                </a:r>
-                <a:r>
-                  <a:rPr lang="en-US" sz="3000" dirty="0"/>
-                  <a:t> = bike condition</a:t>
-                </a:r>
-              </a:p>
-              <a:p>
-                <a:r>
-                  <a:rPr lang="en-US" sz="3000" dirty="0" err="1"/>
-                  <a:t>Tdist</a:t>
-                </a:r>
-                <a:r>
-                  <a:rPr lang="en-US" sz="3000" dirty="0"/>
-                  <a:t> = total distance (aka mileage)</a:t>
-                </a:r>
-              </a:p>
-              <a:p>
-                <a:r>
-                  <a:rPr lang="en-US" sz="3000" dirty="0" err="1"/>
-                  <a:t>Nobst</a:t>
-                </a:r>
-                <a:r>
-                  <a:rPr lang="en-US" sz="3000" dirty="0"/>
-                  <a:t> = num. obstacles</a:t>
-                </a:r>
-              </a:p>
-            </p:txBody>
-          </p:sp>
-        </p:grpSp>
-        <p:sp>
-          <p:nvSpPr>
-            <p:cNvPr id="10" name="Rectangle 9">
-              <a:extLst>
-                <a:ext uri="{FF2B5EF4-FFF2-40B4-BE49-F238E27FC236}">
-                  <a16:creationId xmlns:a16="http://schemas.microsoft.com/office/drawing/2014/main" id="{DC2A8C9A-1EC6-6445-B954-276AC1C9A8B2}"/>
-                </a:ext>
-              </a:extLst>
-            </p:cNvPr>
-            <p:cNvSpPr/>
-            <p:nvPr/>
-          </p:nvSpPr>
-          <p:spPr>
-            <a:xfrm>
-              <a:off x="4064871" y="1809747"/>
-              <a:ext cx="5631578" cy="2146817"/>
-            </a:xfrm>
-            <a:prstGeom prst="rect">
-              <a:avLst/>
-            </a:prstGeom>
-            <a:noFill/>
-            <a:ln w="25400">
+              </a:rPr>
+              <a:t>ride()</a:t>
+            </a:r>
+          </a:p>
+        </p:txBody>
+      </p:sp>
+      <p:sp>
+        <p:nvSpPr>
+          <p:cNvPr id="8" name="TextBox 7">
+            <a:extLst>
+              <a:ext uri="{FF2B5EF4-FFF2-40B4-BE49-F238E27FC236}">
+                <a16:creationId xmlns:a16="http://schemas.microsoft.com/office/drawing/2014/main" id="{CFBA7A9D-1A84-B74A-85EB-FD60AAEE4E56}"/>
+              </a:ext>
+            </a:extLst>
+          </p:cNvPr>
+          <p:cNvSpPr txBox="1"/>
+          <p:nvPr/>
+        </p:nvSpPr>
+        <p:spPr>
+          <a:xfrm>
+            <a:off x="7579470" y="1222682"/>
+            <a:ext cx="1946367" cy="553998"/>
+          </a:xfrm>
+          <a:prstGeom prst="rect">
+            <a:avLst/>
+          </a:prstGeom>
+          <a:noFill/>
+        </p:spPr>
+        <p:txBody>
+          <a:bodyPr wrap="none" rtlCol="0">
+            <a:spAutoFit/>
+          </a:bodyPr>
+          <a:lstStyle/>
+          <a:p>
+            <a:r>
+              <a:rPr lang="en-US" sz="3000" dirty="0" err="1"/>
+              <a:t>functions.R</a:t>
+            </a:r>
+            <a:endParaRPr lang="en-US" sz="3000" dirty="0"/>
+          </a:p>
+        </p:txBody>
+      </p:sp>
+      <p:sp>
+        <p:nvSpPr>
+          <p:cNvPr id="11" name="TextBox 10">
+            <a:extLst>
+              <a:ext uri="{FF2B5EF4-FFF2-40B4-BE49-F238E27FC236}">
+                <a16:creationId xmlns:a16="http://schemas.microsoft.com/office/drawing/2014/main" id="{34E88199-8B55-8E46-9BC7-C41120ED994D}"/>
+              </a:ext>
+            </a:extLst>
+          </p:cNvPr>
+          <p:cNvSpPr txBox="1"/>
+          <p:nvPr/>
+        </p:nvSpPr>
+        <p:spPr>
+          <a:xfrm>
+            <a:off x="7282479" y="3562442"/>
+            <a:ext cx="4470720" cy="1815882"/>
+          </a:xfrm>
+          <a:prstGeom prst="rect">
+            <a:avLst/>
+          </a:prstGeom>
+          <a:solidFill>
+            <a:schemeClr val="accent1">
+              <a:lumMod val="20000"/>
+              <a:lumOff val="80000"/>
+            </a:schemeClr>
+          </a:solidFill>
+        </p:spPr>
+        <p:txBody>
+          <a:bodyPr wrap="square" rtlCol="0">
+            <a:spAutoFit/>
+          </a:bodyPr>
+          <a:lstStyle/>
+          <a:p>
+            <a:pPr algn="ctr"/>
+            <a:r>
+              <a:rPr lang="en-US" sz="2800" dirty="0" err="1"/>
+              <a:t>params.R</a:t>
+            </a:r>
+            <a:endParaRPr lang="en-US" sz="2800" dirty="0"/>
+          </a:p>
+          <a:p>
+            <a:r>
+              <a:rPr lang="en-US" sz="2800" dirty="0" err="1"/>
+              <a:t>Bcond</a:t>
+            </a:r>
+            <a:r>
+              <a:rPr lang="en-US" sz="2800" dirty="0"/>
+              <a:t> = bike condition</a:t>
+            </a:r>
+          </a:p>
+          <a:p>
+            <a:r>
+              <a:rPr lang="en-US" sz="2800" dirty="0" err="1"/>
+              <a:t>Tdist</a:t>
+            </a:r>
+            <a:r>
+              <a:rPr lang="en-US" sz="2800" dirty="0"/>
+              <a:t> = total distance/mileage</a:t>
+            </a:r>
+          </a:p>
+          <a:p>
+            <a:r>
+              <a:rPr lang="en-US" sz="2800" dirty="0" err="1"/>
+              <a:t>Nobst</a:t>
+            </a:r>
+            <a:r>
+              <a:rPr lang="en-US" sz="2800" dirty="0"/>
+              <a:t> = num. obstacles</a:t>
+            </a:r>
+          </a:p>
+        </p:txBody>
+      </p:sp>
+      <p:sp>
+        <p:nvSpPr>
+          <p:cNvPr id="10" name="Rectangle 9">
+            <a:extLst>
+              <a:ext uri="{FF2B5EF4-FFF2-40B4-BE49-F238E27FC236}">
+                <a16:creationId xmlns:a16="http://schemas.microsoft.com/office/drawing/2014/main" id="{DC2A8C9A-1EC6-6445-B954-276AC1C9A8B2}"/>
+              </a:ext>
+            </a:extLst>
+          </p:cNvPr>
+          <p:cNvSpPr/>
+          <p:nvPr/>
+        </p:nvSpPr>
+        <p:spPr>
+          <a:xfrm>
+            <a:off x="7264760" y="3562441"/>
+            <a:ext cx="4488439" cy="1815883"/>
+          </a:xfrm>
+          <a:prstGeom prst="rect">
+            <a:avLst/>
+          </a:prstGeom>
+          <a:noFill/>
+          <a:ln w="25400">
+            <a:solidFill>
+              <a:schemeClr val="tx1"/>
+            </a:solidFill>
+          </a:ln>
+        </p:spPr>
+        <p:style>
+          <a:lnRef idx="2">
+            <a:schemeClr val="accent1">
+              <a:shade val="50000"/>
+            </a:schemeClr>
+          </a:lnRef>
+          <a:fillRef idx="1">
+            <a:schemeClr val="accent1"/>
+          </a:fillRef>
+          <a:effectRef idx="0">
+            <a:schemeClr val="accent1"/>
+          </a:effectRef>
+          <a:fontRef idx="minor">
+            <a:schemeClr val="lt1"/>
+          </a:fontRef>
+        </p:style>
+        <p:txBody>
+          <a:bodyPr rtlCol="0" anchor="ctr"/>
+          <a:lstStyle/>
+          <a:p>
+            <a:pPr algn="ctr"/>
+            <a:endParaRPr lang="en-US" sz="3000" dirty="0">
               <a:solidFill>
                 <a:schemeClr val="tx1"/>
               </a:solidFill>
-            </a:ln>
-          </p:spPr>
-          <p:style>
-            <a:lnRef idx="2">
-              <a:schemeClr val="accent1">
-                <a:shade val="50000"/>
-              </a:schemeClr>
-            </a:lnRef>
-            <a:fillRef idx="1">
-              <a:schemeClr val="accent1"/>
-            </a:fillRef>
-            <a:effectRef idx="0">
-              <a:schemeClr val="accent1"/>
-            </a:effectRef>
-            <a:fontRef idx="minor">
-              <a:schemeClr val="lt1"/>
-            </a:fontRef>
-          </p:style>
-          <p:txBody>
-            <a:bodyPr rtlCol="0" anchor="ctr"/>
-            <a:lstStyle/>
-            <a:p>
-              <a:pPr algn="ctr"/>
-              <a:endParaRPr lang="en-US" sz="3000" dirty="0">
-                <a:solidFill>
-                  <a:schemeClr val="tx1"/>
-                </a:solidFill>
-              </a:endParaRPr>
-            </a:p>
-          </p:txBody>
-        </p:sp>
-      </p:grpSp>
+            </a:endParaRPr>
+          </a:p>
+        </p:txBody>
+      </p:sp>
       <p:cxnSp>
         <p:nvCxnSpPr>
           <p:cNvPr id="15" name="Straight Arrow Connector 14">
@@ -3788,9 +3697,9 @@
           <p:nvPr/>
         </p:nvCxnSpPr>
         <p:spPr>
-          <a:xfrm flipH="1" flipV="1">
-            <a:off x="6284273" y="1938507"/>
-            <a:ext cx="1140797" cy="1360474"/>
+          <a:xfrm flipH="1">
+            <a:off x="5299279" y="2168836"/>
+            <a:ext cx="1885611" cy="12786"/>
           </a:xfrm>
           <a:prstGeom prst="straightConnector1">
             <a:avLst/>
@@ -3835,8 +3744,8 @@
         </p:nvCxnSpPr>
         <p:spPr>
           <a:xfrm flipH="1" flipV="1">
-            <a:off x="6284273" y="1938507"/>
-            <a:ext cx="285643" cy="3729687"/>
+            <a:off x="5299279" y="2181622"/>
+            <a:ext cx="1965481" cy="2288761"/>
           </a:xfrm>
           <a:prstGeom prst="straightConnector1">
             <a:avLst/>
@@ -3877,13 +3786,18 @@
         </p:nvSpPr>
         <p:spPr>
           <a:xfrm>
-            <a:off x="1877812" y="1430675"/>
-            <a:ext cx="4406461" cy="1015663"/>
+            <a:off x="570188" y="1904623"/>
+            <a:ext cx="4729091" cy="553998"/>
           </a:xfrm>
           <a:prstGeom prst="rect">
             <a:avLst/>
           </a:prstGeom>
-          <a:noFill/>
+          <a:solidFill>
+            <a:schemeClr val="accent1">
+              <a:lumMod val="20000"/>
+              <a:lumOff val="80000"/>
+            </a:schemeClr>
+          </a:solidFill>
           <a:ln>
             <a:solidFill>
               <a:schemeClr val="tx1"/>
@@ -3899,17 +3813,15 @@
             <a:pPr algn="ctr"/>
             <a:r>
               <a:rPr lang="en-US" sz="3000" dirty="0"/>
-              <a:t>Source()</a:t>
-            </a:r>
-          </a:p>
-          <a:p>
+              <a:t>source </a:t>
+            </a:r>
             <a:r>
               <a:rPr lang="en-US" sz="3000" dirty="0" err="1"/>
               <a:t>functions.R</a:t>
             </a:r>
             <a:r>
               <a:rPr lang="en-US" sz="3000" dirty="0"/>
-              <a:t>; </a:t>
+              <a:t>, </a:t>
             </a:r>
             <a:r>
               <a:rPr lang="en-US" sz="3000" dirty="0" err="1"/>
@@ -3933,13 +3845,18 @@
         </p:nvSpPr>
         <p:spPr>
           <a:xfrm>
-            <a:off x="2675323" y="126237"/>
-            <a:ext cx="2811439" cy="1015663"/>
+            <a:off x="1036535" y="994246"/>
+            <a:ext cx="3796397" cy="553998"/>
           </a:xfrm>
           <a:prstGeom prst="rect">
             <a:avLst/>
           </a:prstGeom>
-          <a:noFill/>
+          <a:solidFill>
+            <a:schemeClr val="accent1">
+              <a:lumMod val="20000"/>
+              <a:lumOff val="80000"/>
+            </a:schemeClr>
+          </a:solidFill>
           <a:ln>
             <a:solidFill>
               <a:schemeClr val="tx1"/>
@@ -3955,17 +3872,15 @@
             <a:pPr algn="ctr"/>
             <a:r>
               <a:rPr lang="en-US" sz="3000" dirty="0"/>
-              <a:t>require()</a:t>
-            </a:r>
-          </a:p>
-          <a:p>
+              <a:t>requires </a:t>
+            </a:r>
             <a:r>
               <a:rPr lang="en-US" sz="3000" dirty="0" err="1"/>
               <a:t>svDialogs</a:t>
             </a:r>
             <a:r>
               <a:rPr lang="en-US" sz="3000" dirty="0"/>
-              <a:t>; grid</a:t>
+              <a:t>, grid</a:t>
             </a:r>
           </a:p>
         </p:txBody>
@@ -3988,8 +3903,8 @@
         </p:nvCxnSpPr>
         <p:spPr>
           <a:xfrm>
-            <a:off x="4081043" y="1141900"/>
-            <a:ext cx="0" cy="288775"/>
+            <a:off x="2934734" y="1548244"/>
+            <a:ext cx="0" cy="356379"/>
           </a:xfrm>
           <a:prstGeom prst="straightConnector1">
             <a:avLst/>
@@ -4030,8 +3945,8 @@
         </p:nvSpPr>
         <p:spPr>
           <a:xfrm>
-            <a:off x="-348758" y="3837778"/>
-            <a:ext cx="2999392" cy="1938992"/>
+            <a:off x="2934152" y="4851725"/>
+            <a:ext cx="3914699" cy="1015663"/>
           </a:xfrm>
           <a:prstGeom prst="rect">
             <a:avLst/>
@@ -4050,22 +3965,16 @@
             <a:pPr algn="ctr"/>
             <a:r>
               <a:rPr lang="en-US" sz="3000" dirty="0"/>
-              <a:t>while </a:t>
-            </a:r>
-          </a:p>
-          <a:p>
-            <a:pPr algn="ctr"/>
+              <a:t>While, </a:t>
+            </a:r>
             <a:r>
               <a:rPr lang="en-US" sz="3000" dirty="0" err="1"/>
               <a:t>bcond</a:t>
             </a:r>
             <a:r>
               <a:rPr lang="en-US" sz="3000" dirty="0"/>
-              <a:t> &gt; 0;</a:t>
-            </a:r>
-          </a:p>
-          <a:p>
-            <a:pPr algn="ctr"/>
+              <a:t> &gt; 0, </a:t>
+            </a:r>
             <a:r>
               <a:rPr lang="en-US" sz="3000" dirty="0" err="1"/>
               <a:t>stopoption</a:t>
@@ -4091,13 +4000,18 @@
         </p:nvSpPr>
         <p:spPr>
           <a:xfrm>
-            <a:off x="3060482" y="4522368"/>
+            <a:off x="1903632" y="4103028"/>
             <a:ext cx="2062204" cy="553998"/>
           </a:xfrm>
           <a:prstGeom prst="rect">
             <a:avLst/>
           </a:prstGeom>
-          <a:noFill/>
+          <a:solidFill>
+            <a:schemeClr val="accent4">
+              <a:lumMod val="40000"/>
+              <a:lumOff val="60000"/>
+            </a:schemeClr>
+          </a:solidFill>
           <a:ln>
             <a:solidFill>
               <a:schemeClr val="tx1"/>
@@ -4112,12 +4026,8 @@
           <a:p>
             <a:pPr algn="ctr"/>
             <a:r>
-              <a:rPr lang="en-US" sz="3000" dirty="0" err="1"/>
-              <a:t>do_idle</a:t>
-            </a:r>
-            <a:r>
               <a:rPr lang="en-US" sz="3000" dirty="0"/>
-              <a:t>()</a:t>
+              <a:t>idle fun</a:t>
             </a:r>
           </a:p>
         </p:txBody>
@@ -4136,13 +4046,18 @@
         </p:nvSpPr>
         <p:spPr>
           <a:xfrm>
-            <a:off x="2287660" y="2822115"/>
-            <a:ext cx="3586765" cy="1015663"/>
+            <a:off x="539591" y="2926999"/>
+            <a:ext cx="4796896" cy="553998"/>
           </a:xfrm>
           <a:prstGeom prst="rect">
             <a:avLst/>
           </a:prstGeom>
-          <a:noFill/>
+          <a:solidFill>
+            <a:schemeClr val="accent6">
+              <a:lumMod val="20000"/>
+              <a:lumOff val="80000"/>
+            </a:schemeClr>
+          </a:solidFill>
           <a:ln>
             <a:solidFill>
               <a:schemeClr val="tx1"/>
@@ -4185,13 +4100,18 @@
         </p:nvSpPr>
         <p:spPr>
           <a:xfrm>
-            <a:off x="3081034" y="5659623"/>
+            <a:off x="4289599" y="6062088"/>
             <a:ext cx="2019359" cy="553998"/>
           </a:xfrm>
           <a:prstGeom prst="rect">
             <a:avLst/>
           </a:prstGeom>
-          <a:noFill/>
+          <a:solidFill>
+            <a:schemeClr val="accent4">
+              <a:lumMod val="40000"/>
+              <a:lumOff val="60000"/>
+            </a:schemeClr>
+          </a:solidFill>
           <a:ln>
             <a:solidFill>
               <a:schemeClr val="tx1"/>
@@ -4206,123 +4126,9 @@
           <a:p>
             <a:pPr algn="ctr"/>
             <a:r>
-              <a:rPr lang="en-US" sz="3000" dirty="0" err="1"/>
-              <a:t>do_ride</a:t>
-            </a:r>
-            <a:r>
               <a:rPr lang="en-US" sz="3000" dirty="0"/>
-              <a:t>()</a:t>
-            </a:r>
-          </a:p>
-        </p:txBody>
-      </p:sp>
-      <p:cxnSp>
-        <p:nvCxnSpPr>
-          <p:cNvPr id="42" name="Straight Arrow Connector 41">
-            <a:extLst>
-              <a:ext uri="{FF2B5EF4-FFF2-40B4-BE49-F238E27FC236}">
-                <a16:creationId xmlns:a16="http://schemas.microsoft.com/office/drawing/2014/main" id="{8742BA93-879B-3A41-983E-E2717D1CB5DD}"/>
-              </a:ext>
-            </a:extLst>
-          </p:cNvPr>
-          <p:cNvCxnSpPr>
-            <a:cxnSpLocks/>
-            <a:stCxn id="39" idx="2"/>
-            <a:endCxn id="41" idx="0"/>
-          </p:cNvCxnSpPr>
-          <p:nvPr/>
-        </p:nvCxnSpPr>
-        <p:spPr>
-          <a:xfrm flipH="1">
-            <a:off x="4090714" y="5076366"/>
-            <a:ext cx="870" cy="583257"/>
-          </a:xfrm>
-          <a:prstGeom prst="straightConnector1">
-            <a:avLst/>
-          </a:prstGeom>
-          <a:ln w="63500">
-            <a:solidFill>
-              <a:schemeClr val="tx1"/>
-            </a:solidFill>
-            <a:tailEnd type="triangle"/>
-          </a:ln>
-        </p:spPr>
-        <p:style>
-          <a:lnRef idx="1">
-            <a:schemeClr val="accent1"/>
-          </a:lnRef>
-          <a:fillRef idx="0">
-            <a:schemeClr val="accent1"/>
-          </a:fillRef>
-          <a:effectRef idx="0">
-            <a:schemeClr val="accent1"/>
-          </a:effectRef>
-          <a:fontRef idx="minor">
-            <a:schemeClr val="tx1"/>
-          </a:fontRef>
-        </p:style>
-      </p:cxnSp>
-      <p:sp>
-        <p:nvSpPr>
-          <p:cNvPr id="56" name="Circular Arrow 55">
-            <a:extLst>
-              <a:ext uri="{FF2B5EF4-FFF2-40B4-BE49-F238E27FC236}">
-                <a16:creationId xmlns:a16="http://schemas.microsoft.com/office/drawing/2014/main" id="{5637083D-0897-6E4A-95C9-4F61915C6E92}"/>
-              </a:ext>
-            </a:extLst>
-          </p:cNvPr>
-          <p:cNvSpPr/>
-          <p:nvPr/>
-        </p:nvSpPr>
-        <p:spPr>
-          <a:xfrm rot="15665644">
-            <a:off x="2172759" y="4642959"/>
-            <a:ext cx="1581633" cy="1563422"/>
-          </a:xfrm>
-          <a:prstGeom prst="circularArrow">
-            <a:avLst>
-              <a:gd name="adj1" fmla="val 9490"/>
-              <a:gd name="adj2" fmla="val 1833716"/>
-              <a:gd name="adj3" fmla="val 304288"/>
-              <a:gd name="adj4" fmla="val 10352813"/>
-              <a:gd name="adj5" fmla="val 13238"/>
-            </a:avLst>
-          </a:prstGeom>
-          <a:solidFill>
-            <a:schemeClr val="tx1"/>
-          </a:solidFill>
-          <a:ln>
-            <a:solidFill>
-              <a:schemeClr val="bg1"/>
-            </a:solidFill>
-          </a:ln>
-        </p:spPr>
-        <p:style>
-          <a:lnRef idx="2">
-            <a:schemeClr val="accent1">
-              <a:shade val="50000"/>
-            </a:schemeClr>
-          </a:lnRef>
-          <a:fillRef idx="1">
-            <a:schemeClr val="accent1"/>
-          </a:fillRef>
-          <a:effectRef idx="0">
-            <a:schemeClr val="accent1"/>
-          </a:effectRef>
-          <a:fontRef idx="minor">
-            <a:schemeClr val="lt1"/>
-          </a:fontRef>
-        </p:style>
-        <p:txBody>
-          <a:bodyPr rtlCol="0" anchor="ctr"/>
-          <a:lstStyle/>
-          <a:p>
-            <a:pPr algn="ctr"/>
-            <a:endParaRPr lang="en-US" sz="3000">
-              <a:solidFill>
-                <a:schemeClr val="tx1"/>
-              </a:solidFill>
-            </a:endParaRPr>
+              <a:t>ride fun</a:t>
+            </a:r>
           </a:p>
         </p:txBody>
       </p:sp>
@@ -4344,8 +4150,8 @@
         </p:nvCxnSpPr>
         <p:spPr>
           <a:xfrm>
-            <a:off x="4081043" y="2446338"/>
-            <a:ext cx="0" cy="375777"/>
+            <a:off x="2934734" y="2458621"/>
+            <a:ext cx="3305" cy="468378"/>
           </a:xfrm>
           <a:prstGeom prst="straightConnector1">
             <a:avLst/>
@@ -4389,9 +4195,9 @@
           <p:nvPr/>
         </p:nvCxnSpPr>
         <p:spPr>
-          <a:xfrm>
-            <a:off x="4081043" y="3837778"/>
-            <a:ext cx="10541" cy="684590"/>
+          <a:xfrm flipH="1">
+            <a:off x="2934734" y="3480997"/>
+            <a:ext cx="3305" cy="622031"/>
           </a:xfrm>
           <a:prstGeom prst="straightConnector1">
             <a:avLst/>
@@ -4418,36 +4224,6 @@
           </a:fontRef>
         </p:style>
       </p:cxnSp>
-      <p:pic>
-        <p:nvPicPr>
-          <p:cNvPr id="67" name="Picture 66">
-            <a:extLst>
-              <a:ext uri="{FF2B5EF4-FFF2-40B4-BE49-F238E27FC236}">
-                <a16:creationId xmlns:a16="http://schemas.microsoft.com/office/drawing/2014/main" id="{95F1F487-1E19-9A4A-BAAC-09C3165772BD}"/>
-              </a:ext>
-            </a:extLst>
-          </p:cNvPr>
-          <p:cNvPicPr>
-            <a:picLocks noChangeAspect="1"/>
-          </p:cNvPicPr>
-          <p:nvPr/>
-        </p:nvPicPr>
-        <p:blipFill>
-          <a:blip r:embed="rId2"/>
-          <a:stretch>
-            <a:fillRect/>
-          </a:stretch>
-        </p:blipFill>
-        <p:spPr>
-          <a:xfrm>
-            <a:off x="7425070" y="242811"/>
-            <a:ext cx="4448109" cy="1631718"/>
-          </a:xfrm>
-          <a:prstGeom prst="rect">
-            <a:avLst/>
-          </a:prstGeom>
-        </p:spPr>
-      </p:pic>
       <p:sp>
         <p:nvSpPr>
           <p:cNvPr id="68" name="TextBox 67">
@@ -4463,7 +4239,7 @@
         <p:spPr>
           <a:xfrm flipH="1">
             <a:off x="340048" y="155370"/>
-            <a:ext cx="4019114" cy="861774"/>
+            <a:ext cx="1629429" cy="707886"/>
           </a:xfrm>
           <a:prstGeom prst="rect">
             <a:avLst/>
@@ -4477,8 +4253,347 @@
           <a:lstStyle/>
           <a:p>
             <a:r>
-              <a:rPr lang="en-US" sz="5000" dirty="0"/>
-              <a:t>R app</a:t>
+              <a:rPr lang="en-US" sz="4000" b="1" dirty="0"/>
+              <a:t>App</a:t>
+            </a:r>
+          </a:p>
+        </p:txBody>
+      </p:sp>
+      <p:sp>
+        <p:nvSpPr>
+          <p:cNvPr id="90" name="Rectangle 89">
+            <a:extLst>
+              <a:ext uri="{FF2B5EF4-FFF2-40B4-BE49-F238E27FC236}">
+                <a16:creationId xmlns:a16="http://schemas.microsoft.com/office/drawing/2014/main" id="{6BDADE8F-933D-5B4A-A06B-9B162B9AA316}"/>
+              </a:ext>
+            </a:extLst>
+          </p:cNvPr>
+          <p:cNvSpPr/>
+          <p:nvPr/>
+        </p:nvSpPr>
+        <p:spPr>
+          <a:xfrm>
+            <a:off x="7474852" y="2006693"/>
+            <a:ext cx="2155604" cy="1123515"/>
+          </a:xfrm>
+          <a:prstGeom prst="rect">
+            <a:avLst/>
+          </a:prstGeom>
+          <a:noFill/>
+          <a:ln w="25400">
+            <a:solidFill>
+              <a:schemeClr val="tx1"/>
+            </a:solidFill>
+          </a:ln>
+        </p:spPr>
+        <p:style>
+          <a:lnRef idx="2">
+            <a:schemeClr val="accent1">
+              <a:shade val="50000"/>
+            </a:schemeClr>
+          </a:lnRef>
+          <a:fillRef idx="1">
+            <a:schemeClr val="accent1"/>
+          </a:fillRef>
+          <a:effectRef idx="0">
+            <a:schemeClr val="accent1"/>
+          </a:effectRef>
+          <a:fontRef idx="minor">
+            <a:schemeClr val="lt1"/>
+          </a:fontRef>
+        </p:style>
+        <p:txBody>
+          <a:bodyPr rtlCol="0" anchor="ctr"/>
+          <a:lstStyle/>
+          <a:p>
+            <a:pPr algn="ctr"/>
+            <a:r>
+              <a:rPr lang="en-US" sz="3000" dirty="0">
+                <a:solidFill>
+                  <a:schemeClr val="tx1"/>
+                </a:solidFill>
+              </a:rPr>
+              <a:t>Text graphics</a:t>
+            </a:r>
+          </a:p>
+        </p:txBody>
+      </p:sp>
+      <p:cxnSp>
+        <p:nvCxnSpPr>
+          <p:cNvPr id="124" name="Curved Connector 123">
+            <a:extLst>
+              <a:ext uri="{FF2B5EF4-FFF2-40B4-BE49-F238E27FC236}">
+                <a16:creationId xmlns:a16="http://schemas.microsoft.com/office/drawing/2014/main" id="{CE04EAC4-E7E6-1443-B2F7-523FCE079F4F}"/>
+              </a:ext>
+            </a:extLst>
+          </p:cNvPr>
+          <p:cNvCxnSpPr>
+            <a:cxnSpLocks/>
+            <a:stCxn id="39" idx="2"/>
+            <a:endCxn id="41" idx="1"/>
+          </p:cNvCxnSpPr>
+          <p:nvPr/>
+        </p:nvCxnSpPr>
+        <p:spPr>
+          <a:xfrm rot="16200000" flipH="1">
+            <a:off x="2771136" y="4820623"/>
+            <a:ext cx="1682061" cy="1354865"/>
+          </a:xfrm>
+          <a:prstGeom prst="curvedConnector2">
+            <a:avLst/>
+          </a:prstGeom>
+          <a:ln w="63500">
+            <a:solidFill>
+              <a:schemeClr val="tx1"/>
+            </a:solidFill>
+            <a:tailEnd type="triangle"/>
+          </a:ln>
+        </p:spPr>
+        <p:style>
+          <a:lnRef idx="1">
+            <a:schemeClr val="accent1"/>
+          </a:lnRef>
+          <a:fillRef idx="0">
+            <a:schemeClr val="accent1"/>
+          </a:fillRef>
+          <a:effectRef idx="0">
+            <a:schemeClr val="accent1"/>
+          </a:effectRef>
+          <a:fontRef idx="minor">
+            <a:schemeClr val="tx1"/>
+          </a:fontRef>
+        </p:style>
+      </p:cxnSp>
+      <p:cxnSp>
+        <p:nvCxnSpPr>
+          <p:cNvPr id="127" name="Curved Connector 126">
+            <a:extLst>
+              <a:ext uri="{FF2B5EF4-FFF2-40B4-BE49-F238E27FC236}">
+                <a16:creationId xmlns:a16="http://schemas.microsoft.com/office/drawing/2014/main" id="{BE457E9D-C69E-E349-BA78-EF2B15811058}"/>
+              </a:ext>
+            </a:extLst>
+          </p:cNvPr>
+          <p:cNvCxnSpPr>
+            <a:cxnSpLocks/>
+            <a:stCxn id="41" idx="3"/>
+            <a:endCxn id="39" idx="3"/>
+          </p:cNvCxnSpPr>
+          <p:nvPr/>
+        </p:nvCxnSpPr>
+        <p:spPr>
+          <a:xfrm flipH="1" flipV="1">
+            <a:off x="3965836" y="4380027"/>
+            <a:ext cx="2343122" cy="1959060"/>
+          </a:xfrm>
+          <a:prstGeom prst="curvedConnector3">
+            <a:avLst>
+              <a:gd name="adj1" fmla="val -9756"/>
+            </a:avLst>
+          </a:prstGeom>
+          <a:ln w="63500">
+            <a:solidFill>
+              <a:schemeClr val="tx1"/>
+            </a:solidFill>
+            <a:tailEnd type="triangle"/>
+          </a:ln>
+        </p:spPr>
+        <p:style>
+          <a:lnRef idx="1">
+            <a:schemeClr val="accent1"/>
+          </a:lnRef>
+          <a:fillRef idx="0">
+            <a:schemeClr val="accent1"/>
+          </a:fillRef>
+          <a:effectRef idx="0">
+            <a:schemeClr val="accent1"/>
+          </a:effectRef>
+          <a:fontRef idx="minor">
+            <a:schemeClr val="tx1"/>
+          </a:fontRef>
+        </p:style>
+      </p:cxnSp>
+      <p:sp>
+        <p:nvSpPr>
+          <p:cNvPr id="130" name="Rectangle 129">
+            <a:extLst>
+              <a:ext uri="{FF2B5EF4-FFF2-40B4-BE49-F238E27FC236}">
+                <a16:creationId xmlns:a16="http://schemas.microsoft.com/office/drawing/2014/main" id="{30451A16-8922-034E-840A-872B6EB92292}"/>
+              </a:ext>
+            </a:extLst>
+          </p:cNvPr>
+          <p:cNvSpPr/>
+          <p:nvPr/>
+        </p:nvSpPr>
+        <p:spPr>
+          <a:xfrm>
+            <a:off x="8146048" y="5645473"/>
+            <a:ext cx="914400" cy="914400"/>
+          </a:xfrm>
+          <a:prstGeom prst="rect">
+            <a:avLst/>
+          </a:prstGeom>
+          <a:solidFill>
+            <a:schemeClr val="accent1">
+              <a:lumMod val="20000"/>
+              <a:lumOff val="80000"/>
+            </a:schemeClr>
+          </a:solidFill>
+          <a:ln>
+            <a:noFill/>
+          </a:ln>
+        </p:spPr>
+        <p:style>
+          <a:lnRef idx="2">
+            <a:schemeClr val="accent1">
+              <a:shade val="50000"/>
+            </a:schemeClr>
+          </a:lnRef>
+          <a:fillRef idx="1">
+            <a:schemeClr val="accent1"/>
+          </a:fillRef>
+          <a:effectRef idx="0">
+            <a:schemeClr val="accent1"/>
+          </a:effectRef>
+          <a:fontRef idx="minor">
+            <a:schemeClr val="lt1"/>
+          </a:fontRef>
+        </p:style>
+        <p:txBody>
+          <a:bodyPr rtlCol="0" anchor="ctr"/>
+          <a:lstStyle/>
+          <a:p>
+            <a:pPr algn="ctr"/>
+            <a:r>
+              <a:rPr lang="en-US" dirty="0">
+                <a:solidFill>
+                  <a:schemeClr val="tx1"/>
+                </a:solidFill>
+              </a:rPr>
+              <a:t>App dependencies</a:t>
+            </a:r>
+          </a:p>
+        </p:txBody>
+      </p:sp>
+      <p:sp>
+        <p:nvSpPr>
+          <p:cNvPr id="131" name="Rectangle 130">
+            <a:extLst>
+              <a:ext uri="{FF2B5EF4-FFF2-40B4-BE49-F238E27FC236}">
+                <a16:creationId xmlns:a16="http://schemas.microsoft.com/office/drawing/2014/main" id="{C582EC36-12F4-8048-A137-4EFD9A9FD4B8}"/>
+              </a:ext>
+            </a:extLst>
+          </p:cNvPr>
+          <p:cNvSpPr/>
+          <p:nvPr/>
+        </p:nvSpPr>
+        <p:spPr>
+          <a:xfrm>
+            <a:off x="9061030" y="5647456"/>
+            <a:ext cx="914400" cy="914400"/>
+          </a:xfrm>
+          <a:prstGeom prst="rect">
+            <a:avLst/>
+          </a:prstGeom>
+          <a:solidFill>
+            <a:schemeClr val="accent6">
+              <a:lumMod val="20000"/>
+              <a:lumOff val="80000"/>
+            </a:schemeClr>
+          </a:solidFill>
+          <a:ln>
+            <a:noFill/>
+          </a:ln>
+        </p:spPr>
+        <p:style>
+          <a:lnRef idx="2">
+            <a:schemeClr val="accent1">
+              <a:shade val="50000"/>
+            </a:schemeClr>
+          </a:lnRef>
+          <a:fillRef idx="1">
+            <a:schemeClr val="accent1"/>
+          </a:fillRef>
+          <a:effectRef idx="0">
+            <a:schemeClr val="accent1"/>
+          </a:effectRef>
+          <a:fontRef idx="minor">
+            <a:schemeClr val="lt1"/>
+          </a:fontRef>
+        </p:style>
+        <p:txBody>
+          <a:bodyPr rtlCol="0" anchor="ctr"/>
+          <a:lstStyle/>
+          <a:p>
+            <a:pPr algn="ctr"/>
+            <a:r>
+              <a:rPr lang="en-US" dirty="0">
+                <a:solidFill>
+                  <a:schemeClr val="tx1"/>
+                </a:solidFill>
+              </a:rPr>
+              <a:t>App start</a:t>
+            </a:r>
+          </a:p>
+        </p:txBody>
+      </p:sp>
+      <p:sp>
+        <p:nvSpPr>
+          <p:cNvPr id="132" name="Rectangle 131">
+            <a:extLst>
+              <a:ext uri="{FF2B5EF4-FFF2-40B4-BE49-F238E27FC236}">
+                <a16:creationId xmlns:a16="http://schemas.microsoft.com/office/drawing/2014/main" id="{B1711EDE-CDFB-E646-AB3C-4D9B7452E025}"/>
+              </a:ext>
+            </a:extLst>
+          </p:cNvPr>
+          <p:cNvSpPr/>
+          <p:nvPr/>
+        </p:nvSpPr>
+        <p:spPr>
+          <a:xfrm>
+            <a:off x="9976012" y="5649439"/>
+            <a:ext cx="914400" cy="914400"/>
+          </a:xfrm>
+          <a:prstGeom prst="rect">
+            <a:avLst/>
+          </a:prstGeom>
+          <a:solidFill>
+            <a:schemeClr val="accent4">
+              <a:lumMod val="20000"/>
+              <a:lumOff val="80000"/>
+            </a:schemeClr>
+          </a:solidFill>
+          <a:ln>
+            <a:noFill/>
+          </a:ln>
+        </p:spPr>
+        <p:style>
+          <a:lnRef idx="2">
+            <a:schemeClr val="accent1">
+              <a:shade val="50000"/>
+            </a:schemeClr>
+          </a:lnRef>
+          <a:fillRef idx="1">
+            <a:schemeClr val="accent1"/>
+          </a:fillRef>
+          <a:effectRef idx="0">
+            <a:schemeClr val="accent1"/>
+          </a:effectRef>
+          <a:fontRef idx="minor">
+            <a:schemeClr val="lt1"/>
+          </a:fontRef>
+        </p:style>
+        <p:txBody>
+          <a:bodyPr rtlCol="0" anchor="ctr"/>
+          <a:lstStyle/>
+          <a:p>
+            <a:pPr algn="ctr"/>
+            <a:r>
+              <a:rPr lang="en-US" dirty="0">
+                <a:solidFill>
+                  <a:schemeClr val="tx1"/>
+                </a:solidFill>
+              </a:rPr>
+              <a:t>Main Loop</a:t>
             </a:r>
           </a:p>
         </p:txBody>
@@ -4528,7 +4643,7 @@
         <p:spPr>
           <a:xfrm>
             <a:off x="332481" y="291518"/>
-            <a:ext cx="5129225" cy="707886"/>
+            <a:ext cx="5264839" cy="707886"/>
           </a:xfrm>
           <a:prstGeom prst="rect">
             <a:avLst/>
@@ -4542,7 +4657,7 @@
           <a:lstStyle/>
           <a:p>
             <a:r>
-              <a:rPr lang="en-US" sz="4000" dirty="0"/>
+              <a:rPr lang="en-US" sz="4000" b="1" dirty="0"/>
               <a:t>Idle, task between rides</a:t>
             </a:r>
           </a:p>
@@ -4562,7 +4677,7 @@
         </p:nvSpPr>
         <p:spPr>
           <a:xfrm>
-            <a:off x="1296122" y="999404"/>
+            <a:off x="1450708" y="1712959"/>
             <a:ext cx="1816523" cy="630942"/>
           </a:xfrm>
           <a:prstGeom prst="rect">
@@ -4592,46 +4707,6 @@
           </a:p>
         </p:txBody>
       </p:sp>
-      <p:sp>
-        <p:nvSpPr>
-          <p:cNvPr id="6" name="TextBox 5">
-            <a:extLst>
-              <a:ext uri="{FF2B5EF4-FFF2-40B4-BE49-F238E27FC236}">
-                <a16:creationId xmlns:a16="http://schemas.microsoft.com/office/drawing/2014/main" id="{19B61244-9AA7-9941-89E8-73DB85E704E6}"/>
-              </a:ext>
-            </a:extLst>
-          </p:cNvPr>
-          <p:cNvSpPr txBox="1"/>
-          <p:nvPr/>
-        </p:nvSpPr>
-        <p:spPr>
-          <a:xfrm>
-            <a:off x="1074202" y="4341946"/>
-            <a:ext cx="2260362" cy="630942"/>
-          </a:xfrm>
-          <a:prstGeom prst="rect">
-            <a:avLst/>
-          </a:prstGeom>
-          <a:noFill/>
-          <a:ln>
-            <a:solidFill>
-              <a:schemeClr val="tx1"/>
-            </a:solidFill>
-          </a:ln>
-        </p:spPr>
-        <p:txBody>
-          <a:bodyPr wrap="none" rtlCol="0">
-            <a:spAutoFit/>
-          </a:bodyPr>
-          <a:lstStyle/>
-          <a:p>
-            <a:r>
-              <a:rPr lang="en-US" sz="3500" dirty="0"/>
-              <a:t>Task option</a:t>
-            </a:r>
-          </a:p>
-        </p:txBody>
-      </p:sp>
       <p:cxnSp>
         <p:nvCxnSpPr>
           <p:cNvPr id="8" name="Straight Arrow Connector 7">
@@ -4650,8 +4725,8 @@
         </p:nvCxnSpPr>
         <p:spPr>
           <a:xfrm>
-            <a:off x="2204384" y="1630346"/>
-            <a:ext cx="11929" cy="706294"/>
+            <a:off x="2358970" y="2343901"/>
+            <a:ext cx="0" cy="1121360"/>
           </a:xfrm>
           <a:prstGeom prst="straightConnector1">
             <a:avLst/>
@@ -4680,10 +4755,10 @@
       </p:cxnSp>
       <p:sp>
         <p:nvSpPr>
-          <p:cNvPr id="10" name="TextBox 9">
-            <a:extLst>
-              <a:ext uri="{FF2B5EF4-FFF2-40B4-BE49-F238E27FC236}">
-                <a16:creationId xmlns:a16="http://schemas.microsoft.com/office/drawing/2014/main" id="{9534FD45-A0AF-F640-9A37-D4CDBDF2EA7C}"/>
+          <p:cNvPr id="17" name="TextBox 16">
+            <a:extLst>
+              <a:ext uri="{FF2B5EF4-FFF2-40B4-BE49-F238E27FC236}">
+                <a16:creationId xmlns:a16="http://schemas.microsoft.com/office/drawing/2014/main" id="{34A07010-5FE8-BB41-B28D-7244B3D1E62D}"/>
               </a:ext>
             </a:extLst>
           </p:cNvPr>
@@ -4692,8 +4767,8 @@
         </p:nvSpPr>
         <p:spPr>
           <a:xfrm>
-            <a:off x="6231817" y="6039367"/>
-            <a:ext cx="3844386" cy="630942"/>
+            <a:off x="1022194" y="3465261"/>
+            <a:ext cx="2673552" cy="1708160"/>
           </a:xfrm>
           <a:prstGeom prst="rect">
             <a:avLst/>
@@ -4712,36 +4787,335 @@
           <a:lstStyle/>
           <a:p>
             <a:r>
+              <a:rPr lang="en-US" sz="3500" dirty="0"/>
+              <a:t>Print graphics</a:t>
+            </a:r>
+          </a:p>
+          <a:p>
+            <a:pPr marL="342900" indent="-342900">
+              <a:buAutoNum type="arabicPeriod"/>
+            </a:pPr>
+            <a:r>
+              <a:rPr lang="en-US" sz="3500" dirty="0"/>
+              <a:t>Bike </a:t>
+            </a:r>
+            <a:r>
               <a:rPr lang="en-US" sz="3500" dirty="0" err="1"/>
-              <a:t>get_task_outcome</a:t>
-            </a:r>
+              <a:t>str</a:t>
+            </a:r>
+            <a:endParaRPr lang="en-US" sz="3500" dirty="0"/>
+          </a:p>
+          <a:p>
+            <a:pPr marL="342900" indent="-342900">
+              <a:buAutoNum type="arabicPeriod"/>
+            </a:pPr>
             <a:r>
               <a:rPr lang="en-US" sz="3500" dirty="0"/>
-              <a:t>()</a:t>
+              <a:t>logo</a:t>
+            </a:r>
+          </a:p>
+        </p:txBody>
+      </p:sp>
+      <p:sp>
+        <p:nvSpPr>
+          <p:cNvPr id="25" name="TextBox 24">
+            <a:extLst>
+              <a:ext uri="{FF2B5EF4-FFF2-40B4-BE49-F238E27FC236}">
+                <a16:creationId xmlns:a16="http://schemas.microsoft.com/office/drawing/2014/main" id="{62F32B6B-AE12-5B4A-8109-9F6317BFE9A7}"/>
+              </a:ext>
+            </a:extLst>
+          </p:cNvPr>
+          <p:cNvSpPr txBox="1"/>
+          <p:nvPr/>
+        </p:nvSpPr>
+        <p:spPr>
+          <a:xfrm>
+            <a:off x="7367763" y="466694"/>
+            <a:ext cx="2023311" cy="630942"/>
+          </a:xfrm>
+          <a:prstGeom prst="rect">
+            <a:avLst/>
+          </a:prstGeom>
+          <a:noFill/>
+          <a:ln>
+            <a:solidFill>
+              <a:schemeClr val="tx1"/>
+            </a:solidFill>
+          </a:ln>
+        </p:spPr>
+        <p:txBody>
+          <a:bodyPr wrap="none" rtlCol="0">
+            <a:spAutoFit/>
+          </a:bodyPr>
+          <a:lstStyle/>
+          <a:p>
+            <a:r>
+              <a:rPr lang="en-US" sz="3500" dirty="0"/>
+              <a:t>Maintain?</a:t>
+            </a:r>
+          </a:p>
+        </p:txBody>
+      </p:sp>
+      <p:sp>
+        <p:nvSpPr>
+          <p:cNvPr id="26" name="TextBox 25">
+            <a:extLst>
+              <a:ext uri="{FF2B5EF4-FFF2-40B4-BE49-F238E27FC236}">
+                <a16:creationId xmlns:a16="http://schemas.microsoft.com/office/drawing/2014/main" id="{4B3AE472-0F46-4F47-B33B-1EA8865B7883}"/>
+              </a:ext>
+            </a:extLst>
+          </p:cNvPr>
+          <p:cNvSpPr txBox="1"/>
+          <p:nvPr/>
+        </p:nvSpPr>
+        <p:spPr>
+          <a:xfrm>
+            <a:off x="6739902" y="1871202"/>
+            <a:ext cx="781945" cy="630942"/>
+          </a:xfrm>
+          <a:prstGeom prst="rect">
+            <a:avLst/>
+          </a:prstGeom>
+          <a:noFill/>
+          <a:ln>
+            <a:solidFill>
+              <a:schemeClr val="tx1"/>
+            </a:solidFill>
+          </a:ln>
+        </p:spPr>
+        <p:txBody>
+          <a:bodyPr wrap="none" rtlCol="0">
+            <a:spAutoFit/>
+          </a:bodyPr>
+          <a:lstStyle/>
+          <a:p>
+            <a:r>
+              <a:rPr lang="en-US" sz="3500" dirty="0"/>
+              <a:t>yes</a:t>
+            </a:r>
+          </a:p>
+        </p:txBody>
+      </p:sp>
+      <p:sp>
+        <p:nvSpPr>
+          <p:cNvPr id="27" name="TextBox 26">
+            <a:extLst>
+              <a:ext uri="{FF2B5EF4-FFF2-40B4-BE49-F238E27FC236}">
+                <a16:creationId xmlns:a16="http://schemas.microsoft.com/office/drawing/2014/main" id="{B09A35AF-CDCE-7C49-855D-D8DCC7F90042}"/>
+              </a:ext>
+            </a:extLst>
+          </p:cNvPr>
+          <p:cNvSpPr txBox="1"/>
+          <p:nvPr/>
+        </p:nvSpPr>
+        <p:spPr>
+          <a:xfrm>
+            <a:off x="8090751" y="1767094"/>
+            <a:ext cx="657552" cy="630942"/>
+          </a:xfrm>
+          <a:prstGeom prst="rect">
+            <a:avLst/>
+          </a:prstGeom>
+          <a:noFill/>
+          <a:ln>
+            <a:solidFill>
+              <a:schemeClr val="tx1"/>
+            </a:solidFill>
+          </a:ln>
+        </p:spPr>
+        <p:txBody>
+          <a:bodyPr wrap="none" rtlCol="0">
+            <a:spAutoFit/>
+          </a:bodyPr>
+          <a:lstStyle/>
+          <a:p>
+            <a:r>
+              <a:rPr lang="en-US" sz="3500" dirty="0"/>
+              <a:t>no</a:t>
+            </a:r>
+          </a:p>
+        </p:txBody>
+      </p:sp>
+      <p:sp>
+        <p:nvSpPr>
+          <p:cNvPr id="28" name="TextBox 27">
+            <a:extLst>
+              <a:ext uri="{FF2B5EF4-FFF2-40B4-BE49-F238E27FC236}">
+                <a16:creationId xmlns:a16="http://schemas.microsoft.com/office/drawing/2014/main" id="{94648084-3E40-8844-A508-52365D24DB62}"/>
+              </a:ext>
+            </a:extLst>
+          </p:cNvPr>
+          <p:cNvSpPr txBox="1"/>
+          <p:nvPr/>
+        </p:nvSpPr>
+        <p:spPr>
+          <a:xfrm>
+            <a:off x="9104167" y="1843925"/>
+            <a:ext cx="1622911" cy="630942"/>
+          </a:xfrm>
+          <a:prstGeom prst="rect">
+            <a:avLst/>
+          </a:prstGeom>
+          <a:noFill/>
+          <a:ln>
+            <a:solidFill>
+              <a:schemeClr val="tx1"/>
+            </a:solidFill>
+          </a:ln>
+        </p:spPr>
+        <p:txBody>
+          <a:bodyPr wrap="square" rtlCol="0">
+            <a:spAutoFit/>
+          </a:bodyPr>
+          <a:lstStyle/>
+          <a:p>
+            <a:r>
+              <a:rPr lang="en-US" sz="3500" dirty="0"/>
+              <a:t>Repair?</a:t>
+            </a:r>
+          </a:p>
+        </p:txBody>
+      </p:sp>
+      <p:sp>
+        <p:nvSpPr>
+          <p:cNvPr id="29" name="TextBox 28">
+            <a:extLst>
+              <a:ext uri="{FF2B5EF4-FFF2-40B4-BE49-F238E27FC236}">
+                <a16:creationId xmlns:a16="http://schemas.microsoft.com/office/drawing/2014/main" id="{940975D4-3C84-0C43-B387-07B26518CE9C}"/>
+              </a:ext>
+            </a:extLst>
+          </p:cNvPr>
+          <p:cNvSpPr txBox="1"/>
+          <p:nvPr/>
+        </p:nvSpPr>
+        <p:spPr>
+          <a:xfrm>
+            <a:off x="6094380" y="2800776"/>
+            <a:ext cx="2107447" cy="630942"/>
+          </a:xfrm>
+          <a:prstGeom prst="rect">
+            <a:avLst/>
+          </a:prstGeom>
+          <a:noFill/>
+          <a:ln>
+            <a:solidFill>
+              <a:schemeClr val="tx1"/>
+            </a:solidFill>
+          </a:ln>
+        </p:spPr>
+        <p:txBody>
+          <a:bodyPr wrap="square" rtlCol="0">
+            <a:spAutoFit/>
+          </a:bodyPr>
+          <a:lstStyle/>
+          <a:p>
+            <a:r>
+              <a:rPr lang="en-US" sz="3500" dirty="0"/>
+              <a:t>Fix/break</a:t>
+            </a:r>
+          </a:p>
+        </p:txBody>
+      </p:sp>
+      <p:sp>
+        <p:nvSpPr>
+          <p:cNvPr id="30" name="TextBox 29">
+            <a:extLst>
+              <a:ext uri="{FF2B5EF4-FFF2-40B4-BE49-F238E27FC236}">
+                <a16:creationId xmlns:a16="http://schemas.microsoft.com/office/drawing/2014/main" id="{33F8264E-5322-7345-BCEE-729058353378}"/>
+              </a:ext>
+            </a:extLst>
+          </p:cNvPr>
+          <p:cNvSpPr txBox="1"/>
+          <p:nvPr/>
+        </p:nvSpPr>
+        <p:spPr>
+          <a:xfrm>
+            <a:off x="9530589" y="2858015"/>
+            <a:ext cx="781945" cy="630942"/>
+          </a:xfrm>
+          <a:prstGeom prst="rect">
+            <a:avLst/>
+          </a:prstGeom>
+          <a:noFill/>
+          <a:ln>
+            <a:solidFill>
+              <a:schemeClr val="tx1"/>
+            </a:solidFill>
+          </a:ln>
+        </p:spPr>
+        <p:txBody>
+          <a:bodyPr wrap="none" rtlCol="0">
+            <a:spAutoFit/>
+          </a:bodyPr>
+          <a:lstStyle/>
+          <a:p>
+            <a:r>
+              <a:rPr lang="en-US" sz="3500" dirty="0"/>
+              <a:t>yes</a:t>
+            </a:r>
+          </a:p>
+        </p:txBody>
+      </p:sp>
+      <p:sp>
+        <p:nvSpPr>
+          <p:cNvPr id="31" name="TextBox 30">
+            <a:extLst>
+              <a:ext uri="{FF2B5EF4-FFF2-40B4-BE49-F238E27FC236}">
+                <a16:creationId xmlns:a16="http://schemas.microsoft.com/office/drawing/2014/main" id="{A54191B1-B23C-0542-A42D-397C1BACCF51}"/>
+              </a:ext>
+            </a:extLst>
+          </p:cNvPr>
+          <p:cNvSpPr txBox="1"/>
+          <p:nvPr/>
+        </p:nvSpPr>
+        <p:spPr>
+          <a:xfrm>
+            <a:off x="8582357" y="2867368"/>
+            <a:ext cx="657552" cy="630942"/>
+          </a:xfrm>
+          <a:prstGeom prst="rect">
+            <a:avLst/>
+          </a:prstGeom>
+          <a:noFill/>
+          <a:ln>
+            <a:solidFill>
+              <a:schemeClr val="tx1"/>
+            </a:solidFill>
+          </a:ln>
+        </p:spPr>
+        <p:txBody>
+          <a:bodyPr wrap="none" rtlCol="0">
+            <a:spAutoFit/>
+          </a:bodyPr>
+          <a:lstStyle/>
+          <a:p>
+            <a:r>
+              <a:rPr lang="en-US" sz="3500" dirty="0"/>
+              <a:t>no</a:t>
             </a:r>
           </a:p>
         </p:txBody>
       </p:sp>
       <p:cxnSp>
         <p:nvCxnSpPr>
-          <p:cNvPr id="11" name="Straight Arrow Connector 10">
-            <a:extLst>
-              <a:ext uri="{FF2B5EF4-FFF2-40B4-BE49-F238E27FC236}">
-                <a16:creationId xmlns:a16="http://schemas.microsoft.com/office/drawing/2014/main" id="{2886CDD7-5A05-854D-87A4-64F7F9964496}"/>
+          <p:cNvPr id="32" name="Straight Arrow Connector 31">
+            <a:extLst>
+              <a:ext uri="{FF2B5EF4-FFF2-40B4-BE49-F238E27FC236}">
+                <a16:creationId xmlns:a16="http://schemas.microsoft.com/office/drawing/2014/main" id="{420F33D7-CD90-644F-A0AF-9ACDD928E59D}"/>
               </a:ext>
             </a:extLst>
           </p:cNvPr>
           <p:cNvCxnSpPr>
             <a:cxnSpLocks/>
-            <a:stCxn id="69" idx="2"/>
-            <a:endCxn id="10" idx="0"/>
+            <a:stCxn id="25" idx="2"/>
+            <a:endCxn id="26" idx="0"/>
           </p:cNvCxnSpPr>
           <p:nvPr/>
         </p:nvCxnSpPr>
         <p:spPr>
           <a:xfrm flipH="1">
-            <a:off x="8154010" y="5827702"/>
-            <a:ext cx="225964" cy="211665"/>
+            <a:off x="7130875" y="1097636"/>
+            <a:ext cx="1248544" cy="773566"/>
           </a:xfrm>
           <a:prstGeom prst="straightConnector1">
             <a:avLst/>
@@ -4768,89 +5142,26 @@
           </a:fontRef>
         </p:style>
       </p:cxnSp>
-      <p:sp>
-        <p:nvSpPr>
-          <p:cNvPr id="17" name="TextBox 16">
-            <a:extLst>
-              <a:ext uri="{FF2B5EF4-FFF2-40B4-BE49-F238E27FC236}">
-                <a16:creationId xmlns:a16="http://schemas.microsoft.com/office/drawing/2014/main" id="{34A07010-5FE8-BB41-B28D-7244B3D1E62D}"/>
-              </a:ext>
-            </a:extLst>
-          </p:cNvPr>
-          <p:cNvSpPr txBox="1"/>
-          <p:nvPr/>
-        </p:nvSpPr>
-        <p:spPr>
-          <a:xfrm>
-            <a:off x="879537" y="2336640"/>
-            <a:ext cx="2673552" cy="1708160"/>
-          </a:xfrm>
-          <a:prstGeom prst="rect">
-            <a:avLst/>
-          </a:prstGeom>
-          <a:noFill/>
-          <a:ln>
-            <a:solidFill>
-              <a:schemeClr val="tx1"/>
-            </a:solidFill>
-          </a:ln>
-        </p:spPr>
-        <p:txBody>
-          <a:bodyPr wrap="none" rtlCol="0">
-            <a:spAutoFit/>
-          </a:bodyPr>
-          <a:lstStyle/>
-          <a:p>
-            <a:r>
-              <a:rPr lang="en-US" sz="3500" dirty="0"/>
-              <a:t>Print graphics</a:t>
-            </a:r>
-          </a:p>
-          <a:p>
-            <a:pPr marL="342900" indent="-342900">
-              <a:buAutoNum type="arabicPeriod"/>
-            </a:pPr>
-            <a:r>
-              <a:rPr lang="en-US" sz="3500" dirty="0"/>
-              <a:t>Bike </a:t>
-            </a:r>
-            <a:r>
-              <a:rPr lang="en-US" sz="3500" dirty="0" err="1"/>
-              <a:t>str</a:t>
-            </a:r>
-            <a:endParaRPr lang="en-US" sz="3500" dirty="0"/>
-          </a:p>
-          <a:p>
-            <a:pPr marL="342900" indent="-342900">
-              <a:buAutoNum type="arabicPeriod"/>
-            </a:pPr>
-            <a:r>
-              <a:rPr lang="en-US" sz="3500" dirty="0"/>
-              <a:t>logo</a:t>
-            </a:r>
-          </a:p>
-        </p:txBody>
-      </p:sp>
       <p:cxnSp>
         <p:nvCxnSpPr>
-          <p:cNvPr id="20" name="Straight Arrow Connector 19">
-            <a:extLst>
-              <a:ext uri="{FF2B5EF4-FFF2-40B4-BE49-F238E27FC236}">
-                <a16:creationId xmlns:a16="http://schemas.microsoft.com/office/drawing/2014/main" id="{3CB97BF4-A63B-3E40-8FFD-E99F9A0BBA0D}"/>
+          <p:cNvPr id="35" name="Straight Arrow Connector 34">
+            <a:extLst>
+              <a:ext uri="{FF2B5EF4-FFF2-40B4-BE49-F238E27FC236}">
+                <a16:creationId xmlns:a16="http://schemas.microsoft.com/office/drawing/2014/main" id="{C32D637D-8662-0847-B59B-CDDA597100B7}"/>
               </a:ext>
             </a:extLst>
           </p:cNvPr>
           <p:cNvCxnSpPr>
             <a:cxnSpLocks/>
-            <a:stCxn id="17" idx="2"/>
-            <a:endCxn id="6" idx="0"/>
+            <a:stCxn id="25" idx="2"/>
+            <a:endCxn id="27" idx="0"/>
           </p:cNvCxnSpPr>
           <p:nvPr/>
         </p:nvCxnSpPr>
         <p:spPr>
-          <a:xfrm flipH="1">
-            <a:off x="2204383" y="4044800"/>
-            <a:ext cx="11930" cy="297146"/>
+          <a:xfrm>
+            <a:off x="8379419" y="1097636"/>
+            <a:ext cx="40108" cy="669458"/>
           </a:xfrm>
           <a:prstGeom prst="straightConnector1">
             <a:avLst/>
@@ -4877,1056 +5188,31 @@
           </a:fontRef>
         </p:style>
       </p:cxnSp>
-      <p:grpSp>
-        <p:nvGrpSpPr>
-          <p:cNvPr id="68" name="Group 67">
-            <a:extLst>
-              <a:ext uri="{FF2B5EF4-FFF2-40B4-BE49-F238E27FC236}">
-                <a16:creationId xmlns:a16="http://schemas.microsoft.com/office/drawing/2014/main" id="{4816A8EC-C1E8-E740-ADD8-F66770F62D5D}"/>
-              </a:ext>
-            </a:extLst>
-          </p:cNvPr>
-          <p:cNvGrpSpPr/>
-          <p:nvPr/>
-        </p:nvGrpSpPr>
-        <p:grpSpPr>
-          <a:xfrm>
-            <a:off x="5548049" y="690769"/>
-            <a:ext cx="6365400" cy="5136933"/>
-            <a:chOff x="4480290" y="2244092"/>
-            <a:chExt cx="6365400" cy="5136933"/>
-          </a:xfrm>
-        </p:grpSpPr>
-        <p:sp>
-          <p:nvSpPr>
-            <p:cNvPr id="25" name="TextBox 24">
-              <a:extLst>
-                <a:ext uri="{FF2B5EF4-FFF2-40B4-BE49-F238E27FC236}">
-                  <a16:creationId xmlns:a16="http://schemas.microsoft.com/office/drawing/2014/main" id="{62F32B6B-AE12-5B4A-8109-9F6317BFE9A7}"/>
-                </a:ext>
-              </a:extLst>
-            </p:cNvPr>
-            <p:cNvSpPr txBox="1"/>
-            <p:nvPr/>
-          </p:nvSpPr>
-          <p:spPr>
-            <a:xfrm>
-              <a:off x="5962978" y="2244092"/>
-              <a:ext cx="2023311" cy="630942"/>
-            </a:xfrm>
-            <a:prstGeom prst="rect">
-              <a:avLst/>
-            </a:prstGeom>
-            <a:noFill/>
-            <a:ln>
-              <a:solidFill>
-                <a:schemeClr val="tx1"/>
-              </a:solidFill>
-            </a:ln>
-          </p:spPr>
-          <p:txBody>
-            <a:bodyPr wrap="none" rtlCol="0">
-              <a:spAutoFit/>
-            </a:bodyPr>
-            <a:lstStyle/>
-            <a:p>
-              <a:r>
-                <a:rPr lang="en-US" sz="3500" dirty="0"/>
-                <a:t>Maintain?</a:t>
-              </a:r>
-            </a:p>
-          </p:txBody>
-        </p:sp>
-        <p:sp>
-          <p:nvSpPr>
-            <p:cNvPr id="26" name="TextBox 25">
-              <a:extLst>
-                <a:ext uri="{FF2B5EF4-FFF2-40B4-BE49-F238E27FC236}">
-                  <a16:creationId xmlns:a16="http://schemas.microsoft.com/office/drawing/2014/main" id="{4B3AE472-0F46-4F47-B33B-1EA8865B7883}"/>
-                </a:ext>
-              </a:extLst>
-            </p:cNvPr>
-            <p:cNvSpPr txBox="1"/>
-            <p:nvPr/>
-          </p:nvSpPr>
-          <p:spPr>
-            <a:xfrm>
-              <a:off x="5417631" y="3188983"/>
-              <a:ext cx="781945" cy="630942"/>
-            </a:xfrm>
-            <a:prstGeom prst="rect">
-              <a:avLst/>
-            </a:prstGeom>
-            <a:noFill/>
-            <a:ln>
-              <a:solidFill>
-                <a:schemeClr val="tx1"/>
-              </a:solidFill>
-            </a:ln>
-          </p:spPr>
-          <p:txBody>
-            <a:bodyPr wrap="none" rtlCol="0">
-              <a:spAutoFit/>
-            </a:bodyPr>
-            <a:lstStyle/>
-            <a:p>
-              <a:r>
-                <a:rPr lang="en-US" sz="3500" dirty="0"/>
-                <a:t>yes</a:t>
-              </a:r>
-            </a:p>
-          </p:txBody>
-        </p:sp>
-        <p:sp>
-          <p:nvSpPr>
-            <p:cNvPr id="27" name="TextBox 26">
-              <a:extLst>
-                <a:ext uri="{FF2B5EF4-FFF2-40B4-BE49-F238E27FC236}">
-                  <a16:creationId xmlns:a16="http://schemas.microsoft.com/office/drawing/2014/main" id="{B09A35AF-CDCE-7C49-855D-D8DCC7F90042}"/>
-                </a:ext>
-              </a:extLst>
-            </p:cNvPr>
-            <p:cNvSpPr txBox="1"/>
-            <p:nvPr/>
-          </p:nvSpPr>
-          <p:spPr>
-            <a:xfrm>
-              <a:off x="7521090" y="3053575"/>
-              <a:ext cx="657552" cy="630942"/>
-            </a:xfrm>
-            <a:prstGeom prst="rect">
-              <a:avLst/>
-            </a:prstGeom>
-            <a:noFill/>
-            <a:ln>
-              <a:solidFill>
-                <a:schemeClr val="tx1"/>
-              </a:solidFill>
-            </a:ln>
-          </p:spPr>
-          <p:txBody>
-            <a:bodyPr wrap="none" rtlCol="0">
-              <a:spAutoFit/>
-            </a:bodyPr>
-            <a:lstStyle/>
-            <a:p>
-              <a:r>
-                <a:rPr lang="en-US" sz="3500" dirty="0"/>
-                <a:t>no</a:t>
-              </a:r>
-            </a:p>
-          </p:txBody>
-        </p:sp>
-        <p:sp>
-          <p:nvSpPr>
-            <p:cNvPr id="28" name="TextBox 27">
-              <a:extLst>
-                <a:ext uri="{FF2B5EF4-FFF2-40B4-BE49-F238E27FC236}">
-                  <a16:creationId xmlns:a16="http://schemas.microsoft.com/office/drawing/2014/main" id="{94648084-3E40-8844-A508-52365D24DB62}"/>
-                </a:ext>
-              </a:extLst>
-            </p:cNvPr>
-            <p:cNvSpPr txBox="1"/>
-            <p:nvPr/>
-          </p:nvSpPr>
-          <p:spPr>
-            <a:xfrm>
-              <a:off x="8534506" y="3130406"/>
-              <a:ext cx="1622911" cy="630942"/>
-            </a:xfrm>
-            <a:prstGeom prst="rect">
-              <a:avLst/>
-            </a:prstGeom>
-            <a:noFill/>
-            <a:ln>
-              <a:solidFill>
-                <a:schemeClr val="tx1"/>
-              </a:solidFill>
-            </a:ln>
-          </p:spPr>
-          <p:txBody>
-            <a:bodyPr wrap="square" rtlCol="0">
-              <a:spAutoFit/>
-            </a:bodyPr>
-            <a:lstStyle/>
-            <a:p>
-              <a:r>
-                <a:rPr lang="en-US" sz="3500" dirty="0"/>
-                <a:t>Repair?</a:t>
-              </a:r>
-            </a:p>
-          </p:txBody>
-        </p:sp>
-        <p:sp>
-          <p:nvSpPr>
-            <p:cNvPr id="29" name="TextBox 28">
-              <a:extLst>
-                <a:ext uri="{FF2B5EF4-FFF2-40B4-BE49-F238E27FC236}">
-                  <a16:creationId xmlns:a16="http://schemas.microsoft.com/office/drawing/2014/main" id="{940975D4-3C84-0C43-B387-07B26518CE9C}"/>
-                </a:ext>
-              </a:extLst>
-            </p:cNvPr>
-            <p:cNvSpPr txBox="1"/>
-            <p:nvPr/>
-          </p:nvSpPr>
-          <p:spPr>
-            <a:xfrm>
-              <a:off x="4776253" y="4278330"/>
-              <a:ext cx="2107447" cy="630942"/>
-            </a:xfrm>
-            <a:prstGeom prst="rect">
-              <a:avLst/>
-            </a:prstGeom>
-            <a:noFill/>
-            <a:ln>
-              <a:solidFill>
-                <a:schemeClr val="tx1"/>
-              </a:solidFill>
-            </a:ln>
-          </p:spPr>
-          <p:txBody>
-            <a:bodyPr wrap="square" rtlCol="0">
-              <a:spAutoFit/>
-            </a:bodyPr>
-            <a:lstStyle/>
-            <a:p>
-              <a:r>
-                <a:rPr lang="en-US" sz="3500" dirty="0"/>
-                <a:t>Fix/break</a:t>
-              </a:r>
-            </a:p>
-          </p:txBody>
-        </p:sp>
-        <p:sp>
-          <p:nvSpPr>
-            <p:cNvPr id="30" name="TextBox 29">
-              <a:extLst>
-                <a:ext uri="{FF2B5EF4-FFF2-40B4-BE49-F238E27FC236}">
-                  <a16:creationId xmlns:a16="http://schemas.microsoft.com/office/drawing/2014/main" id="{33F8264E-5322-7345-BCEE-729058353378}"/>
-                </a:ext>
-              </a:extLst>
-            </p:cNvPr>
-            <p:cNvSpPr txBox="1"/>
-            <p:nvPr/>
-          </p:nvSpPr>
-          <p:spPr>
-            <a:xfrm>
-              <a:off x="9404901" y="4009861"/>
-              <a:ext cx="781945" cy="630942"/>
-            </a:xfrm>
-            <a:prstGeom prst="rect">
-              <a:avLst/>
-            </a:prstGeom>
-            <a:noFill/>
-            <a:ln>
-              <a:solidFill>
-                <a:schemeClr val="tx1"/>
-              </a:solidFill>
-            </a:ln>
-          </p:spPr>
-          <p:txBody>
-            <a:bodyPr wrap="none" rtlCol="0">
-              <a:spAutoFit/>
-            </a:bodyPr>
-            <a:lstStyle/>
-            <a:p>
-              <a:r>
-                <a:rPr lang="en-US" sz="3500" dirty="0"/>
-                <a:t>yes</a:t>
-              </a:r>
-            </a:p>
-          </p:txBody>
-        </p:sp>
-        <p:sp>
-          <p:nvSpPr>
-            <p:cNvPr id="31" name="TextBox 30">
-              <a:extLst>
-                <a:ext uri="{FF2B5EF4-FFF2-40B4-BE49-F238E27FC236}">
-                  <a16:creationId xmlns:a16="http://schemas.microsoft.com/office/drawing/2014/main" id="{A54191B1-B23C-0542-A42D-397C1BACCF51}"/>
-                </a:ext>
-              </a:extLst>
-            </p:cNvPr>
-            <p:cNvSpPr txBox="1"/>
-            <p:nvPr/>
-          </p:nvSpPr>
-          <p:spPr>
-            <a:xfrm>
-              <a:off x="7657513" y="4178657"/>
-              <a:ext cx="657552" cy="630942"/>
-            </a:xfrm>
-            <a:prstGeom prst="rect">
-              <a:avLst/>
-            </a:prstGeom>
-            <a:noFill/>
-            <a:ln>
-              <a:solidFill>
-                <a:schemeClr val="tx1"/>
-              </a:solidFill>
-            </a:ln>
-          </p:spPr>
-          <p:txBody>
-            <a:bodyPr wrap="none" rtlCol="0">
-              <a:spAutoFit/>
-            </a:bodyPr>
-            <a:lstStyle/>
-            <a:p>
-              <a:r>
-                <a:rPr lang="en-US" sz="3500" dirty="0"/>
-                <a:t>no</a:t>
-              </a:r>
-            </a:p>
-          </p:txBody>
-        </p:sp>
-        <p:cxnSp>
-          <p:nvCxnSpPr>
-            <p:cNvPr id="32" name="Straight Arrow Connector 31">
-              <a:extLst>
-                <a:ext uri="{FF2B5EF4-FFF2-40B4-BE49-F238E27FC236}">
-                  <a16:creationId xmlns:a16="http://schemas.microsoft.com/office/drawing/2014/main" id="{420F33D7-CD90-644F-A0AF-9ACDD928E59D}"/>
-                </a:ext>
-              </a:extLst>
-            </p:cNvPr>
-            <p:cNvCxnSpPr>
-              <a:cxnSpLocks/>
-              <a:stCxn id="25" idx="2"/>
-              <a:endCxn id="26" idx="0"/>
-            </p:cNvCxnSpPr>
-            <p:nvPr/>
-          </p:nvCxnSpPr>
-          <p:spPr>
-            <a:xfrm flipH="1">
-              <a:off x="5808604" y="2875034"/>
-              <a:ext cx="1166030" cy="313949"/>
-            </a:xfrm>
-            <a:prstGeom prst="straightConnector1">
-              <a:avLst/>
-            </a:prstGeom>
-            <a:ln w="25400">
-              <a:solidFill>
-                <a:schemeClr val="tx1"/>
-              </a:solidFill>
-              <a:tailEnd type="triangle"/>
-            </a:ln>
-          </p:spPr>
-          <p:style>
-            <a:lnRef idx="1">
-              <a:schemeClr val="accent1"/>
-            </a:lnRef>
-            <a:fillRef idx="0">
-              <a:schemeClr val="accent1"/>
-            </a:fillRef>
-            <a:effectRef idx="0">
-              <a:schemeClr val="accent1"/>
-            </a:effectRef>
-            <a:fontRef idx="minor">
-              <a:schemeClr val="tx1"/>
-            </a:fontRef>
-          </p:style>
-        </p:cxnSp>
-        <p:cxnSp>
-          <p:nvCxnSpPr>
-            <p:cNvPr id="35" name="Straight Arrow Connector 34">
-              <a:extLst>
-                <a:ext uri="{FF2B5EF4-FFF2-40B4-BE49-F238E27FC236}">
-                  <a16:creationId xmlns:a16="http://schemas.microsoft.com/office/drawing/2014/main" id="{C32D637D-8662-0847-B59B-CDDA597100B7}"/>
-                </a:ext>
-              </a:extLst>
-            </p:cNvPr>
-            <p:cNvCxnSpPr>
-              <a:cxnSpLocks/>
-              <a:stCxn id="25" idx="2"/>
-              <a:endCxn id="27" idx="0"/>
-            </p:cNvCxnSpPr>
-            <p:nvPr/>
-          </p:nvCxnSpPr>
-          <p:spPr>
-            <a:xfrm>
-              <a:off x="6974634" y="2875034"/>
-              <a:ext cx="875232" cy="178541"/>
-            </a:xfrm>
-            <a:prstGeom prst="straightConnector1">
-              <a:avLst/>
-            </a:prstGeom>
-            <a:ln w="25400">
-              <a:solidFill>
-                <a:schemeClr val="tx1"/>
-              </a:solidFill>
-              <a:tailEnd type="triangle"/>
-            </a:ln>
-          </p:spPr>
-          <p:style>
-            <a:lnRef idx="1">
-              <a:schemeClr val="accent1"/>
-            </a:lnRef>
-            <a:fillRef idx="0">
-              <a:schemeClr val="accent1"/>
-            </a:fillRef>
-            <a:effectRef idx="0">
-              <a:schemeClr val="accent1"/>
-            </a:effectRef>
-            <a:fontRef idx="minor">
-              <a:schemeClr val="tx1"/>
-            </a:fontRef>
-          </p:style>
-        </p:cxnSp>
-        <p:cxnSp>
-          <p:nvCxnSpPr>
-            <p:cNvPr id="38" name="Straight Arrow Connector 37">
-              <a:extLst>
-                <a:ext uri="{FF2B5EF4-FFF2-40B4-BE49-F238E27FC236}">
-                  <a16:creationId xmlns:a16="http://schemas.microsoft.com/office/drawing/2014/main" id="{51043B32-AA2D-9F49-8E1A-91915D01C37E}"/>
-                </a:ext>
-              </a:extLst>
-            </p:cNvPr>
-            <p:cNvCxnSpPr>
-              <a:cxnSpLocks/>
-              <a:stCxn id="27" idx="3"/>
-              <a:endCxn id="28" idx="1"/>
-            </p:cNvCxnSpPr>
-            <p:nvPr/>
-          </p:nvCxnSpPr>
-          <p:spPr>
-            <a:xfrm>
-              <a:off x="8178642" y="3369046"/>
-              <a:ext cx="355864" cy="76831"/>
-            </a:xfrm>
-            <a:prstGeom prst="straightConnector1">
-              <a:avLst/>
-            </a:prstGeom>
-            <a:ln w="25400">
-              <a:solidFill>
-                <a:schemeClr val="tx1"/>
-              </a:solidFill>
-              <a:tailEnd type="triangle"/>
-            </a:ln>
-          </p:spPr>
-          <p:style>
-            <a:lnRef idx="1">
-              <a:schemeClr val="accent1"/>
-            </a:lnRef>
-            <a:fillRef idx="0">
-              <a:schemeClr val="accent1"/>
-            </a:fillRef>
-            <a:effectRef idx="0">
-              <a:schemeClr val="accent1"/>
-            </a:effectRef>
-            <a:fontRef idx="minor">
-              <a:schemeClr val="tx1"/>
-            </a:fontRef>
-          </p:style>
-        </p:cxnSp>
-        <p:cxnSp>
-          <p:nvCxnSpPr>
-            <p:cNvPr id="41" name="Straight Arrow Connector 40">
-              <a:extLst>
-                <a:ext uri="{FF2B5EF4-FFF2-40B4-BE49-F238E27FC236}">
-                  <a16:creationId xmlns:a16="http://schemas.microsoft.com/office/drawing/2014/main" id="{15A1CBF2-E79F-9341-9CE7-DF1668577B03}"/>
-                </a:ext>
-              </a:extLst>
-            </p:cNvPr>
-            <p:cNvCxnSpPr>
-              <a:cxnSpLocks/>
-              <a:stCxn id="28" idx="2"/>
-              <a:endCxn id="31" idx="0"/>
-            </p:cNvCxnSpPr>
-            <p:nvPr/>
-          </p:nvCxnSpPr>
-          <p:spPr>
-            <a:xfrm flipH="1">
-              <a:off x="7986289" y="3761348"/>
-              <a:ext cx="1359673" cy="417309"/>
-            </a:xfrm>
-            <a:prstGeom prst="straightConnector1">
-              <a:avLst/>
-            </a:prstGeom>
-            <a:ln w="25400">
-              <a:solidFill>
-                <a:schemeClr val="tx1"/>
-              </a:solidFill>
-              <a:tailEnd type="triangle"/>
-            </a:ln>
-          </p:spPr>
-          <p:style>
-            <a:lnRef idx="1">
-              <a:schemeClr val="accent1"/>
-            </a:lnRef>
-            <a:fillRef idx="0">
-              <a:schemeClr val="accent1"/>
-            </a:fillRef>
-            <a:effectRef idx="0">
-              <a:schemeClr val="accent1"/>
-            </a:effectRef>
-            <a:fontRef idx="minor">
-              <a:schemeClr val="tx1"/>
-            </a:fontRef>
-          </p:style>
-        </p:cxnSp>
-        <p:cxnSp>
-          <p:nvCxnSpPr>
-            <p:cNvPr id="44" name="Straight Arrow Connector 43">
-              <a:extLst>
-                <a:ext uri="{FF2B5EF4-FFF2-40B4-BE49-F238E27FC236}">
-                  <a16:creationId xmlns:a16="http://schemas.microsoft.com/office/drawing/2014/main" id="{009447D2-0F9D-D54F-B71C-9ABB23CC0620}"/>
-                </a:ext>
-              </a:extLst>
-            </p:cNvPr>
-            <p:cNvCxnSpPr>
-              <a:cxnSpLocks/>
-              <a:stCxn id="28" idx="2"/>
-              <a:endCxn id="30" idx="0"/>
-            </p:cNvCxnSpPr>
-            <p:nvPr/>
-          </p:nvCxnSpPr>
-          <p:spPr>
-            <a:xfrm>
-              <a:off x="9345962" y="3761348"/>
-              <a:ext cx="449912" cy="248513"/>
-            </a:xfrm>
-            <a:prstGeom prst="straightConnector1">
-              <a:avLst/>
-            </a:prstGeom>
-            <a:ln w="25400">
-              <a:solidFill>
-                <a:schemeClr val="tx1"/>
-              </a:solidFill>
-              <a:tailEnd type="triangle"/>
-            </a:ln>
-          </p:spPr>
-          <p:style>
-            <a:lnRef idx="1">
-              <a:schemeClr val="accent1"/>
-            </a:lnRef>
-            <a:fillRef idx="0">
-              <a:schemeClr val="accent1"/>
-            </a:fillRef>
-            <a:effectRef idx="0">
-              <a:schemeClr val="accent1"/>
-            </a:effectRef>
-            <a:fontRef idx="minor">
-              <a:schemeClr val="tx1"/>
-            </a:fontRef>
-          </p:style>
-        </p:cxnSp>
-        <p:cxnSp>
-          <p:nvCxnSpPr>
-            <p:cNvPr id="49" name="Straight Arrow Connector 48">
-              <a:extLst>
-                <a:ext uri="{FF2B5EF4-FFF2-40B4-BE49-F238E27FC236}">
-                  <a16:creationId xmlns:a16="http://schemas.microsoft.com/office/drawing/2014/main" id="{01D20F82-0381-9045-808B-1C69991B543F}"/>
-                </a:ext>
-              </a:extLst>
-            </p:cNvPr>
-            <p:cNvCxnSpPr>
-              <a:cxnSpLocks/>
-              <a:stCxn id="26" idx="2"/>
-              <a:endCxn id="29" idx="0"/>
-            </p:cNvCxnSpPr>
-            <p:nvPr/>
-          </p:nvCxnSpPr>
-          <p:spPr>
-            <a:xfrm>
-              <a:off x="5808604" y="3819925"/>
-              <a:ext cx="21373" cy="458405"/>
-            </a:xfrm>
-            <a:prstGeom prst="straightConnector1">
-              <a:avLst/>
-            </a:prstGeom>
-            <a:ln w="25400">
-              <a:solidFill>
-                <a:schemeClr val="tx1"/>
-              </a:solidFill>
-              <a:tailEnd type="triangle"/>
-            </a:ln>
-          </p:spPr>
-          <p:style>
-            <a:lnRef idx="1">
-              <a:schemeClr val="accent1"/>
-            </a:lnRef>
-            <a:fillRef idx="0">
-              <a:schemeClr val="accent1"/>
-            </a:fillRef>
-            <a:effectRef idx="0">
-              <a:schemeClr val="accent1"/>
-            </a:effectRef>
-            <a:fontRef idx="minor">
-              <a:schemeClr val="tx1"/>
-            </a:fontRef>
-          </p:style>
-        </p:cxnSp>
-        <p:sp>
-          <p:nvSpPr>
-            <p:cNvPr id="52" name="TextBox 51">
-              <a:extLst>
-                <a:ext uri="{FF2B5EF4-FFF2-40B4-BE49-F238E27FC236}">
-                  <a16:creationId xmlns:a16="http://schemas.microsoft.com/office/drawing/2014/main" id="{88825186-087D-7547-A40A-3D2FFC798F5C}"/>
-                </a:ext>
-              </a:extLst>
-            </p:cNvPr>
-            <p:cNvSpPr txBox="1"/>
-            <p:nvPr/>
-          </p:nvSpPr>
-          <p:spPr>
-            <a:xfrm>
-              <a:off x="8746055" y="4852468"/>
-              <a:ext cx="2099635" cy="630942"/>
-            </a:xfrm>
-            <a:prstGeom prst="rect">
-              <a:avLst/>
-            </a:prstGeom>
-            <a:noFill/>
-            <a:ln>
-              <a:solidFill>
-                <a:schemeClr val="tx1"/>
-              </a:solidFill>
-            </a:ln>
-          </p:spPr>
-          <p:txBody>
-            <a:bodyPr wrap="square" rtlCol="0">
-              <a:spAutoFit/>
-            </a:bodyPr>
-            <a:lstStyle/>
-            <a:p>
-              <a:r>
-                <a:rPr lang="en-US" sz="3500" dirty="0"/>
-                <a:t>Fix/break</a:t>
-              </a:r>
-            </a:p>
-          </p:txBody>
-        </p:sp>
-        <p:cxnSp>
-          <p:nvCxnSpPr>
-            <p:cNvPr id="53" name="Straight Arrow Connector 52">
-              <a:extLst>
-                <a:ext uri="{FF2B5EF4-FFF2-40B4-BE49-F238E27FC236}">
-                  <a16:creationId xmlns:a16="http://schemas.microsoft.com/office/drawing/2014/main" id="{0647FD83-4A23-AF49-82CD-B20CB5E4BB5A}"/>
-                </a:ext>
-              </a:extLst>
-            </p:cNvPr>
-            <p:cNvCxnSpPr>
-              <a:cxnSpLocks/>
-              <a:stCxn id="29" idx="2"/>
-              <a:endCxn id="55" idx="0"/>
-            </p:cNvCxnSpPr>
-            <p:nvPr/>
-          </p:nvCxnSpPr>
-          <p:spPr>
-            <a:xfrm>
-              <a:off x="5829977" y="4909272"/>
-              <a:ext cx="37333" cy="348469"/>
-            </a:xfrm>
-            <a:prstGeom prst="straightConnector1">
-              <a:avLst/>
-            </a:prstGeom>
-            <a:ln w="25400">
-              <a:solidFill>
-                <a:schemeClr val="tx1"/>
-              </a:solidFill>
-              <a:tailEnd type="triangle"/>
-            </a:ln>
-          </p:spPr>
-          <p:style>
-            <a:lnRef idx="1">
-              <a:schemeClr val="accent1"/>
-            </a:lnRef>
-            <a:fillRef idx="0">
-              <a:schemeClr val="accent1"/>
-            </a:fillRef>
-            <a:effectRef idx="0">
-              <a:schemeClr val="accent1"/>
-            </a:effectRef>
-            <a:fontRef idx="minor">
-              <a:schemeClr val="tx1"/>
-            </a:fontRef>
-          </p:style>
-        </p:cxnSp>
-        <p:sp>
-          <p:nvSpPr>
-            <p:cNvPr id="55" name="TextBox 54">
-              <a:extLst>
-                <a:ext uri="{FF2B5EF4-FFF2-40B4-BE49-F238E27FC236}">
-                  <a16:creationId xmlns:a16="http://schemas.microsoft.com/office/drawing/2014/main" id="{AD5723CB-B32F-B045-83D2-AA9008A7B395}"/>
-                </a:ext>
-              </a:extLst>
-            </p:cNvPr>
-            <p:cNvSpPr txBox="1"/>
-            <p:nvPr/>
-          </p:nvSpPr>
-          <p:spPr>
-            <a:xfrm>
-              <a:off x="4480290" y="5257741"/>
-              <a:ext cx="2774039" cy="630942"/>
-            </a:xfrm>
-            <a:prstGeom prst="rect">
-              <a:avLst/>
-            </a:prstGeom>
-            <a:noFill/>
-            <a:ln>
-              <a:solidFill>
-                <a:schemeClr val="tx1"/>
-              </a:solidFill>
-            </a:ln>
-          </p:spPr>
-          <p:txBody>
-            <a:bodyPr wrap="square" rtlCol="0">
-              <a:spAutoFit/>
-            </a:bodyPr>
-            <a:lstStyle/>
-            <a:p>
-              <a:r>
-                <a:rPr lang="en-US" sz="3500" dirty="0"/>
-                <a:t>Update </a:t>
-              </a:r>
-              <a:r>
-                <a:rPr lang="en-US" sz="3500" dirty="0" err="1"/>
-                <a:t>bcond</a:t>
-              </a:r>
-              <a:endParaRPr lang="en-US" sz="3500" dirty="0"/>
-            </a:p>
-          </p:txBody>
-        </p:sp>
-        <p:sp>
-          <p:nvSpPr>
-            <p:cNvPr id="58" name="TextBox 57">
-              <a:extLst>
-                <a:ext uri="{FF2B5EF4-FFF2-40B4-BE49-F238E27FC236}">
-                  <a16:creationId xmlns:a16="http://schemas.microsoft.com/office/drawing/2014/main" id="{CA2EB678-BFBA-9143-98FB-AA458A915C77}"/>
-                </a:ext>
-              </a:extLst>
-            </p:cNvPr>
-            <p:cNvSpPr txBox="1"/>
-            <p:nvPr/>
-          </p:nvSpPr>
-          <p:spPr>
-            <a:xfrm>
-              <a:off x="8027006" y="5730037"/>
-              <a:ext cx="2755789" cy="630942"/>
-            </a:xfrm>
-            <a:prstGeom prst="rect">
-              <a:avLst/>
-            </a:prstGeom>
-            <a:noFill/>
-            <a:ln>
-              <a:solidFill>
-                <a:schemeClr val="tx1"/>
-              </a:solidFill>
-            </a:ln>
-          </p:spPr>
-          <p:txBody>
-            <a:bodyPr wrap="square" rtlCol="0">
-              <a:spAutoFit/>
-            </a:bodyPr>
-            <a:lstStyle/>
-            <a:p>
-              <a:r>
-                <a:rPr lang="en-US" sz="3500" dirty="0"/>
-                <a:t>Update </a:t>
-              </a:r>
-              <a:r>
-                <a:rPr lang="en-US" sz="3500" dirty="0" err="1"/>
-                <a:t>bcond</a:t>
-              </a:r>
-              <a:endParaRPr lang="en-US" sz="3500" dirty="0"/>
-            </a:p>
-          </p:txBody>
-        </p:sp>
-        <p:cxnSp>
-          <p:nvCxnSpPr>
-            <p:cNvPr id="59" name="Straight Arrow Connector 58">
-              <a:extLst>
-                <a:ext uri="{FF2B5EF4-FFF2-40B4-BE49-F238E27FC236}">
-                  <a16:creationId xmlns:a16="http://schemas.microsoft.com/office/drawing/2014/main" id="{7ACE28C8-3DF2-1D4A-B160-BA3E89ECB86B}"/>
-                </a:ext>
-              </a:extLst>
-            </p:cNvPr>
-            <p:cNvCxnSpPr>
-              <a:cxnSpLocks/>
-              <a:stCxn id="52" idx="2"/>
-              <a:endCxn id="58" idx="0"/>
-            </p:cNvCxnSpPr>
-            <p:nvPr/>
-          </p:nvCxnSpPr>
-          <p:spPr>
-            <a:xfrm flipH="1">
-              <a:off x="9404901" y="5483410"/>
-              <a:ext cx="390972" cy="246627"/>
-            </a:xfrm>
-            <a:prstGeom prst="straightConnector1">
-              <a:avLst/>
-            </a:prstGeom>
-            <a:ln w="25400">
-              <a:solidFill>
-                <a:schemeClr val="tx1"/>
-              </a:solidFill>
-              <a:tailEnd type="triangle"/>
-            </a:ln>
-          </p:spPr>
-          <p:style>
-            <a:lnRef idx="1">
-              <a:schemeClr val="accent1"/>
-            </a:lnRef>
-            <a:fillRef idx="0">
-              <a:schemeClr val="accent1"/>
-            </a:fillRef>
-            <a:effectRef idx="0">
-              <a:schemeClr val="accent1"/>
-            </a:effectRef>
-            <a:fontRef idx="minor">
-              <a:schemeClr val="tx1"/>
-            </a:fontRef>
-          </p:style>
-        </p:cxnSp>
-        <p:cxnSp>
-          <p:nvCxnSpPr>
-            <p:cNvPr id="62" name="Straight Arrow Connector 61">
-              <a:extLst>
-                <a:ext uri="{FF2B5EF4-FFF2-40B4-BE49-F238E27FC236}">
-                  <a16:creationId xmlns:a16="http://schemas.microsoft.com/office/drawing/2014/main" id="{451A3769-9452-9643-9B86-9A4289131354}"/>
-                </a:ext>
-              </a:extLst>
-            </p:cNvPr>
-            <p:cNvCxnSpPr>
-              <a:cxnSpLocks/>
-              <a:stCxn id="30" idx="2"/>
-              <a:endCxn id="52" idx="0"/>
-            </p:cNvCxnSpPr>
-            <p:nvPr/>
-          </p:nvCxnSpPr>
-          <p:spPr>
-            <a:xfrm flipH="1">
-              <a:off x="9795873" y="4640803"/>
-              <a:ext cx="1" cy="211665"/>
-            </a:xfrm>
-            <a:prstGeom prst="straightConnector1">
-              <a:avLst/>
-            </a:prstGeom>
-            <a:ln w="25400">
-              <a:solidFill>
-                <a:schemeClr val="tx1"/>
-              </a:solidFill>
-              <a:tailEnd type="triangle"/>
-            </a:ln>
-          </p:spPr>
-          <p:style>
-            <a:lnRef idx="1">
-              <a:schemeClr val="accent1"/>
-            </a:lnRef>
-            <a:fillRef idx="0">
-              <a:schemeClr val="accent1"/>
-            </a:fillRef>
-            <a:effectRef idx="0">
-              <a:schemeClr val="accent1"/>
-            </a:effectRef>
-            <a:fontRef idx="minor">
-              <a:schemeClr val="tx1"/>
-            </a:fontRef>
-          </p:style>
-        </p:cxnSp>
-        <p:cxnSp>
-          <p:nvCxnSpPr>
-            <p:cNvPr id="65" name="Straight Arrow Connector 64">
-              <a:extLst>
-                <a:ext uri="{FF2B5EF4-FFF2-40B4-BE49-F238E27FC236}">
-                  <a16:creationId xmlns:a16="http://schemas.microsoft.com/office/drawing/2014/main" id="{5139634E-0D2F-0E4C-8369-C41B04AF10FA}"/>
-                </a:ext>
-              </a:extLst>
-            </p:cNvPr>
-            <p:cNvCxnSpPr>
-              <a:cxnSpLocks/>
-              <a:stCxn id="31" idx="2"/>
-              <a:endCxn id="69" idx="0"/>
-            </p:cNvCxnSpPr>
-            <p:nvPr/>
-          </p:nvCxnSpPr>
-          <p:spPr>
-            <a:xfrm flipH="1">
-              <a:off x="7312215" y="4809599"/>
-              <a:ext cx="674074" cy="1940484"/>
-            </a:xfrm>
-            <a:prstGeom prst="straightConnector1">
-              <a:avLst/>
-            </a:prstGeom>
-            <a:ln w="25400">
-              <a:solidFill>
-                <a:schemeClr val="tx1"/>
-              </a:solidFill>
-              <a:tailEnd type="triangle"/>
-            </a:ln>
-          </p:spPr>
-          <p:style>
-            <a:lnRef idx="1">
-              <a:schemeClr val="accent1"/>
-            </a:lnRef>
-            <a:fillRef idx="0">
-              <a:schemeClr val="accent1"/>
-            </a:fillRef>
-            <a:effectRef idx="0">
-              <a:schemeClr val="accent1"/>
-            </a:effectRef>
-            <a:fontRef idx="minor">
-              <a:schemeClr val="tx1"/>
-            </a:fontRef>
-          </p:style>
-        </p:cxnSp>
-        <p:sp>
-          <p:nvSpPr>
-            <p:cNvPr id="69" name="TextBox 68">
-              <a:extLst>
-                <a:ext uri="{FF2B5EF4-FFF2-40B4-BE49-F238E27FC236}">
-                  <a16:creationId xmlns:a16="http://schemas.microsoft.com/office/drawing/2014/main" id="{A6856ED8-FF67-904F-BEDE-D8995DA589AE}"/>
-                </a:ext>
-              </a:extLst>
-            </p:cNvPr>
-            <p:cNvSpPr txBox="1"/>
-            <p:nvPr/>
-          </p:nvSpPr>
-          <p:spPr>
-            <a:xfrm>
-              <a:off x="6267855" y="6750083"/>
-              <a:ext cx="2088719" cy="630942"/>
-            </a:xfrm>
-            <a:prstGeom prst="rect">
-              <a:avLst/>
-            </a:prstGeom>
-            <a:noFill/>
-            <a:ln>
-              <a:solidFill>
-                <a:schemeClr val="tx1"/>
-              </a:solidFill>
-            </a:ln>
-          </p:spPr>
-          <p:txBody>
-            <a:bodyPr wrap="square" rtlCol="0">
-              <a:spAutoFit/>
-            </a:bodyPr>
-            <a:lstStyle/>
-            <a:p>
-              <a:r>
-                <a:rPr lang="en-US" sz="3500" dirty="0"/>
-                <a:t>Continue</a:t>
-              </a:r>
-            </a:p>
-          </p:txBody>
-        </p:sp>
-        <p:cxnSp>
-          <p:nvCxnSpPr>
-            <p:cNvPr id="70" name="Straight Arrow Connector 69">
-              <a:extLst>
-                <a:ext uri="{FF2B5EF4-FFF2-40B4-BE49-F238E27FC236}">
-                  <a16:creationId xmlns:a16="http://schemas.microsoft.com/office/drawing/2014/main" id="{F0D79985-6BE4-8645-ACE9-78D0471AB4FF}"/>
-                </a:ext>
-              </a:extLst>
-            </p:cNvPr>
-            <p:cNvCxnSpPr>
-              <a:cxnSpLocks/>
-              <a:stCxn id="55" idx="2"/>
-              <a:endCxn id="69" idx="0"/>
-            </p:cNvCxnSpPr>
-            <p:nvPr/>
-          </p:nvCxnSpPr>
-          <p:spPr>
-            <a:xfrm>
-              <a:off x="5867310" y="5888683"/>
-              <a:ext cx="1444905" cy="861400"/>
-            </a:xfrm>
-            <a:prstGeom prst="straightConnector1">
-              <a:avLst/>
-            </a:prstGeom>
-            <a:ln w="25400">
-              <a:solidFill>
-                <a:schemeClr val="tx1"/>
-              </a:solidFill>
-              <a:tailEnd type="triangle"/>
-            </a:ln>
-          </p:spPr>
-          <p:style>
-            <a:lnRef idx="1">
-              <a:schemeClr val="accent1"/>
-            </a:lnRef>
-            <a:fillRef idx="0">
-              <a:schemeClr val="accent1"/>
-            </a:fillRef>
-            <a:effectRef idx="0">
-              <a:schemeClr val="accent1"/>
-            </a:effectRef>
-            <a:fontRef idx="minor">
-              <a:schemeClr val="tx1"/>
-            </a:fontRef>
-          </p:style>
-        </p:cxnSp>
-        <p:cxnSp>
-          <p:nvCxnSpPr>
-            <p:cNvPr id="74" name="Straight Arrow Connector 73">
-              <a:extLst>
-                <a:ext uri="{FF2B5EF4-FFF2-40B4-BE49-F238E27FC236}">
-                  <a16:creationId xmlns:a16="http://schemas.microsoft.com/office/drawing/2014/main" id="{2EAFB43A-792B-2748-B949-0AE4EE4C26DE}"/>
-                </a:ext>
-              </a:extLst>
-            </p:cNvPr>
-            <p:cNvCxnSpPr>
-              <a:cxnSpLocks/>
-              <a:stCxn id="58" idx="2"/>
-              <a:endCxn id="69" idx="0"/>
-            </p:cNvCxnSpPr>
-            <p:nvPr/>
-          </p:nvCxnSpPr>
-          <p:spPr>
-            <a:xfrm flipH="1">
-              <a:off x="7312215" y="6360979"/>
-              <a:ext cx="2092686" cy="389104"/>
-            </a:xfrm>
-            <a:prstGeom prst="straightConnector1">
-              <a:avLst/>
-            </a:prstGeom>
-            <a:ln w="25400">
-              <a:solidFill>
-                <a:schemeClr val="tx1"/>
-              </a:solidFill>
-              <a:tailEnd type="triangle"/>
-            </a:ln>
-          </p:spPr>
-          <p:style>
-            <a:lnRef idx="1">
-              <a:schemeClr val="accent1"/>
-            </a:lnRef>
-            <a:fillRef idx="0">
-              <a:schemeClr val="accent1"/>
-            </a:fillRef>
-            <a:effectRef idx="0">
-              <a:schemeClr val="accent1"/>
-            </a:effectRef>
-            <a:fontRef idx="minor">
-              <a:schemeClr val="tx1"/>
-            </a:fontRef>
-          </p:style>
-        </p:cxnSp>
-      </p:grpSp>
       <p:cxnSp>
         <p:nvCxnSpPr>
-          <p:cNvPr id="123" name="Curved Connector 122">
-            <a:extLst>
-              <a:ext uri="{FF2B5EF4-FFF2-40B4-BE49-F238E27FC236}">
-                <a16:creationId xmlns:a16="http://schemas.microsoft.com/office/drawing/2014/main" id="{26D7BFE1-60D3-9A42-B13C-3394534D6C70}"/>
+          <p:cNvPr id="38" name="Straight Arrow Connector 37">
+            <a:extLst>
+              <a:ext uri="{FF2B5EF4-FFF2-40B4-BE49-F238E27FC236}">
+                <a16:creationId xmlns:a16="http://schemas.microsoft.com/office/drawing/2014/main" id="{51043B32-AA2D-9F49-8E1A-91915D01C37E}"/>
               </a:ext>
             </a:extLst>
           </p:cNvPr>
           <p:cNvCxnSpPr>
             <a:cxnSpLocks/>
-            <a:stCxn id="6" idx="3"/>
-            <a:endCxn id="25" idx="1"/>
+            <a:stCxn id="27" idx="3"/>
+            <a:endCxn id="28" idx="1"/>
           </p:cNvCxnSpPr>
           <p:nvPr/>
         </p:nvCxnSpPr>
         <p:spPr>
-          <a:xfrm flipV="1">
-            <a:off x="3334564" y="1006240"/>
-            <a:ext cx="3696173" cy="3651177"/>
-          </a:xfrm>
-          <a:prstGeom prst="curvedConnector3">
-            <a:avLst>
-              <a:gd name="adj1" fmla="val 50000"/>
-            </a:avLst>
-          </a:prstGeom>
-          <a:ln w="50800">
+          <a:xfrm>
+            <a:off x="8748303" y="2082565"/>
+            <a:ext cx="355864" cy="76831"/>
+          </a:xfrm>
+          <a:prstGeom prst="straightConnector1">
+            <a:avLst/>
+          </a:prstGeom>
+          <a:ln w="25400">
             <a:solidFill>
               <a:schemeClr val="tx1"/>
             </a:solidFill>
@@ -5948,36 +5234,639 @@
           </a:fontRef>
         </p:style>
       </p:cxnSp>
-      <p:pic>
-        <p:nvPicPr>
-          <p:cNvPr id="221" name="Picture 220">
-            <a:extLst>
-              <a:ext uri="{FF2B5EF4-FFF2-40B4-BE49-F238E27FC236}">
-                <a16:creationId xmlns:a16="http://schemas.microsoft.com/office/drawing/2014/main" id="{2724668F-64BA-F745-A103-9232CCDF7193}"/>
-              </a:ext>
-            </a:extLst>
-          </p:cNvPr>
-          <p:cNvPicPr>
-            <a:picLocks noChangeAspect="1"/>
-          </p:cNvPicPr>
-          <p:nvPr/>
-        </p:nvPicPr>
-        <p:blipFill>
-          <a:blip r:embed="rId2"/>
-          <a:stretch>
-            <a:fillRect/>
-          </a:stretch>
-        </p:blipFill>
-        <p:spPr>
-          <a:xfrm>
-            <a:off x="386724" y="5386069"/>
-            <a:ext cx="3623930" cy="1329381"/>
+      <p:cxnSp>
+        <p:nvCxnSpPr>
+          <p:cNvPr id="41" name="Straight Arrow Connector 40">
+            <a:extLst>
+              <a:ext uri="{FF2B5EF4-FFF2-40B4-BE49-F238E27FC236}">
+                <a16:creationId xmlns:a16="http://schemas.microsoft.com/office/drawing/2014/main" id="{15A1CBF2-E79F-9341-9CE7-DF1668577B03}"/>
+              </a:ext>
+            </a:extLst>
+          </p:cNvPr>
+          <p:cNvCxnSpPr>
+            <a:cxnSpLocks/>
+            <a:stCxn id="28" idx="2"/>
+            <a:endCxn id="31" idx="0"/>
+          </p:cNvCxnSpPr>
+          <p:nvPr/>
+        </p:nvCxnSpPr>
+        <p:spPr>
+          <a:xfrm flipH="1">
+            <a:off x="8911133" y="2474867"/>
+            <a:ext cx="1004490" cy="392501"/>
+          </a:xfrm>
+          <a:prstGeom prst="straightConnector1">
+            <a:avLst/>
+          </a:prstGeom>
+          <a:ln w="25400">
+            <a:solidFill>
+              <a:schemeClr val="tx1"/>
+            </a:solidFill>
+            <a:tailEnd type="triangle"/>
+          </a:ln>
+        </p:spPr>
+        <p:style>
+          <a:lnRef idx="1">
+            <a:schemeClr val="accent1"/>
+          </a:lnRef>
+          <a:fillRef idx="0">
+            <a:schemeClr val="accent1"/>
+          </a:fillRef>
+          <a:effectRef idx="0">
+            <a:schemeClr val="accent1"/>
+          </a:effectRef>
+          <a:fontRef idx="minor">
+            <a:schemeClr val="tx1"/>
+          </a:fontRef>
+        </p:style>
+      </p:cxnSp>
+      <p:cxnSp>
+        <p:nvCxnSpPr>
+          <p:cNvPr id="44" name="Straight Arrow Connector 43">
+            <a:extLst>
+              <a:ext uri="{FF2B5EF4-FFF2-40B4-BE49-F238E27FC236}">
+                <a16:creationId xmlns:a16="http://schemas.microsoft.com/office/drawing/2014/main" id="{009447D2-0F9D-D54F-B71C-9ABB23CC0620}"/>
+              </a:ext>
+            </a:extLst>
+          </p:cNvPr>
+          <p:cNvCxnSpPr>
+            <a:cxnSpLocks/>
+            <a:stCxn id="28" idx="2"/>
+            <a:endCxn id="30" idx="0"/>
+          </p:cNvCxnSpPr>
+          <p:nvPr/>
+        </p:nvCxnSpPr>
+        <p:spPr>
+          <a:xfrm>
+            <a:off x="9915623" y="2474867"/>
+            <a:ext cx="5939" cy="383148"/>
+          </a:xfrm>
+          <a:prstGeom prst="straightConnector1">
+            <a:avLst/>
+          </a:prstGeom>
+          <a:ln w="25400">
+            <a:solidFill>
+              <a:schemeClr val="tx1"/>
+            </a:solidFill>
+            <a:tailEnd type="triangle"/>
+          </a:ln>
+        </p:spPr>
+        <p:style>
+          <a:lnRef idx="1">
+            <a:schemeClr val="accent1"/>
+          </a:lnRef>
+          <a:fillRef idx="0">
+            <a:schemeClr val="accent1"/>
+          </a:fillRef>
+          <a:effectRef idx="0">
+            <a:schemeClr val="accent1"/>
+          </a:effectRef>
+          <a:fontRef idx="minor">
+            <a:schemeClr val="tx1"/>
+          </a:fontRef>
+        </p:style>
+      </p:cxnSp>
+      <p:cxnSp>
+        <p:nvCxnSpPr>
+          <p:cNvPr id="49" name="Straight Arrow Connector 48">
+            <a:extLst>
+              <a:ext uri="{FF2B5EF4-FFF2-40B4-BE49-F238E27FC236}">
+                <a16:creationId xmlns:a16="http://schemas.microsoft.com/office/drawing/2014/main" id="{01D20F82-0381-9045-808B-1C69991B543F}"/>
+              </a:ext>
+            </a:extLst>
+          </p:cNvPr>
+          <p:cNvCxnSpPr>
+            <a:cxnSpLocks/>
+            <a:stCxn id="26" idx="2"/>
+            <a:endCxn id="29" idx="0"/>
+          </p:cNvCxnSpPr>
+          <p:nvPr/>
+        </p:nvCxnSpPr>
+        <p:spPr>
+          <a:xfrm>
+            <a:off x="7130875" y="2502144"/>
+            <a:ext cx="17229" cy="298632"/>
+          </a:xfrm>
+          <a:prstGeom prst="straightConnector1">
+            <a:avLst/>
+          </a:prstGeom>
+          <a:ln w="25400">
+            <a:solidFill>
+              <a:schemeClr val="tx1"/>
+            </a:solidFill>
+            <a:tailEnd type="triangle"/>
+          </a:ln>
+        </p:spPr>
+        <p:style>
+          <a:lnRef idx="1">
+            <a:schemeClr val="accent1"/>
+          </a:lnRef>
+          <a:fillRef idx="0">
+            <a:schemeClr val="accent1"/>
+          </a:fillRef>
+          <a:effectRef idx="0">
+            <a:schemeClr val="accent1"/>
+          </a:effectRef>
+          <a:fontRef idx="minor">
+            <a:schemeClr val="tx1"/>
+          </a:fontRef>
+        </p:style>
+      </p:cxnSp>
+      <p:sp>
+        <p:nvSpPr>
+          <p:cNvPr id="52" name="TextBox 51">
+            <a:extLst>
+              <a:ext uri="{FF2B5EF4-FFF2-40B4-BE49-F238E27FC236}">
+                <a16:creationId xmlns:a16="http://schemas.microsoft.com/office/drawing/2014/main" id="{88825186-087D-7547-A40A-3D2FFC798F5C}"/>
+              </a:ext>
+            </a:extLst>
+          </p:cNvPr>
+          <p:cNvSpPr txBox="1"/>
+          <p:nvPr/>
+        </p:nvSpPr>
+        <p:spPr>
+          <a:xfrm>
+            <a:off x="8865804" y="3679943"/>
+            <a:ext cx="2099635" cy="630942"/>
           </a:xfrm>
           <a:prstGeom prst="rect">
             <a:avLst/>
           </a:prstGeom>
-        </p:spPr>
-      </p:pic>
+          <a:noFill/>
+          <a:ln>
+            <a:solidFill>
+              <a:schemeClr val="tx1"/>
+            </a:solidFill>
+          </a:ln>
+        </p:spPr>
+        <p:txBody>
+          <a:bodyPr wrap="square" rtlCol="0">
+            <a:spAutoFit/>
+          </a:bodyPr>
+          <a:lstStyle/>
+          <a:p>
+            <a:r>
+              <a:rPr lang="en-US" sz="3500" dirty="0"/>
+              <a:t>Fix/break</a:t>
+            </a:r>
+          </a:p>
+        </p:txBody>
+      </p:sp>
+      <p:cxnSp>
+        <p:nvCxnSpPr>
+          <p:cNvPr id="53" name="Straight Arrow Connector 52">
+            <a:extLst>
+              <a:ext uri="{FF2B5EF4-FFF2-40B4-BE49-F238E27FC236}">
+                <a16:creationId xmlns:a16="http://schemas.microsoft.com/office/drawing/2014/main" id="{0647FD83-4A23-AF49-82CD-B20CB5E4BB5A}"/>
+              </a:ext>
+            </a:extLst>
+          </p:cNvPr>
+          <p:cNvCxnSpPr>
+            <a:cxnSpLocks/>
+            <a:stCxn id="29" idx="2"/>
+            <a:endCxn id="55" idx="0"/>
+          </p:cNvCxnSpPr>
+          <p:nvPr/>
+        </p:nvCxnSpPr>
+        <p:spPr>
+          <a:xfrm flipH="1">
+            <a:off x="7130874" y="3431718"/>
+            <a:ext cx="17230" cy="298632"/>
+          </a:xfrm>
+          <a:prstGeom prst="straightConnector1">
+            <a:avLst/>
+          </a:prstGeom>
+          <a:ln w="25400">
+            <a:solidFill>
+              <a:schemeClr val="tx1"/>
+            </a:solidFill>
+            <a:tailEnd type="triangle"/>
+          </a:ln>
+        </p:spPr>
+        <p:style>
+          <a:lnRef idx="1">
+            <a:schemeClr val="accent1"/>
+          </a:lnRef>
+          <a:fillRef idx="0">
+            <a:schemeClr val="accent1"/>
+          </a:fillRef>
+          <a:effectRef idx="0">
+            <a:schemeClr val="accent1"/>
+          </a:effectRef>
+          <a:fontRef idx="minor">
+            <a:schemeClr val="tx1"/>
+          </a:fontRef>
+        </p:style>
+      </p:cxnSp>
+      <p:sp>
+        <p:nvSpPr>
+          <p:cNvPr id="55" name="TextBox 54">
+            <a:extLst>
+              <a:ext uri="{FF2B5EF4-FFF2-40B4-BE49-F238E27FC236}">
+                <a16:creationId xmlns:a16="http://schemas.microsoft.com/office/drawing/2014/main" id="{AD5723CB-B32F-B045-83D2-AA9008A7B395}"/>
+              </a:ext>
+            </a:extLst>
+          </p:cNvPr>
+          <p:cNvSpPr txBox="1"/>
+          <p:nvPr/>
+        </p:nvSpPr>
+        <p:spPr>
+          <a:xfrm>
+            <a:off x="6247644" y="3730350"/>
+            <a:ext cx="1766460" cy="1169551"/>
+          </a:xfrm>
+          <a:prstGeom prst="rect">
+            <a:avLst/>
+          </a:prstGeom>
+          <a:noFill/>
+          <a:ln>
+            <a:solidFill>
+              <a:schemeClr val="tx1"/>
+            </a:solidFill>
+          </a:ln>
+        </p:spPr>
+        <p:txBody>
+          <a:bodyPr wrap="square" rtlCol="0">
+            <a:spAutoFit/>
+          </a:bodyPr>
+          <a:lstStyle/>
+          <a:p>
+            <a:pPr algn="ctr"/>
+            <a:r>
+              <a:rPr lang="en-US" sz="3500" dirty="0"/>
+              <a:t>Update </a:t>
+            </a:r>
+            <a:r>
+              <a:rPr lang="en-US" sz="3500" dirty="0" err="1"/>
+              <a:t>bcond</a:t>
+            </a:r>
+            <a:endParaRPr lang="en-US" sz="3500" dirty="0"/>
+          </a:p>
+        </p:txBody>
+      </p:sp>
+      <p:sp>
+        <p:nvSpPr>
+          <p:cNvPr id="58" name="TextBox 57">
+            <a:extLst>
+              <a:ext uri="{FF2B5EF4-FFF2-40B4-BE49-F238E27FC236}">
+                <a16:creationId xmlns:a16="http://schemas.microsoft.com/office/drawing/2014/main" id="{CA2EB678-BFBA-9143-98FB-AA458A915C77}"/>
+              </a:ext>
+            </a:extLst>
+          </p:cNvPr>
+          <p:cNvSpPr txBox="1"/>
+          <p:nvPr/>
+        </p:nvSpPr>
+        <p:spPr>
+          <a:xfrm>
+            <a:off x="8537726" y="4626356"/>
+            <a:ext cx="2755789" cy="630942"/>
+          </a:xfrm>
+          <a:prstGeom prst="rect">
+            <a:avLst/>
+          </a:prstGeom>
+          <a:noFill/>
+          <a:ln>
+            <a:solidFill>
+              <a:schemeClr val="tx1"/>
+            </a:solidFill>
+          </a:ln>
+        </p:spPr>
+        <p:txBody>
+          <a:bodyPr wrap="square" rtlCol="0">
+            <a:spAutoFit/>
+          </a:bodyPr>
+          <a:lstStyle/>
+          <a:p>
+            <a:r>
+              <a:rPr lang="en-US" sz="3500" dirty="0"/>
+              <a:t>Update </a:t>
+            </a:r>
+            <a:r>
+              <a:rPr lang="en-US" sz="3500" dirty="0" err="1"/>
+              <a:t>bcond</a:t>
+            </a:r>
+            <a:endParaRPr lang="en-US" sz="3500" dirty="0"/>
+          </a:p>
+        </p:txBody>
+      </p:sp>
+      <p:cxnSp>
+        <p:nvCxnSpPr>
+          <p:cNvPr id="59" name="Straight Arrow Connector 58">
+            <a:extLst>
+              <a:ext uri="{FF2B5EF4-FFF2-40B4-BE49-F238E27FC236}">
+                <a16:creationId xmlns:a16="http://schemas.microsoft.com/office/drawing/2014/main" id="{7ACE28C8-3DF2-1D4A-B160-BA3E89ECB86B}"/>
+              </a:ext>
+            </a:extLst>
+          </p:cNvPr>
+          <p:cNvCxnSpPr>
+            <a:cxnSpLocks/>
+            <a:stCxn id="52" idx="2"/>
+            <a:endCxn id="58" idx="0"/>
+          </p:cNvCxnSpPr>
+          <p:nvPr/>
+        </p:nvCxnSpPr>
+        <p:spPr>
+          <a:xfrm flipH="1">
+            <a:off x="9915621" y="4310885"/>
+            <a:ext cx="1" cy="315471"/>
+          </a:xfrm>
+          <a:prstGeom prst="straightConnector1">
+            <a:avLst/>
+          </a:prstGeom>
+          <a:ln w="25400">
+            <a:solidFill>
+              <a:schemeClr val="tx1"/>
+            </a:solidFill>
+            <a:tailEnd type="triangle"/>
+          </a:ln>
+        </p:spPr>
+        <p:style>
+          <a:lnRef idx="1">
+            <a:schemeClr val="accent1"/>
+          </a:lnRef>
+          <a:fillRef idx="0">
+            <a:schemeClr val="accent1"/>
+          </a:fillRef>
+          <a:effectRef idx="0">
+            <a:schemeClr val="accent1"/>
+          </a:effectRef>
+          <a:fontRef idx="minor">
+            <a:schemeClr val="tx1"/>
+          </a:fontRef>
+        </p:style>
+      </p:cxnSp>
+      <p:cxnSp>
+        <p:nvCxnSpPr>
+          <p:cNvPr id="62" name="Straight Arrow Connector 61">
+            <a:extLst>
+              <a:ext uri="{FF2B5EF4-FFF2-40B4-BE49-F238E27FC236}">
+                <a16:creationId xmlns:a16="http://schemas.microsoft.com/office/drawing/2014/main" id="{451A3769-9452-9643-9B86-9A4289131354}"/>
+              </a:ext>
+            </a:extLst>
+          </p:cNvPr>
+          <p:cNvCxnSpPr>
+            <a:cxnSpLocks/>
+            <a:stCxn id="30" idx="2"/>
+            <a:endCxn id="52" idx="0"/>
+          </p:cNvCxnSpPr>
+          <p:nvPr/>
+        </p:nvCxnSpPr>
+        <p:spPr>
+          <a:xfrm flipH="1">
+            <a:off x="9915622" y="3488957"/>
+            <a:ext cx="5940" cy="190986"/>
+          </a:xfrm>
+          <a:prstGeom prst="straightConnector1">
+            <a:avLst/>
+          </a:prstGeom>
+          <a:ln w="25400">
+            <a:solidFill>
+              <a:schemeClr val="tx1"/>
+            </a:solidFill>
+            <a:tailEnd type="triangle"/>
+          </a:ln>
+        </p:spPr>
+        <p:style>
+          <a:lnRef idx="1">
+            <a:schemeClr val="accent1"/>
+          </a:lnRef>
+          <a:fillRef idx="0">
+            <a:schemeClr val="accent1"/>
+          </a:fillRef>
+          <a:effectRef idx="0">
+            <a:schemeClr val="accent1"/>
+          </a:effectRef>
+          <a:fontRef idx="minor">
+            <a:schemeClr val="tx1"/>
+          </a:fontRef>
+        </p:style>
+      </p:cxnSp>
+      <p:cxnSp>
+        <p:nvCxnSpPr>
+          <p:cNvPr id="65" name="Straight Arrow Connector 64">
+            <a:extLst>
+              <a:ext uri="{FF2B5EF4-FFF2-40B4-BE49-F238E27FC236}">
+                <a16:creationId xmlns:a16="http://schemas.microsoft.com/office/drawing/2014/main" id="{5139634E-0D2F-0E4C-8369-C41B04AF10FA}"/>
+              </a:ext>
+            </a:extLst>
+          </p:cNvPr>
+          <p:cNvCxnSpPr>
+            <a:cxnSpLocks/>
+            <a:stCxn id="31" idx="2"/>
+            <a:endCxn id="69" idx="0"/>
+          </p:cNvCxnSpPr>
+          <p:nvPr/>
+        </p:nvCxnSpPr>
+        <p:spPr>
+          <a:xfrm flipH="1">
+            <a:off x="7847705" y="3498310"/>
+            <a:ext cx="1063428" cy="2339801"/>
+          </a:xfrm>
+          <a:prstGeom prst="straightConnector1">
+            <a:avLst/>
+          </a:prstGeom>
+          <a:ln w="25400">
+            <a:solidFill>
+              <a:schemeClr val="tx1"/>
+            </a:solidFill>
+            <a:tailEnd type="triangle"/>
+          </a:ln>
+        </p:spPr>
+        <p:style>
+          <a:lnRef idx="1">
+            <a:schemeClr val="accent1"/>
+          </a:lnRef>
+          <a:fillRef idx="0">
+            <a:schemeClr val="accent1"/>
+          </a:fillRef>
+          <a:effectRef idx="0">
+            <a:schemeClr val="accent1"/>
+          </a:effectRef>
+          <a:fontRef idx="minor">
+            <a:schemeClr val="tx1"/>
+          </a:fontRef>
+        </p:style>
+      </p:cxnSp>
+      <p:sp>
+        <p:nvSpPr>
+          <p:cNvPr id="69" name="TextBox 68">
+            <a:extLst>
+              <a:ext uri="{FF2B5EF4-FFF2-40B4-BE49-F238E27FC236}">
+                <a16:creationId xmlns:a16="http://schemas.microsoft.com/office/drawing/2014/main" id="{A6856ED8-FF67-904F-BEDE-D8995DA589AE}"/>
+              </a:ext>
+            </a:extLst>
+          </p:cNvPr>
+          <p:cNvSpPr txBox="1"/>
+          <p:nvPr/>
+        </p:nvSpPr>
+        <p:spPr>
+          <a:xfrm>
+            <a:off x="6803345" y="5838111"/>
+            <a:ext cx="2088719" cy="630942"/>
+          </a:xfrm>
+          <a:prstGeom prst="rect">
+            <a:avLst/>
+          </a:prstGeom>
+          <a:noFill/>
+          <a:ln>
+            <a:solidFill>
+              <a:schemeClr val="tx1"/>
+            </a:solidFill>
+          </a:ln>
+        </p:spPr>
+        <p:txBody>
+          <a:bodyPr wrap="square" rtlCol="0">
+            <a:spAutoFit/>
+          </a:bodyPr>
+          <a:lstStyle/>
+          <a:p>
+            <a:r>
+              <a:rPr lang="en-US" sz="3500" dirty="0"/>
+              <a:t>Continue</a:t>
+            </a:r>
+          </a:p>
+        </p:txBody>
+      </p:sp>
+      <p:cxnSp>
+        <p:nvCxnSpPr>
+          <p:cNvPr id="70" name="Straight Arrow Connector 69">
+            <a:extLst>
+              <a:ext uri="{FF2B5EF4-FFF2-40B4-BE49-F238E27FC236}">
+                <a16:creationId xmlns:a16="http://schemas.microsoft.com/office/drawing/2014/main" id="{F0D79985-6BE4-8645-ACE9-78D0471AB4FF}"/>
+              </a:ext>
+            </a:extLst>
+          </p:cNvPr>
+          <p:cNvCxnSpPr>
+            <a:cxnSpLocks/>
+            <a:stCxn id="55" idx="2"/>
+            <a:endCxn id="69" idx="0"/>
+          </p:cNvCxnSpPr>
+          <p:nvPr/>
+        </p:nvCxnSpPr>
+        <p:spPr>
+          <a:xfrm>
+            <a:off x="7130874" y="4899901"/>
+            <a:ext cx="716831" cy="938210"/>
+          </a:xfrm>
+          <a:prstGeom prst="straightConnector1">
+            <a:avLst/>
+          </a:prstGeom>
+          <a:ln w="25400">
+            <a:solidFill>
+              <a:schemeClr val="tx1"/>
+            </a:solidFill>
+            <a:tailEnd type="triangle"/>
+          </a:ln>
+        </p:spPr>
+        <p:style>
+          <a:lnRef idx="1">
+            <a:schemeClr val="accent1"/>
+          </a:lnRef>
+          <a:fillRef idx="0">
+            <a:schemeClr val="accent1"/>
+          </a:fillRef>
+          <a:effectRef idx="0">
+            <a:schemeClr val="accent1"/>
+          </a:effectRef>
+          <a:fontRef idx="minor">
+            <a:schemeClr val="tx1"/>
+          </a:fontRef>
+        </p:style>
+      </p:cxnSp>
+      <p:cxnSp>
+        <p:nvCxnSpPr>
+          <p:cNvPr id="74" name="Straight Arrow Connector 73">
+            <a:extLst>
+              <a:ext uri="{FF2B5EF4-FFF2-40B4-BE49-F238E27FC236}">
+                <a16:creationId xmlns:a16="http://schemas.microsoft.com/office/drawing/2014/main" id="{2EAFB43A-792B-2748-B949-0AE4EE4C26DE}"/>
+              </a:ext>
+            </a:extLst>
+          </p:cNvPr>
+          <p:cNvCxnSpPr>
+            <a:cxnSpLocks/>
+            <a:stCxn id="58" idx="2"/>
+            <a:endCxn id="69" idx="0"/>
+          </p:cNvCxnSpPr>
+          <p:nvPr/>
+        </p:nvCxnSpPr>
+        <p:spPr>
+          <a:xfrm flipH="1">
+            <a:off x="7847705" y="5257298"/>
+            <a:ext cx="2067916" cy="580813"/>
+          </a:xfrm>
+          <a:prstGeom prst="straightConnector1">
+            <a:avLst/>
+          </a:prstGeom>
+          <a:ln w="25400">
+            <a:solidFill>
+              <a:schemeClr val="tx1"/>
+            </a:solidFill>
+            <a:tailEnd type="triangle"/>
+          </a:ln>
+        </p:spPr>
+        <p:style>
+          <a:lnRef idx="1">
+            <a:schemeClr val="accent1"/>
+          </a:lnRef>
+          <a:fillRef idx="0">
+            <a:schemeClr val="accent1"/>
+          </a:fillRef>
+          <a:effectRef idx="0">
+            <a:schemeClr val="accent1"/>
+          </a:effectRef>
+          <a:fontRef idx="minor">
+            <a:schemeClr val="tx1"/>
+          </a:fontRef>
+        </p:style>
+      </p:cxnSp>
+      <p:cxnSp>
+        <p:nvCxnSpPr>
+          <p:cNvPr id="123" name="Curved Connector 122">
+            <a:extLst>
+              <a:ext uri="{FF2B5EF4-FFF2-40B4-BE49-F238E27FC236}">
+                <a16:creationId xmlns:a16="http://schemas.microsoft.com/office/drawing/2014/main" id="{26D7BFE1-60D3-9A42-B13C-3394534D6C70}"/>
+              </a:ext>
+            </a:extLst>
+          </p:cNvPr>
+          <p:cNvCxnSpPr>
+            <a:cxnSpLocks/>
+            <a:stCxn id="17" idx="3"/>
+            <a:endCxn id="25" idx="1"/>
+          </p:cNvCxnSpPr>
+          <p:nvPr/>
+        </p:nvCxnSpPr>
+        <p:spPr>
+          <a:xfrm flipV="1">
+            <a:off x="3695746" y="782165"/>
+            <a:ext cx="3672017" cy="3537176"/>
+          </a:xfrm>
+          <a:prstGeom prst="curvedConnector3">
+            <a:avLst>
+              <a:gd name="adj1" fmla="val 50000"/>
+            </a:avLst>
+          </a:prstGeom>
+          <a:ln w="50800">
+            <a:solidFill>
+              <a:schemeClr val="tx1"/>
+            </a:solidFill>
+            <a:tailEnd type="triangle"/>
+          </a:ln>
+        </p:spPr>
+        <p:style>
+          <a:lnRef idx="1">
+            <a:schemeClr val="accent1"/>
+          </a:lnRef>
+          <a:fillRef idx="0">
+            <a:schemeClr val="accent1"/>
+          </a:fillRef>
+          <a:effectRef idx="0">
+            <a:schemeClr val="accent1"/>
+          </a:effectRef>
+          <a:fontRef idx="minor">
+            <a:schemeClr val="tx1"/>
+          </a:fontRef>
+        </p:style>
+      </p:cxnSp>
     </p:spTree>
     <p:extLst>
       <p:ext uri="{BB962C8B-B14F-4D97-AF65-F5344CB8AC3E}">
@@ -6022,8 +5911,8 @@
         </p:nvSpPr>
         <p:spPr>
           <a:xfrm>
-            <a:off x="332481" y="291518"/>
-            <a:ext cx="3031343" cy="553998"/>
+            <a:off x="332481" y="174844"/>
+            <a:ext cx="4086760" cy="707886"/>
           </a:xfrm>
           <a:prstGeom prst="rect">
             <a:avLst/>
@@ -6037,7 +5926,7 @@
           <a:lstStyle/>
           <a:p>
             <a:r>
-              <a:rPr lang="en-US" sz="3000" dirty="0"/>
+              <a:rPr lang="en-US" sz="4000" b="1" dirty="0"/>
               <a:t>Ride, tasks on ride</a:t>
             </a:r>
           </a:p>
@@ -6113,7 +6002,7 @@
         </p:nvSpPr>
         <p:spPr>
           <a:xfrm>
-            <a:off x="3020589" y="5078550"/>
+            <a:off x="3478521" y="4820749"/>
             <a:ext cx="1821332" cy="553998"/>
           </a:xfrm>
           <a:prstGeom prst="rect">
@@ -6211,8 +6100,8 @@
         </p:nvCxnSpPr>
         <p:spPr>
           <a:xfrm flipH="1">
-            <a:off x="1725260" y="3352303"/>
-            <a:ext cx="1069028" cy="469359"/>
+            <a:off x="2789997" y="3352303"/>
+            <a:ext cx="4291" cy="421413"/>
           </a:xfrm>
           <a:prstGeom prst="straightConnector1">
             <a:avLst/>
@@ -6294,7 +6183,7 @@
         </p:nvSpPr>
         <p:spPr>
           <a:xfrm>
-            <a:off x="8054960" y="2099894"/>
+            <a:off x="8088775" y="2112636"/>
             <a:ext cx="696153" cy="553998"/>
           </a:xfrm>
           <a:prstGeom prst="rect">
@@ -6427,8 +6316,8 @@
         </p:nvCxnSpPr>
         <p:spPr>
           <a:xfrm flipH="1">
-            <a:off x="8403037" y="1549477"/>
-            <a:ext cx="211052" cy="550417"/>
+            <a:off x="8436852" y="1549477"/>
+            <a:ext cx="177237" cy="563159"/>
           </a:xfrm>
           <a:prstGeom prst="straightConnector1">
             <a:avLst/>
@@ -6520,7 +6409,7 @@
         <p:spPr>
           <a:xfrm>
             <a:off x="10604201" y="3261801"/>
-            <a:ext cx="73991" cy="1355084"/>
+            <a:ext cx="0" cy="1402268"/>
           </a:xfrm>
           <a:prstGeom prst="straightConnector1">
             <a:avLst/>
@@ -6564,9 +6453,9 @@
           <p:nvPr/>
         </p:nvCxnSpPr>
         <p:spPr>
-          <a:xfrm>
-            <a:off x="8403037" y="2653892"/>
-            <a:ext cx="33707" cy="446767"/>
+          <a:xfrm flipH="1">
+            <a:off x="8436744" y="2666634"/>
+            <a:ext cx="108" cy="434025"/>
           </a:xfrm>
           <a:prstGeom prst="straightConnector1">
             <a:avLst/>
@@ -6611,8 +6500,8 @@
         </p:nvCxnSpPr>
         <p:spPr>
           <a:xfrm flipH="1">
-            <a:off x="8255330" y="4116322"/>
-            <a:ext cx="181414" cy="1701123"/>
+            <a:off x="8403036" y="4116322"/>
+            <a:ext cx="33708" cy="1701123"/>
           </a:xfrm>
           <a:prstGeom prst="straightConnector1">
             <a:avLst/>
@@ -6653,7 +6542,7 @@
         </p:nvSpPr>
         <p:spPr>
           <a:xfrm>
-            <a:off x="9441957" y="4616885"/>
+            <a:off x="9367966" y="4664069"/>
             <a:ext cx="2472470" cy="1015663"/>
           </a:xfrm>
           <a:prstGeom prst="rect">
@@ -6694,8 +6583,8 @@
         </p:nvSpPr>
         <p:spPr>
           <a:xfrm>
-            <a:off x="-5425" y="6114895"/>
-            <a:ext cx="3716768" cy="553998"/>
+            <a:off x="332481" y="6114895"/>
+            <a:ext cx="3378862" cy="553998"/>
           </a:xfrm>
           <a:prstGeom prst="rect">
             <a:avLst/>
@@ -6739,8 +6628,8 @@
         </p:nvCxnSpPr>
         <p:spPr>
           <a:xfrm flipV="1">
-            <a:off x="6296207" y="1041646"/>
-            <a:ext cx="770776" cy="3009069"/>
+            <a:off x="6429052" y="1041646"/>
+            <a:ext cx="637931" cy="4056102"/>
           </a:xfrm>
           <a:prstGeom prst="curvedConnector3">
             <a:avLst>
@@ -6837,7 +6726,7 @@
         </p:nvSpPr>
         <p:spPr>
           <a:xfrm>
-            <a:off x="116678" y="3821662"/>
+            <a:off x="1181415" y="3773716"/>
             <a:ext cx="3217163" cy="553998"/>
           </a:xfrm>
           <a:prstGeom prst="rect">
@@ -6889,8 +6778,8 @@
         </p:nvCxnSpPr>
         <p:spPr>
           <a:xfrm flipH="1">
-            <a:off x="771971" y="4375660"/>
-            <a:ext cx="953289" cy="813999"/>
+            <a:off x="2025524" y="4327714"/>
+            <a:ext cx="764473" cy="567187"/>
           </a:xfrm>
           <a:prstGeom prst="straightConnector1">
             <a:avLst/>
@@ -6931,7 +6820,7 @@
         </p:nvSpPr>
         <p:spPr>
           <a:xfrm>
-            <a:off x="423894" y="5189659"/>
+            <a:off x="1677447" y="4894901"/>
             <a:ext cx="696153" cy="553998"/>
           </a:xfrm>
           <a:prstGeom prst="rect">
@@ -6971,7 +6860,7 @@
         </p:nvSpPr>
         <p:spPr>
           <a:xfrm>
-            <a:off x="1848597" y="4766817"/>
+            <a:off x="2503805" y="4820749"/>
             <a:ext cx="590226" cy="553998"/>
           </a:xfrm>
           <a:prstGeom prst="rect">
@@ -7015,8 +6904,8 @@
         </p:nvCxnSpPr>
         <p:spPr>
           <a:xfrm>
-            <a:off x="1725260" y="4375660"/>
-            <a:ext cx="418450" cy="391157"/>
+            <a:off x="2789997" y="4327714"/>
+            <a:ext cx="8921" cy="493035"/>
           </a:xfrm>
           <a:prstGeom prst="straightConnector1">
             <a:avLst/>
@@ -7061,8 +6950,8 @@
         </p:nvCxnSpPr>
         <p:spPr>
           <a:xfrm>
-            <a:off x="2438823" y="5043816"/>
-            <a:ext cx="581766" cy="311733"/>
+            <a:off x="3094031" y="5097748"/>
+            <a:ext cx="384490" cy="0"/>
           </a:xfrm>
           <a:prstGeom prst="straightConnector1">
             <a:avLst/>
@@ -7106,9 +6995,9 @@
           <p:nvPr/>
         </p:nvCxnSpPr>
         <p:spPr>
-          <a:xfrm>
-            <a:off x="771971" y="5743657"/>
-            <a:ext cx="1080988" cy="371238"/>
+          <a:xfrm flipH="1">
+            <a:off x="2021912" y="5448899"/>
+            <a:ext cx="3612" cy="665996"/>
           </a:xfrm>
           <a:prstGeom prst="straightConnector1">
             <a:avLst/>
@@ -7152,9 +7041,9 @@
           <p:nvPr/>
         </p:nvCxnSpPr>
         <p:spPr>
-          <a:xfrm flipV="1">
-            <a:off x="4841921" y="4050715"/>
-            <a:ext cx="758133" cy="1304834"/>
+          <a:xfrm>
+            <a:off x="5299853" y="5097748"/>
+            <a:ext cx="433046" cy="0"/>
           </a:xfrm>
           <a:prstGeom prst="straightConnector1">
             <a:avLst/>
@@ -7195,7 +7084,7 @@
         </p:nvSpPr>
         <p:spPr>
           <a:xfrm>
-            <a:off x="5600054" y="3773716"/>
+            <a:off x="5732899" y="4820749"/>
             <a:ext cx="696153" cy="553998"/>
           </a:xfrm>
           <a:prstGeom prst="rect">
@@ -7235,7 +7124,7 @@
         </p:nvSpPr>
         <p:spPr>
           <a:xfrm>
-            <a:off x="5304941" y="5699983"/>
+            <a:off x="4101110" y="5817445"/>
             <a:ext cx="590226" cy="553998"/>
           </a:xfrm>
           <a:prstGeom prst="rect">
@@ -7272,15 +7161,15 @@
           </p:cNvPr>
           <p:cNvCxnSpPr>
             <a:cxnSpLocks/>
-            <a:stCxn id="6" idx="3"/>
-            <a:endCxn id="115" idx="1"/>
+            <a:stCxn id="6" idx="2"/>
+            <a:endCxn id="115" idx="0"/>
           </p:cNvCxnSpPr>
           <p:nvPr/>
         </p:nvCxnSpPr>
         <p:spPr>
           <a:xfrm>
-            <a:off x="4841921" y="5355549"/>
-            <a:ext cx="463020" cy="621433"/>
+            <a:off x="4389187" y="5374747"/>
+            <a:ext cx="7036" cy="442698"/>
           </a:xfrm>
           <a:prstGeom prst="straightConnector1">
             <a:avLst/>
@@ -7325,8 +7214,8 @@
         </p:nvCxnSpPr>
         <p:spPr>
           <a:xfrm>
-            <a:off x="5895167" y="5976982"/>
-            <a:ext cx="1581937" cy="117462"/>
+            <a:off x="4691336" y="6094444"/>
+            <a:ext cx="2933474" cy="0"/>
           </a:xfrm>
           <a:prstGeom prst="straightConnector1">
             <a:avLst/>
@@ -7367,7 +7256,7 @@
         </p:nvSpPr>
         <p:spPr>
           <a:xfrm>
-            <a:off x="7477104" y="5817445"/>
+            <a:off x="7624810" y="5817445"/>
             <a:ext cx="1556452" cy="553998"/>
           </a:xfrm>
           <a:prstGeom prst="rect">
